--- a/提案書/別紙1_サイト管理者の業務概要図.pptx
+++ b/提案書/別紙1_サイト管理者の業務概要図.pptx
@@ -5,18 +5,19 @@
     <p:sldMasterId id="2147483648" r:id="rId1"/>
   </p:sldMasterIdLst>
   <p:notesMasterIdLst>
-    <p:notesMasterId r:id="rId11"/>
+    <p:notesMasterId r:id="rId12"/>
   </p:notesMasterIdLst>
   <p:sldIdLst>
     <p:sldId id="258" r:id="rId2"/>
-    <p:sldId id="259" r:id="rId3"/>
-    <p:sldId id="261" r:id="rId4"/>
-    <p:sldId id="260" r:id="rId5"/>
-    <p:sldId id="262" r:id="rId6"/>
-    <p:sldId id="263" r:id="rId7"/>
-    <p:sldId id="264" r:id="rId8"/>
-    <p:sldId id="265" r:id="rId9"/>
-    <p:sldId id="267" r:id="rId10"/>
+    <p:sldId id="268" r:id="rId3"/>
+    <p:sldId id="259" r:id="rId4"/>
+    <p:sldId id="261" r:id="rId5"/>
+    <p:sldId id="260" r:id="rId6"/>
+    <p:sldId id="262" r:id="rId7"/>
+    <p:sldId id="263" r:id="rId8"/>
+    <p:sldId id="264" r:id="rId9"/>
+    <p:sldId id="265" r:id="rId10"/>
+    <p:sldId id="267" r:id="rId11"/>
   </p:sldIdLst>
   <p:sldSz cx="12192000" cy="6858000"/>
   <p:notesSz cx="6858000" cy="9144000"/>
@@ -115,6 +116,11 @@
       </a:defRPr>
     </a:lvl9pPr>
   </p:defaultTextStyle>
+  <p:extLst>
+    <p:ext uri="{EFAFB233-063F-42B5-8137-9DF3F51BA10A}">
+      <p15:sldGuideLst xmlns:p15="http://schemas.microsoft.com/office/powerpoint/2012/main"/>
+    </p:ext>
+  </p:extLst>
 </p:presentation>
 </file>
 
@@ -200,7 +206,7 @@
           <a:p>
             <a:fld id="{B78A6BF9-15A3-449C-A41A-F00F283642E9}" type="datetimeFigureOut">
               <a:rPr kumimoji="1" lang="ja-JP" altLang="en-US" smtClean="0"/>
-              <a:t>2025/6/18</a:t>
+              <a:t>2025/6/23</a:t>
             </a:fld>
             <a:endParaRPr kumimoji="1" lang="ja-JP" altLang="en-US"/>
           </a:p>
@@ -603,12 +609,18 @@
 </p:notes>
 </file>
 
-<file path=ppt/notesSlides/notesSlide2.xml><?xml version="1.0" encoding="utf-8"?>
+<file path=ppt/notesSlides/notesSlide10.xml><?xml version="1.0" encoding="utf-8"?>
 <p:notes xmlns:a="http://schemas.openxmlformats.org/drawingml/2006/main" xmlns:r="http://schemas.openxmlformats.org/officeDocument/2006/relationships" xmlns:p="http://schemas.openxmlformats.org/presentationml/2006/main" showMasterSp="0" showMasterPhAnim="0">
   <p:cSld>
     <p:spTree>
       <p:nvGrpSpPr>
-        <p:cNvPr id="1" name="Shape 56"/>
+        <p:cNvPr id="1" name="Shape 56">
+          <a:extLst>
+            <a:ext uri="{FF2B5EF4-FFF2-40B4-BE49-F238E27FC236}">
+              <a16:creationId xmlns:a16="http://schemas.microsoft.com/office/drawing/2014/main" id="{DF9903DB-7A6E-51C8-9B9D-DBF8E0E587E6}"/>
+            </a:ext>
+          </a:extLst>
+        </p:cNvPr>
         <p:cNvGrpSpPr/>
         <p:nvPr/>
       </p:nvGrpSpPr>
@@ -622,7 +634,13 @@
       </p:grpSpPr>
       <p:sp>
         <p:nvSpPr>
-          <p:cNvPr id="57" name="Google Shape;57;g279e641c04c_0_13:notes"/>
+          <p:cNvPr id="57" name="Google Shape;57;g279e641c04c_0_13:notes">
+            <a:extLst>
+              <a:ext uri="{FF2B5EF4-FFF2-40B4-BE49-F238E27FC236}">
+                <a16:creationId xmlns:a16="http://schemas.microsoft.com/office/drawing/2014/main" id="{26B13B6E-C16E-88FD-0D7F-47EE3BC23C4C}"/>
+              </a:ext>
+            </a:extLst>
+          </p:cNvPr>
           <p:cNvSpPr>
             <a:spLocks noGrp="1" noRot="1" noChangeAspect="1"/>
           </p:cNvSpPr>
@@ -663,7 +681,13 @@
       </p:sp>
       <p:sp>
         <p:nvSpPr>
-          <p:cNvPr id="58" name="Google Shape;58;g279e641c04c_0_13:notes"/>
+          <p:cNvPr id="58" name="Google Shape;58;g279e641c04c_0_13:notes">
+            <a:extLst>
+              <a:ext uri="{FF2B5EF4-FFF2-40B4-BE49-F238E27FC236}">
+                <a16:creationId xmlns:a16="http://schemas.microsoft.com/office/drawing/2014/main" id="{56BF356A-B4CF-250A-77DA-1E5765709BEA}"/>
+              </a:ext>
+            </a:extLst>
+          </p:cNvPr>
           <p:cNvSpPr txBox="1">
             <a:spLocks noGrp="1"/>
           </p:cNvSpPr>
@@ -700,6 +724,11 @@
         </p:txBody>
       </p:sp>
     </p:spTree>
+    <p:extLst>
+      <p:ext uri="{BB962C8B-B14F-4D97-AF65-F5344CB8AC3E}">
+        <p14:creationId xmlns:p14="http://schemas.microsoft.com/office/powerpoint/2010/main" val="3104321290"/>
+      </p:ext>
+    </p:extLst>
   </p:cSld>
   <p:clrMapOvr>
     <a:masterClrMapping/>
@@ -707,7 +736,7 @@
 </p:notes>
 </file>
 
-<file path=ppt/notesSlides/notesSlide3.xml><?xml version="1.0" encoding="utf-8"?>
+<file path=ppt/notesSlides/notesSlide2.xml><?xml version="1.0" encoding="utf-8"?>
 <p:notes xmlns:a="http://schemas.openxmlformats.org/drawingml/2006/main" xmlns:r="http://schemas.openxmlformats.org/officeDocument/2006/relationships" xmlns:p="http://schemas.openxmlformats.org/presentationml/2006/main" showMasterSp="0" showMasterPhAnim="0">
   <p:cSld>
     <p:spTree>
@@ -715,7 +744,7 @@
         <p:cNvPr id="1" name="Shape 56">
           <a:extLst>
             <a:ext uri="{FF2B5EF4-FFF2-40B4-BE49-F238E27FC236}">
-              <a16:creationId xmlns:a16="http://schemas.microsoft.com/office/drawing/2014/main" id="{33AA2557-0635-E52C-0317-EDACF3BF78B8}"/>
+              <a16:creationId xmlns:a16="http://schemas.microsoft.com/office/drawing/2014/main" id="{DACF6B85-C75C-7D02-476E-8D602319DDC1}"/>
             </a:ext>
           </a:extLst>
         </p:cNvPr>
@@ -735,7 +764,7 @@
           <p:cNvPr id="57" name="Google Shape;57;g279e641c04c_0_13:notes">
             <a:extLst>
               <a:ext uri="{FF2B5EF4-FFF2-40B4-BE49-F238E27FC236}">
-                <a16:creationId xmlns:a16="http://schemas.microsoft.com/office/drawing/2014/main" id="{F3B2335E-9F82-D974-7899-787159FAA3A1}"/>
+                <a16:creationId xmlns:a16="http://schemas.microsoft.com/office/drawing/2014/main" id="{EFB0887E-759D-99E9-4C72-D394D3B2F53D}"/>
               </a:ext>
             </a:extLst>
           </p:cNvPr>
@@ -782,7 +811,7 @@
           <p:cNvPr id="58" name="Google Shape;58;g279e641c04c_0_13:notes">
             <a:extLst>
               <a:ext uri="{FF2B5EF4-FFF2-40B4-BE49-F238E27FC236}">
-                <a16:creationId xmlns:a16="http://schemas.microsoft.com/office/drawing/2014/main" id="{F4443DC7-4FBA-24E8-5DD9-78CC5226D7A3}"/>
+                <a16:creationId xmlns:a16="http://schemas.microsoft.com/office/drawing/2014/main" id="{20B35B9F-0C8D-F700-9FB8-5E8AB802AABE}"/>
               </a:ext>
             </a:extLst>
           </p:cNvPr>
@@ -824,7 +853,7 @@
     </p:spTree>
     <p:extLst>
       <p:ext uri="{BB962C8B-B14F-4D97-AF65-F5344CB8AC3E}">
-        <p14:creationId xmlns:p14="http://schemas.microsoft.com/office/powerpoint/2010/main" val="2753861305"/>
+        <p14:creationId xmlns:p14="http://schemas.microsoft.com/office/powerpoint/2010/main" val="3273157623"/>
       </p:ext>
     </p:extLst>
   </p:cSld>
@@ -834,18 +863,12 @@
 </p:notes>
 </file>
 
-<file path=ppt/notesSlides/notesSlide4.xml><?xml version="1.0" encoding="utf-8"?>
+<file path=ppt/notesSlides/notesSlide3.xml><?xml version="1.0" encoding="utf-8"?>
 <p:notes xmlns:a="http://schemas.openxmlformats.org/drawingml/2006/main" xmlns:r="http://schemas.openxmlformats.org/officeDocument/2006/relationships" xmlns:p="http://schemas.openxmlformats.org/presentationml/2006/main" showMasterSp="0" showMasterPhAnim="0">
   <p:cSld>
     <p:spTree>
       <p:nvGrpSpPr>
-        <p:cNvPr id="1" name="Shape 56">
-          <a:extLst>
-            <a:ext uri="{FF2B5EF4-FFF2-40B4-BE49-F238E27FC236}">
-              <a16:creationId xmlns:a16="http://schemas.microsoft.com/office/drawing/2014/main" id="{9F3129FA-B0DC-239E-002C-25AF7B039DDF}"/>
-            </a:ext>
-          </a:extLst>
-        </p:cNvPr>
+        <p:cNvPr id="1" name="Shape 56"/>
         <p:cNvGrpSpPr/>
         <p:nvPr/>
       </p:nvGrpSpPr>
@@ -859,13 +882,7 @@
       </p:grpSpPr>
       <p:sp>
         <p:nvSpPr>
-          <p:cNvPr id="57" name="Google Shape;57;g279e641c04c_0_13:notes">
-            <a:extLst>
-              <a:ext uri="{FF2B5EF4-FFF2-40B4-BE49-F238E27FC236}">
-                <a16:creationId xmlns:a16="http://schemas.microsoft.com/office/drawing/2014/main" id="{E1EEEF42-EC35-47BC-36D6-B4AA7BB64463}"/>
-              </a:ext>
-            </a:extLst>
-          </p:cNvPr>
+          <p:cNvPr id="57" name="Google Shape;57;g279e641c04c_0_13:notes"/>
           <p:cNvSpPr>
             <a:spLocks noGrp="1" noRot="1" noChangeAspect="1"/>
           </p:cNvSpPr>
@@ -906,13 +923,7 @@
       </p:sp>
       <p:sp>
         <p:nvSpPr>
-          <p:cNvPr id="58" name="Google Shape;58;g279e641c04c_0_13:notes">
-            <a:extLst>
-              <a:ext uri="{FF2B5EF4-FFF2-40B4-BE49-F238E27FC236}">
-                <a16:creationId xmlns:a16="http://schemas.microsoft.com/office/drawing/2014/main" id="{A56C2734-356F-8B7F-552F-FCC586D8B26E}"/>
-              </a:ext>
-            </a:extLst>
-          </p:cNvPr>
+          <p:cNvPr id="58" name="Google Shape;58;g279e641c04c_0_13:notes"/>
           <p:cNvSpPr txBox="1">
             <a:spLocks noGrp="1"/>
           </p:cNvSpPr>
@@ -949,11 +960,6 @@
         </p:txBody>
       </p:sp>
     </p:spTree>
-    <p:extLst>
-      <p:ext uri="{BB962C8B-B14F-4D97-AF65-F5344CB8AC3E}">
-        <p14:creationId xmlns:p14="http://schemas.microsoft.com/office/powerpoint/2010/main" val="2318981243"/>
-      </p:ext>
-    </p:extLst>
   </p:cSld>
   <p:clrMapOvr>
     <a:masterClrMapping/>
@@ -961,7 +967,7 @@
 </p:notes>
 </file>
 
-<file path=ppt/notesSlides/notesSlide5.xml><?xml version="1.0" encoding="utf-8"?>
+<file path=ppt/notesSlides/notesSlide4.xml><?xml version="1.0" encoding="utf-8"?>
 <p:notes xmlns:a="http://schemas.openxmlformats.org/drawingml/2006/main" xmlns:r="http://schemas.openxmlformats.org/officeDocument/2006/relationships" xmlns:p="http://schemas.openxmlformats.org/presentationml/2006/main" showMasterSp="0" showMasterPhAnim="0">
   <p:cSld>
     <p:spTree>
@@ -969,7 +975,7 @@
         <p:cNvPr id="1" name="Shape 56">
           <a:extLst>
             <a:ext uri="{FF2B5EF4-FFF2-40B4-BE49-F238E27FC236}">
-              <a16:creationId xmlns:a16="http://schemas.microsoft.com/office/drawing/2014/main" id="{81E701E0-F338-6B5C-B6D1-19181F2E7CC4}"/>
+              <a16:creationId xmlns:a16="http://schemas.microsoft.com/office/drawing/2014/main" id="{33AA2557-0635-E52C-0317-EDACF3BF78B8}"/>
             </a:ext>
           </a:extLst>
         </p:cNvPr>
@@ -989,7 +995,7 @@
           <p:cNvPr id="57" name="Google Shape;57;g279e641c04c_0_13:notes">
             <a:extLst>
               <a:ext uri="{FF2B5EF4-FFF2-40B4-BE49-F238E27FC236}">
-                <a16:creationId xmlns:a16="http://schemas.microsoft.com/office/drawing/2014/main" id="{EC79755E-2F2A-1EA0-E19D-AA243AECAB92}"/>
+                <a16:creationId xmlns:a16="http://schemas.microsoft.com/office/drawing/2014/main" id="{F3B2335E-9F82-D974-7899-787159FAA3A1}"/>
               </a:ext>
             </a:extLst>
           </p:cNvPr>
@@ -1036,7 +1042,7 @@
           <p:cNvPr id="58" name="Google Shape;58;g279e641c04c_0_13:notes">
             <a:extLst>
               <a:ext uri="{FF2B5EF4-FFF2-40B4-BE49-F238E27FC236}">
-                <a16:creationId xmlns:a16="http://schemas.microsoft.com/office/drawing/2014/main" id="{32244003-0ADB-2894-5880-2EE78CBDDF22}"/>
+                <a16:creationId xmlns:a16="http://schemas.microsoft.com/office/drawing/2014/main" id="{F4443DC7-4FBA-24E8-5DD9-78CC5226D7A3}"/>
               </a:ext>
             </a:extLst>
           </p:cNvPr>
@@ -1078,7 +1084,7 @@
     </p:spTree>
     <p:extLst>
       <p:ext uri="{BB962C8B-B14F-4D97-AF65-F5344CB8AC3E}">
-        <p14:creationId xmlns:p14="http://schemas.microsoft.com/office/powerpoint/2010/main" val="1920003457"/>
+        <p14:creationId xmlns:p14="http://schemas.microsoft.com/office/powerpoint/2010/main" val="2753861305"/>
       </p:ext>
     </p:extLst>
   </p:cSld>
@@ -1088,7 +1094,7 @@
 </p:notes>
 </file>
 
-<file path=ppt/notesSlides/notesSlide6.xml><?xml version="1.0" encoding="utf-8"?>
+<file path=ppt/notesSlides/notesSlide5.xml><?xml version="1.0" encoding="utf-8"?>
 <p:notes xmlns:a="http://schemas.openxmlformats.org/drawingml/2006/main" xmlns:r="http://schemas.openxmlformats.org/officeDocument/2006/relationships" xmlns:p="http://schemas.openxmlformats.org/presentationml/2006/main" showMasterSp="0" showMasterPhAnim="0">
   <p:cSld>
     <p:spTree>
@@ -1096,7 +1102,7 @@
         <p:cNvPr id="1" name="Shape 56">
           <a:extLst>
             <a:ext uri="{FF2B5EF4-FFF2-40B4-BE49-F238E27FC236}">
-              <a16:creationId xmlns:a16="http://schemas.microsoft.com/office/drawing/2014/main" id="{0BB1AE36-FC4C-6325-966F-DFCCE7EBBCFE}"/>
+              <a16:creationId xmlns:a16="http://schemas.microsoft.com/office/drawing/2014/main" id="{9F3129FA-B0DC-239E-002C-25AF7B039DDF}"/>
             </a:ext>
           </a:extLst>
         </p:cNvPr>
@@ -1116,7 +1122,7 @@
           <p:cNvPr id="57" name="Google Shape;57;g279e641c04c_0_13:notes">
             <a:extLst>
               <a:ext uri="{FF2B5EF4-FFF2-40B4-BE49-F238E27FC236}">
-                <a16:creationId xmlns:a16="http://schemas.microsoft.com/office/drawing/2014/main" id="{84418949-B707-A336-336E-EFD30F4611FC}"/>
+                <a16:creationId xmlns:a16="http://schemas.microsoft.com/office/drawing/2014/main" id="{E1EEEF42-EC35-47BC-36D6-B4AA7BB64463}"/>
               </a:ext>
             </a:extLst>
           </p:cNvPr>
@@ -1163,7 +1169,7 @@
           <p:cNvPr id="58" name="Google Shape;58;g279e641c04c_0_13:notes">
             <a:extLst>
               <a:ext uri="{FF2B5EF4-FFF2-40B4-BE49-F238E27FC236}">
-                <a16:creationId xmlns:a16="http://schemas.microsoft.com/office/drawing/2014/main" id="{2AF179A4-3C3E-7423-12BC-560D3A95C0EE}"/>
+                <a16:creationId xmlns:a16="http://schemas.microsoft.com/office/drawing/2014/main" id="{A56C2734-356F-8B7F-552F-FCC586D8B26E}"/>
               </a:ext>
             </a:extLst>
           </p:cNvPr>
@@ -1205,7 +1211,7 @@
     </p:spTree>
     <p:extLst>
       <p:ext uri="{BB962C8B-B14F-4D97-AF65-F5344CB8AC3E}">
-        <p14:creationId xmlns:p14="http://schemas.microsoft.com/office/powerpoint/2010/main" val="1791773731"/>
+        <p14:creationId xmlns:p14="http://schemas.microsoft.com/office/powerpoint/2010/main" val="2318981243"/>
       </p:ext>
     </p:extLst>
   </p:cSld>
@@ -1215,7 +1221,7 @@
 </p:notes>
 </file>
 
-<file path=ppt/notesSlides/notesSlide7.xml><?xml version="1.0" encoding="utf-8"?>
+<file path=ppt/notesSlides/notesSlide6.xml><?xml version="1.0" encoding="utf-8"?>
 <p:notes xmlns:a="http://schemas.openxmlformats.org/drawingml/2006/main" xmlns:r="http://schemas.openxmlformats.org/officeDocument/2006/relationships" xmlns:p="http://schemas.openxmlformats.org/presentationml/2006/main" showMasterSp="0" showMasterPhAnim="0">
   <p:cSld>
     <p:spTree>
@@ -1223,7 +1229,7 @@
         <p:cNvPr id="1" name="Shape 56">
           <a:extLst>
             <a:ext uri="{FF2B5EF4-FFF2-40B4-BE49-F238E27FC236}">
-              <a16:creationId xmlns:a16="http://schemas.microsoft.com/office/drawing/2014/main" id="{230DF32C-BEDC-90A4-FECB-9A144CFF2D90}"/>
+              <a16:creationId xmlns:a16="http://schemas.microsoft.com/office/drawing/2014/main" id="{81E701E0-F338-6B5C-B6D1-19181F2E7CC4}"/>
             </a:ext>
           </a:extLst>
         </p:cNvPr>
@@ -1243,7 +1249,7 @@
           <p:cNvPr id="57" name="Google Shape;57;g279e641c04c_0_13:notes">
             <a:extLst>
               <a:ext uri="{FF2B5EF4-FFF2-40B4-BE49-F238E27FC236}">
-                <a16:creationId xmlns:a16="http://schemas.microsoft.com/office/drawing/2014/main" id="{F374D93A-DF16-3E53-2413-6D4C116F1097}"/>
+                <a16:creationId xmlns:a16="http://schemas.microsoft.com/office/drawing/2014/main" id="{EC79755E-2F2A-1EA0-E19D-AA243AECAB92}"/>
               </a:ext>
             </a:extLst>
           </p:cNvPr>
@@ -1290,7 +1296,7 @@
           <p:cNvPr id="58" name="Google Shape;58;g279e641c04c_0_13:notes">
             <a:extLst>
               <a:ext uri="{FF2B5EF4-FFF2-40B4-BE49-F238E27FC236}">
-                <a16:creationId xmlns:a16="http://schemas.microsoft.com/office/drawing/2014/main" id="{EB4B9CDD-0B3B-ADEE-B2EF-0AF00E07B14E}"/>
+                <a16:creationId xmlns:a16="http://schemas.microsoft.com/office/drawing/2014/main" id="{32244003-0ADB-2894-5880-2EE78CBDDF22}"/>
               </a:ext>
             </a:extLst>
           </p:cNvPr>
@@ -1332,7 +1338,7 @@
     </p:spTree>
     <p:extLst>
       <p:ext uri="{BB962C8B-B14F-4D97-AF65-F5344CB8AC3E}">
-        <p14:creationId xmlns:p14="http://schemas.microsoft.com/office/powerpoint/2010/main" val="2533814125"/>
+        <p14:creationId xmlns:p14="http://schemas.microsoft.com/office/powerpoint/2010/main" val="1920003457"/>
       </p:ext>
     </p:extLst>
   </p:cSld>
@@ -1342,7 +1348,7 @@
 </p:notes>
 </file>
 
-<file path=ppt/notesSlides/notesSlide8.xml><?xml version="1.0" encoding="utf-8"?>
+<file path=ppt/notesSlides/notesSlide7.xml><?xml version="1.0" encoding="utf-8"?>
 <p:notes xmlns:a="http://schemas.openxmlformats.org/drawingml/2006/main" xmlns:r="http://schemas.openxmlformats.org/officeDocument/2006/relationships" xmlns:p="http://schemas.openxmlformats.org/presentationml/2006/main" showMasterSp="0" showMasterPhAnim="0">
   <p:cSld>
     <p:spTree>
@@ -1350,7 +1356,7 @@
         <p:cNvPr id="1" name="Shape 56">
           <a:extLst>
             <a:ext uri="{FF2B5EF4-FFF2-40B4-BE49-F238E27FC236}">
-              <a16:creationId xmlns:a16="http://schemas.microsoft.com/office/drawing/2014/main" id="{B45F18BC-DAAF-3B33-21CB-BB79199D35A4}"/>
+              <a16:creationId xmlns:a16="http://schemas.microsoft.com/office/drawing/2014/main" id="{0BB1AE36-FC4C-6325-966F-DFCCE7EBBCFE}"/>
             </a:ext>
           </a:extLst>
         </p:cNvPr>
@@ -1370,7 +1376,7 @@
           <p:cNvPr id="57" name="Google Shape;57;g279e641c04c_0_13:notes">
             <a:extLst>
               <a:ext uri="{FF2B5EF4-FFF2-40B4-BE49-F238E27FC236}">
-                <a16:creationId xmlns:a16="http://schemas.microsoft.com/office/drawing/2014/main" id="{8327F05A-63A8-6FC6-CA6D-31A1FF3B222A}"/>
+                <a16:creationId xmlns:a16="http://schemas.microsoft.com/office/drawing/2014/main" id="{84418949-B707-A336-336E-EFD30F4611FC}"/>
               </a:ext>
             </a:extLst>
           </p:cNvPr>
@@ -1417,7 +1423,7 @@
           <p:cNvPr id="58" name="Google Shape;58;g279e641c04c_0_13:notes">
             <a:extLst>
               <a:ext uri="{FF2B5EF4-FFF2-40B4-BE49-F238E27FC236}">
-                <a16:creationId xmlns:a16="http://schemas.microsoft.com/office/drawing/2014/main" id="{176C257C-6CE8-508D-2A05-52086522C6A9}"/>
+                <a16:creationId xmlns:a16="http://schemas.microsoft.com/office/drawing/2014/main" id="{2AF179A4-3C3E-7423-12BC-560D3A95C0EE}"/>
               </a:ext>
             </a:extLst>
           </p:cNvPr>
@@ -1459,7 +1465,7 @@
     </p:spTree>
     <p:extLst>
       <p:ext uri="{BB962C8B-B14F-4D97-AF65-F5344CB8AC3E}">
-        <p14:creationId xmlns:p14="http://schemas.microsoft.com/office/powerpoint/2010/main" val="3865042556"/>
+        <p14:creationId xmlns:p14="http://schemas.microsoft.com/office/powerpoint/2010/main" val="1791773731"/>
       </p:ext>
     </p:extLst>
   </p:cSld>
@@ -1469,7 +1475,7 @@
 </p:notes>
 </file>
 
-<file path=ppt/notesSlides/notesSlide9.xml><?xml version="1.0" encoding="utf-8"?>
+<file path=ppt/notesSlides/notesSlide8.xml><?xml version="1.0" encoding="utf-8"?>
 <p:notes xmlns:a="http://schemas.openxmlformats.org/drawingml/2006/main" xmlns:r="http://schemas.openxmlformats.org/officeDocument/2006/relationships" xmlns:p="http://schemas.openxmlformats.org/presentationml/2006/main" showMasterSp="0" showMasterPhAnim="0">
   <p:cSld>
     <p:spTree>
@@ -1477,7 +1483,7 @@
         <p:cNvPr id="1" name="Shape 56">
           <a:extLst>
             <a:ext uri="{FF2B5EF4-FFF2-40B4-BE49-F238E27FC236}">
-              <a16:creationId xmlns:a16="http://schemas.microsoft.com/office/drawing/2014/main" id="{DF9903DB-7A6E-51C8-9B9D-DBF8E0E587E6}"/>
+              <a16:creationId xmlns:a16="http://schemas.microsoft.com/office/drawing/2014/main" id="{230DF32C-BEDC-90A4-FECB-9A144CFF2D90}"/>
             </a:ext>
           </a:extLst>
         </p:cNvPr>
@@ -1497,7 +1503,7 @@
           <p:cNvPr id="57" name="Google Shape;57;g279e641c04c_0_13:notes">
             <a:extLst>
               <a:ext uri="{FF2B5EF4-FFF2-40B4-BE49-F238E27FC236}">
-                <a16:creationId xmlns:a16="http://schemas.microsoft.com/office/drawing/2014/main" id="{26B13B6E-C16E-88FD-0D7F-47EE3BC23C4C}"/>
+                <a16:creationId xmlns:a16="http://schemas.microsoft.com/office/drawing/2014/main" id="{F374D93A-DF16-3E53-2413-6D4C116F1097}"/>
               </a:ext>
             </a:extLst>
           </p:cNvPr>
@@ -1544,7 +1550,7 @@
           <p:cNvPr id="58" name="Google Shape;58;g279e641c04c_0_13:notes">
             <a:extLst>
               <a:ext uri="{FF2B5EF4-FFF2-40B4-BE49-F238E27FC236}">
-                <a16:creationId xmlns:a16="http://schemas.microsoft.com/office/drawing/2014/main" id="{56BF356A-B4CF-250A-77DA-1E5765709BEA}"/>
+                <a16:creationId xmlns:a16="http://schemas.microsoft.com/office/drawing/2014/main" id="{EB4B9CDD-0B3B-ADEE-B2EF-0AF00E07B14E}"/>
               </a:ext>
             </a:extLst>
           </p:cNvPr>
@@ -1586,7 +1592,134 @@
     </p:spTree>
     <p:extLst>
       <p:ext uri="{BB962C8B-B14F-4D97-AF65-F5344CB8AC3E}">
-        <p14:creationId xmlns:p14="http://schemas.microsoft.com/office/powerpoint/2010/main" val="3104321290"/>
+        <p14:creationId xmlns:p14="http://schemas.microsoft.com/office/powerpoint/2010/main" val="2533814125"/>
+      </p:ext>
+    </p:extLst>
+  </p:cSld>
+  <p:clrMapOvr>
+    <a:masterClrMapping/>
+  </p:clrMapOvr>
+</p:notes>
+</file>
+
+<file path=ppt/notesSlides/notesSlide9.xml><?xml version="1.0" encoding="utf-8"?>
+<p:notes xmlns:a="http://schemas.openxmlformats.org/drawingml/2006/main" xmlns:r="http://schemas.openxmlformats.org/officeDocument/2006/relationships" xmlns:p="http://schemas.openxmlformats.org/presentationml/2006/main" showMasterSp="0" showMasterPhAnim="0">
+  <p:cSld>
+    <p:spTree>
+      <p:nvGrpSpPr>
+        <p:cNvPr id="1" name="Shape 56">
+          <a:extLst>
+            <a:ext uri="{FF2B5EF4-FFF2-40B4-BE49-F238E27FC236}">
+              <a16:creationId xmlns:a16="http://schemas.microsoft.com/office/drawing/2014/main" id="{B45F18BC-DAAF-3B33-21CB-BB79199D35A4}"/>
+            </a:ext>
+          </a:extLst>
+        </p:cNvPr>
+        <p:cNvGrpSpPr/>
+        <p:nvPr/>
+      </p:nvGrpSpPr>
+      <p:grpSpPr>
+        <a:xfrm>
+          <a:off x="0" y="0"/>
+          <a:ext cx="0" cy="0"/>
+          <a:chOff x="0" y="0"/>
+          <a:chExt cx="0" cy="0"/>
+        </a:xfrm>
+      </p:grpSpPr>
+      <p:sp>
+        <p:nvSpPr>
+          <p:cNvPr id="57" name="Google Shape;57;g279e641c04c_0_13:notes">
+            <a:extLst>
+              <a:ext uri="{FF2B5EF4-FFF2-40B4-BE49-F238E27FC236}">
+                <a16:creationId xmlns:a16="http://schemas.microsoft.com/office/drawing/2014/main" id="{8327F05A-63A8-6FC6-CA6D-31A1FF3B222A}"/>
+              </a:ext>
+            </a:extLst>
+          </p:cNvPr>
+          <p:cNvSpPr>
+            <a:spLocks noGrp="1" noRot="1" noChangeAspect="1"/>
+          </p:cNvSpPr>
+          <p:nvPr>
+            <p:ph type="sldImg" idx="2"/>
+          </p:nvPr>
+        </p:nvSpPr>
+        <p:spPr>
+          <a:xfrm>
+            <a:off x="381000" y="685800"/>
+            <a:ext cx="6096000" cy="3429000"/>
+          </a:xfrm>
+          <a:custGeom>
+            <a:avLst/>
+            <a:gdLst/>
+            <a:ahLst/>
+            <a:cxnLst/>
+            <a:rect l="l" t="t" r="r" b="b"/>
+            <a:pathLst>
+              <a:path w="120000" h="120000" extrusionOk="0">
+                <a:moveTo>
+                  <a:pt x="0" y="0"/>
+                </a:moveTo>
+                <a:lnTo>
+                  <a:pt x="120000" y="0"/>
+                </a:lnTo>
+                <a:lnTo>
+                  <a:pt x="120000" y="120000"/>
+                </a:lnTo>
+                <a:lnTo>
+                  <a:pt x="0" y="120000"/>
+                </a:lnTo>
+                <a:close/>
+              </a:path>
+            </a:pathLst>
+          </a:custGeom>
+        </p:spPr>
+      </p:sp>
+      <p:sp>
+        <p:nvSpPr>
+          <p:cNvPr id="58" name="Google Shape;58;g279e641c04c_0_13:notes">
+            <a:extLst>
+              <a:ext uri="{FF2B5EF4-FFF2-40B4-BE49-F238E27FC236}">
+                <a16:creationId xmlns:a16="http://schemas.microsoft.com/office/drawing/2014/main" id="{176C257C-6CE8-508D-2A05-52086522C6A9}"/>
+              </a:ext>
+            </a:extLst>
+          </p:cNvPr>
+          <p:cNvSpPr txBox="1">
+            <a:spLocks noGrp="1"/>
+          </p:cNvSpPr>
+          <p:nvPr>
+            <p:ph type="body" idx="1"/>
+          </p:nvPr>
+        </p:nvSpPr>
+        <p:spPr>
+          <a:xfrm>
+            <a:off x="685800" y="4343400"/>
+            <a:ext cx="5486400" cy="4114800"/>
+          </a:xfrm>
+          <a:prstGeom prst="rect">
+            <a:avLst/>
+          </a:prstGeom>
+        </p:spPr>
+        <p:txBody>
+          <a:bodyPr spcFirstLastPara="1" wrap="square" lIns="91425" tIns="91425" rIns="91425" bIns="91425" anchor="t" anchorCtr="0">
+            <a:noAutofit/>
+          </a:bodyPr>
+          <a:lstStyle/>
+          <a:p>
+            <a:pPr marL="0" lvl="0" indent="0" algn="l" rtl="0">
+              <a:spcBef>
+                <a:spcPts val="0"/>
+              </a:spcBef>
+              <a:spcAft>
+                <a:spcPts val="0"/>
+              </a:spcAft>
+              <a:buNone/>
+            </a:pPr>
+            <a:endParaRPr/>
+          </a:p>
+        </p:txBody>
+      </p:sp>
+    </p:spTree>
+    <p:extLst>
+      <p:ext uri="{BB962C8B-B14F-4D97-AF65-F5344CB8AC3E}">
+        <p14:creationId xmlns:p14="http://schemas.microsoft.com/office/powerpoint/2010/main" val="3865042556"/>
       </p:ext>
     </p:extLst>
   </p:cSld>
@@ -1743,7 +1876,7 @@
           <a:p>
             <a:fld id="{55901588-BD2C-4781-A6F0-C1FE1912C7A8}" type="datetimeFigureOut">
               <a:rPr kumimoji="1" lang="ja-JP" altLang="en-US" smtClean="0"/>
-              <a:t>2025/6/18</a:t>
+              <a:t>2025/6/23</a:t>
             </a:fld>
             <a:endParaRPr kumimoji="1" lang="ja-JP" altLang="en-US"/>
           </a:p>
@@ -1973,7 +2106,7 @@
           <a:p>
             <a:fld id="{55901588-BD2C-4781-A6F0-C1FE1912C7A8}" type="datetimeFigureOut">
               <a:rPr kumimoji="1" lang="ja-JP" altLang="en-US" smtClean="0"/>
-              <a:t>2025/6/18</a:t>
+              <a:t>2025/6/23</a:t>
             </a:fld>
             <a:endParaRPr kumimoji="1" lang="ja-JP" altLang="en-US"/>
           </a:p>
@@ -2213,7 +2346,7 @@
           <a:p>
             <a:fld id="{55901588-BD2C-4781-A6F0-C1FE1912C7A8}" type="datetimeFigureOut">
               <a:rPr kumimoji="1" lang="ja-JP" altLang="en-US" smtClean="0"/>
-              <a:t>2025/6/18</a:t>
+              <a:t>2025/6/23</a:t>
             </a:fld>
             <a:endParaRPr kumimoji="1" lang="ja-JP" altLang="en-US"/>
           </a:p>
@@ -2802,7 +2935,7 @@
           <a:p>
             <a:fld id="{55901588-BD2C-4781-A6F0-C1FE1912C7A8}" type="datetimeFigureOut">
               <a:rPr kumimoji="1" lang="ja-JP" altLang="en-US" smtClean="0"/>
-              <a:t>2025/6/18</a:t>
+              <a:t>2025/6/23</a:t>
             </a:fld>
             <a:endParaRPr kumimoji="1" lang="ja-JP" altLang="en-US"/>
           </a:p>
@@ -3077,7 +3210,7 @@
           <a:p>
             <a:fld id="{55901588-BD2C-4781-A6F0-C1FE1912C7A8}" type="datetimeFigureOut">
               <a:rPr kumimoji="1" lang="ja-JP" altLang="en-US" smtClean="0"/>
-              <a:t>2025/6/18</a:t>
+              <a:t>2025/6/23</a:t>
             </a:fld>
             <a:endParaRPr kumimoji="1" lang="ja-JP" altLang="en-US"/>
           </a:p>
@@ -3406,7 +3539,7 @@
           <a:p>
             <a:fld id="{55901588-BD2C-4781-A6F0-C1FE1912C7A8}" type="datetimeFigureOut">
               <a:rPr kumimoji="1" lang="ja-JP" altLang="en-US" smtClean="0"/>
-              <a:t>2025/6/18</a:t>
+              <a:t>2025/6/23</a:t>
             </a:fld>
             <a:endParaRPr kumimoji="1" lang="ja-JP" altLang="en-US"/>
           </a:p>
@@ -3882,7 +4015,7 @@
           <a:p>
             <a:fld id="{55901588-BD2C-4781-A6F0-C1FE1912C7A8}" type="datetimeFigureOut">
               <a:rPr kumimoji="1" lang="ja-JP" altLang="en-US" smtClean="0"/>
-              <a:t>2025/6/18</a:t>
+              <a:t>2025/6/23</a:t>
             </a:fld>
             <a:endParaRPr kumimoji="1" lang="ja-JP" altLang="en-US"/>
           </a:p>
@@ -4023,7 +4156,7 @@
           <a:p>
             <a:fld id="{55901588-BD2C-4781-A6F0-C1FE1912C7A8}" type="datetimeFigureOut">
               <a:rPr kumimoji="1" lang="ja-JP" altLang="en-US" smtClean="0"/>
-              <a:t>2025/6/18</a:t>
+              <a:t>2025/6/23</a:t>
             </a:fld>
             <a:endParaRPr kumimoji="1" lang="ja-JP" altLang="en-US"/>
           </a:p>
@@ -4136,7 +4269,7 @@
           <a:p>
             <a:fld id="{55901588-BD2C-4781-A6F0-C1FE1912C7A8}" type="datetimeFigureOut">
               <a:rPr kumimoji="1" lang="ja-JP" altLang="en-US" smtClean="0"/>
-              <a:t>2025/6/18</a:t>
+              <a:t>2025/6/23</a:t>
             </a:fld>
             <a:endParaRPr kumimoji="1" lang="ja-JP" altLang="en-US"/>
           </a:p>
@@ -4479,7 +4612,7 @@
           <a:p>
             <a:fld id="{55901588-BD2C-4781-A6F0-C1FE1912C7A8}" type="datetimeFigureOut">
               <a:rPr kumimoji="1" lang="ja-JP" altLang="en-US" smtClean="0"/>
-              <a:t>2025/6/18</a:t>
+              <a:t>2025/6/23</a:t>
             </a:fld>
             <a:endParaRPr kumimoji="1" lang="ja-JP" altLang="en-US"/>
           </a:p>
@@ -4767,7 +4900,7 @@
           <a:p>
             <a:fld id="{55901588-BD2C-4781-A6F0-C1FE1912C7A8}" type="datetimeFigureOut">
               <a:rPr kumimoji="1" lang="ja-JP" altLang="en-US" smtClean="0"/>
-              <a:t>2025/6/18</a:t>
+              <a:t>2025/6/23</a:t>
             </a:fld>
             <a:endParaRPr kumimoji="1" lang="ja-JP" altLang="en-US"/>
           </a:p>
@@ -5040,7 +5173,7 @@
           <a:p>
             <a:fld id="{55901588-BD2C-4781-A6F0-C1FE1912C7A8}" type="datetimeFigureOut">
               <a:rPr kumimoji="1" lang="ja-JP" altLang="en-US" smtClean="0"/>
-              <a:t>2025/6/18</a:t>
+              <a:t>2025/6/23</a:t>
             </a:fld>
             <a:endParaRPr kumimoji="1" lang="ja-JP" altLang="en-US"/>
           </a:p>
@@ -5520,7 +5653,2348 @@
 </p:sld>
 </file>
 
+<file path=ppt/slides/slide10.xml><?xml version="1.0" encoding="utf-8"?>
+<p:sld xmlns:a="http://schemas.openxmlformats.org/drawingml/2006/main" xmlns:r="http://schemas.openxmlformats.org/officeDocument/2006/relationships" xmlns:p="http://schemas.openxmlformats.org/presentationml/2006/main">
+  <p:cSld>
+    <p:spTree>
+      <p:nvGrpSpPr>
+        <p:cNvPr id="1" name="Shape 59">
+          <a:extLst>
+            <a:ext uri="{FF2B5EF4-FFF2-40B4-BE49-F238E27FC236}">
+              <a16:creationId xmlns:a16="http://schemas.microsoft.com/office/drawing/2014/main" id="{2C3FAF10-1784-286C-E1AC-88C1BDB78C67}"/>
+            </a:ext>
+          </a:extLst>
+        </p:cNvPr>
+        <p:cNvGrpSpPr/>
+        <p:nvPr/>
+      </p:nvGrpSpPr>
+      <p:grpSpPr>
+        <a:xfrm>
+          <a:off x="0" y="0"/>
+          <a:ext cx="0" cy="0"/>
+          <a:chOff x="0" y="0"/>
+          <a:chExt cx="0" cy="0"/>
+        </a:xfrm>
+      </p:grpSpPr>
+      <p:sp>
+        <p:nvSpPr>
+          <p:cNvPr id="60" name="Google Shape;60;p14">
+            <a:extLst>
+              <a:ext uri="{FF2B5EF4-FFF2-40B4-BE49-F238E27FC236}">
+                <a16:creationId xmlns:a16="http://schemas.microsoft.com/office/drawing/2014/main" id="{84B50830-5482-3F07-D837-CADF7BD699B9}"/>
+              </a:ext>
+            </a:extLst>
+          </p:cNvPr>
+          <p:cNvSpPr txBox="1">
+            <a:spLocks noGrp="1"/>
+          </p:cNvSpPr>
+          <p:nvPr>
+            <p:ph type="title"/>
+          </p:nvPr>
+        </p:nvSpPr>
+        <p:spPr>
+          <a:xfrm>
+            <a:off x="203165" y="168496"/>
+            <a:ext cx="11360800" cy="763600"/>
+          </a:xfrm>
+          <a:prstGeom prst="rect">
+            <a:avLst/>
+          </a:prstGeom>
+        </p:spPr>
+        <p:txBody>
+          <a:bodyPr spcFirstLastPara="1" vert="horz" wrap="square" lIns="121900" tIns="121900" rIns="121900" bIns="121900" rtlCol="0" anchor="t" anchorCtr="0">
+            <a:normAutofit/>
+          </a:bodyPr>
+          <a:lstStyle/>
+          <a:p>
+            <a:r>
+              <a:rPr lang="ja-JP" altLang="en-US" sz="3200" dirty="0"/>
+              <a:t>コールセンター業務</a:t>
+            </a:r>
+            <a:endParaRPr sz="3200" dirty="0"/>
+          </a:p>
+        </p:txBody>
+      </p:sp>
+      <p:sp>
+        <p:nvSpPr>
+          <p:cNvPr id="4" name="Google Shape;61;p14">
+            <a:extLst>
+              <a:ext uri="{FF2B5EF4-FFF2-40B4-BE49-F238E27FC236}">
+                <a16:creationId xmlns:a16="http://schemas.microsoft.com/office/drawing/2014/main" id="{1BB132FA-E90E-6325-A999-28859C46D72D}"/>
+              </a:ext>
+            </a:extLst>
+          </p:cNvPr>
+          <p:cNvSpPr txBox="1">
+            <a:spLocks/>
+          </p:cNvSpPr>
+          <p:nvPr/>
+        </p:nvSpPr>
+        <p:spPr>
+          <a:xfrm>
+            <a:off x="780309" y="2934676"/>
+            <a:ext cx="1753470" cy="597453"/>
+          </a:xfrm>
+          <a:prstGeom prst="rect">
+            <a:avLst/>
+          </a:prstGeom>
+        </p:spPr>
+        <p:txBody>
+          <a:bodyPr spcFirstLastPara="1" vert="horz" wrap="square" lIns="121900" tIns="121900" rIns="121900" bIns="121900" rtlCol="0" anchor="t" anchorCtr="0">
+            <a:normAutofit/>
+          </a:bodyPr>
+          <a:lstStyle>
+            <a:lvl1pPr marL="609585" lvl="0" indent="-457189" algn="l" defTabSz="914400" rtl="0" eaLnBrk="1" latinLnBrk="0" hangingPunct="1">
+              <a:lnSpc>
+                <a:spcPct val="90000"/>
+              </a:lnSpc>
+              <a:spcBef>
+                <a:spcPts val="0"/>
+              </a:spcBef>
+              <a:spcAft>
+                <a:spcPts val="0"/>
+              </a:spcAft>
+              <a:buSzPts val="1800"/>
+              <a:buFont typeface="Arial" panose="020B0604020202020204" pitchFamily="34" charset="0"/>
+              <a:buChar char="●"/>
+              <a:defRPr kumimoji="1" sz="2800" kern="1200">
+                <a:solidFill>
+                  <a:schemeClr val="tx1"/>
+                </a:solidFill>
+                <a:latin typeface="+mn-lt"/>
+                <a:ea typeface="+mn-ea"/>
+                <a:cs typeface="+mn-cs"/>
+              </a:defRPr>
+            </a:lvl1pPr>
+            <a:lvl2pPr marL="1219170" lvl="1" indent="-423323" algn="l" defTabSz="914400" rtl="0" eaLnBrk="1" latinLnBrk="0" hangingPunct="1">
+              <a:lnSpc>
+                <a:spcPct val="90000"/>
+              </a:lnSpc>
+              <a:spcBef>
+                <a:spcPts val="0"/>
+              </a:spcBef>
+              <a:spcAft>
+                <a:spcPts val="0"/>
+              </a:spcAft>
+              <a:buSzPts val="1400"/>
+              <a:buFont typeface="Arial" panose="020B0604020202020204" pitchFamily="34" charset="0"/>
+              <a:buChar char="○"/>
+              <a:defRPr kumimoji="1" sz="2400" kern="1200">
+                <a:solidFill>
+                  <a:schemeClr val="tx1"/>
+                </a:solidFill>
+                <a:latin typeface="+mn-lt"/>
+                <a:ea typeface="+mn-ea"/>
+                <a:cs typeface="+mn-cs"/>
+              </a:defRPr>
+            </a:lvl2pPr>
+            <a:lvl3pPr marL="1828754" lvl="2" indent="-423323" algn="l" defTabSz="914400" rtl="0" eaLnBrk="1" latinLnBrk="0" hangingPunct="1">
+              <a:lnSpc>
+                <a:spcPct val="90000"/>
+              </a:lnSpc>
+              <a:spcBef>
+                <a:spcPts val="0"/>
+              </a:spcBef>
+              <a:spcAft>
+                <a:spcPts val="0"/>
+              </a:spcAft>
+              <a:buSzPts val="1400"/>
+              <a:buFont typeface="Arial" panose="020B0604020202020204" pitchFamily="34" charset="0"/>
+              <a:buChar char="■"/>
+              <a:defRPr kumimoji="1" sz="2000" kern="1200">
+                <a:solidFill>
+                  <a:schemeClr val="tx1"/>
+                </a:solidFill>
+                <a:latin typeface="+mn-lt"/>
+                <a:ea typeface="+mn-ea"/>
+                <a:cs typeface="+mn-cs"/>
+              </a:defRPr>
+            </a:lvl3pPr>
+            <a:lvl4pPr marL="2438339" lvl="3" indent="-423323" algn="l" defTabSz="914400" rtl="0" eaLnBrk="1" latinLnBrk="0" hangingPunct="1">
+              <a:lnSpc>
+                <a:spcPct val="90000"/>
+              </a:lnSpc>
+              <a:spcBef>
+                <a:spcPts val="0"/>
+              </a:spcBef>
+              <a:spcAft>
+                <a:spcPts val="0"/>
+              </a:spcAft>
+              <a:buSzPts val="1400"/>
+              <a:buFont typeface="Arial" panose="020B0604020202020204" pitchFamily="34" charset="0"/>
+              <a:buChar char="●"/>
+              <a:defRPr kumimoji="1" sz="1800" kern="1200">
+                <a:solidFill>
+                  <a:schemeClr val="tx1"/>
+                </a:solidFill>
+                <a:latin typeface="+mn-lt"/>
+                <a:ea typeface="+mn-ea"/>
+                <a:cs typeface="+mn-cs"/>
+              </a:defRPr>
+            </a:lvl4pPr>
+            <a:lvl5pPr marL="3047924" lvl="4" indent="-423323" algn="l" defTabSz="914400" rtl="0" eaLnBrk="1" latinLnBrk="0" hangingPunct="1">
+              <a:lnSpc>
+                <a:spcPct val="90000"/>
+              </a:lnSpc>
+              <a:spcBef>
+                <a:spcPts val="0"/>
+              </a:spcBef>
+              <a:spcAft>
+                <a:spcPts val="0"/>
+              </a:spcAft>
+              <a:buSzPts val="1400"/>
+              <a:buFont typeface="Arial" panose="020B0604020202020204" pitchFamily="34" charset="0"/>
+              <a:buChar char="○"/>
+              <a:defRPr kumimoji="1" sz="1800" kern="1200">
+                <a:solidFill>
+                  <a:schemeClr val="tx1"/>
+                </a:solidFill>
+                <a:latin typeface="+mn-lt"/>
+                <a:ea typeface="+mn-ea"/>
+                <a:cs typeface="+mn-cs"/>
+              </a:defRPr>
+            </a:lvl5pPr>
+            <a:lvl6pPr marL="3657509" lvl="5" indent="-423323" algn="l" defTabSz="914400" rtl="0" eaLnBrk="1" latinLnBrk="0" hangingPunct="1">
+              <a:lnSpc>
+                <a:spcPct val="90000"/>
+              </a:lnSpc>
+              <a:spcBef>
+                <a:spcPts val="0"/>
+              </a:spcBef>
+              <a:spcAft>
+                <a:spcPts val="0"/>
+              </a:spcAft>
+              <a:buSzPts val="1400"/>
+              <a:buFont typeface="Arial" panose="020B0604020202020204" pitchFamily="34" charset="0"/>
+              <a:buChar char="■"/>
+              <a:defRPr kumimoji="1" sz="1800" kern="1200">
+                <a:solidFill>
+                  <a:schemeClr val="tx1"/>
+                </a:solidFill>
+                <a:latin typeface="+mn-lt"/>
+                <a:ea typeface="+mn-ea"/>
+                <a:cs typeface="+mn-cs"/>
+              </a:defRPr>
+            </a:lvl6pPr>
+            <a:lvl7pPr marL="4267093" lvl="6" indent="-423323" algn="l" defTabSz="914400" rtl="0" eaLnBrk="1" latinLnBrk="0" hangingPunct="1">
+              <a:lnSpc>
+                <a:spcPct val="90000"/>
+              </a:lnSpc>
+              <a:spcBef>
+                <a:spcPts val="0"/>
+              </a:spcBef>
+              <a:spcAft>
+                <a:spcPts val="0"/>
+              </a:spcAft>
+              <a:buSzPts val="1400"/>
+              <a:buFont typeface="Arial" panose="020B0604020202020204" pitchFamily="34" charset="0"/>
+              <a:buChar char="●"/>
+              <a:defRPr kumimoji="1" sz="1800" kern="1200">
+                <a:solidFill>
+                  <a:schemeClr val="tx1"/>
+                </a:solidFill>
+                <a:latin typeface="+mn-lt"/>
+                <a:ea typeface="+mn-ea"/>
+                <a:cs typeface="+mn-cs"/>
+              </a:defRPr>
+            </a:lvl7pPr>
+            <a:lvl8pPr marL="4876678" lvl="7" indent="-423323" algn="l" defTabSz="914400" rtl="0" eaLnBrk="1" latinLnBrk="0" hangingPunct="1">
+              <a:lnSpc>
+                <a:spcPct val="90000"/>
+              </a:lnSpc>
+              <a:spcBef>
+                <a:spcPts val="0"/>
+              </a:spcBef>
+              <a:spcAft>
+                <a:spcPts val="0"/>
+              </a:spcAft>
+              <a:buSzPts val="1400"/>
+              <a:buFont typeface="Arial" panose="020B0604020202020204" pitchFamily="34" charset="0"/>
+              <a:buChar char="○"/>
+              <a:defRPr kumimoji="1" sz="1800" kern="1200">
+                <a:solidFill>
+                  <a:schemeClr val="tx1"/>
+                </a:solidFill>
+                <a:latin typeface="+mn-lt"/>
+                <a:ea typeface="+mn-ea"/>
+                <a:cs typeface="+mn-cs"/>
+              </a:defRPr>
+            </a:lvl8pPr>
+            <a:lvl9pPr marL="5486263" lvl="8" indent="-423323" algn="l" defTabSz="914400" rtl="0" eaLnBrk="1" latinLnBrk="0" hangingPunct="1">
+              <a:lnSpc>
+                <a:spcPct val="90000"/>
+              </a:lnSpc>
+              <a:spcBef>
+                <a:spcPts val="0"/>
+              </a:spcBef>
+              <a:spcAft>
+                <a:spcPts val="0"/>
+              </a:spcAft>
+              <a:buSzPts val="1400"/>
+              <a:buFont typeface="Arial" panose="020B0604020202020204" pitchFamily="34" charset="0"/>
+              <a:buChar char="■"/>
+              <a:defRPr kumimoji="1" sz="1800" kern="1200">
+                <a:solidFill>
+                  <a:schemeClr val="tx1"/>
+                </a:solidFill>
+                <a:latin typeface="+mn-lt"/>
+                <a:ea typeface="+mn-ea"/>
+                <a:cs typeface="+mn-cs"/>
+              </a:defRPr>
+            </a:lvl9pPr>
+          </a:lstStyle>
+          <a:p>
+            <a:pPr marL="0" indent="0">
+              <a:buNone/>
+            </a:pPr>
+            <a:endParaRPr lang="ja-JP" altLang="en-US" sz="1700" dirty="0"/>
+          </a:p>
+        </p:txBody>
+      </p:sp>
+      <p:pic>
+        <p:nvPicPr>
+          <p:cNvPr id="6" name="グラフィックス 5" descr="オフィス ワーカー (男性) 単色塗りつぶし">
+            <a:extLst>
+              <a:ext uri="{FF2B5EF4-FFF2-40B4-BE49-F238E27FC236}">
+                <a16:creationId xmlns:a16="http://schemas.microsoft.com/office/drawing/2014/main" id="{C84C464D-2EB2-3EB3-9A22-3189BCAA7CE3}"/>
+              </a:ext>
+            </a:extLst>
+          </p:cNvPr>
+          <p:cNvPicPr>
+            <a:picLocks noChangeAspect="1"/>
+          </p:cNvPicPr>
+          <p:nvPr/>
+        </p:nvPicPr>
+        <p:blipFill>
+          <a:blip r:embed="rId3">
+            <a:extLst>
+              <a:ext uri="{96DAC541-7B7A-43D3-8B79-37D633B846F1}">
+                <asvg:svgBlip xmlns:asvg="http://schemas.microsoft.com/office/drawing/2016/SVG/main" r:embed="rId4"/>
+              </a:ext>
+            </a:extLst>
+          </a:blip>
+          <a:stretch>
+            <a:fillRect/>
+          </a:stretch>
+        </p:blipFill>
+        <p:spPr>
+          <a:xfrm>
+            <a:off x="942088" y="3425203"/>
+            <a:ext cx="914400" cy="914400"/>
+          </a:xfrm>
+          <a:prstGeom prst="rect">
+            <a:avLst/>
+          </a:prstGeom>
+        </p:spPr>
+      </p:pic>
+      <p:pic>
+        <p:nvPicPr>
+          <p:cNvPr id="13" name="グラフィックス 12" descr="コンピューター 枠線">
+            <a:extLst>
+              <a:ext uri="{FF2B5EF4-FFF2-40B4-BE49-F238E27FC236}">
+                <a16:creationId xmlns:a16="http://schemas.microsoft.com/office/drawing/2014/main" id="{C4701266-7E36-E3F0-2028-71AF05A81E44}"/>
+              </a:ext>
+            </a:extLst>
+          </p:cNvPr>
+          <p:cNvPicPr>
+            <a:picLocks noChangeAspect="1"/>
+          </p:cNvPicPr>
+          <p:nvPr/>
+        </p:nvPicPr>
+        <p:blipFill>
+          <a:blip r:embed="rId5">
+            <a:extLst>
+              <a:ext uri="{96DAC541-7B7A-43D3-8B79-37D633B846F1}">
+                <asvg:svgBlip xmlns:asvg="http://schemas.microsoft.com/office/drawing/2016/SVG/main" r:embed="rId6"/>
+              </a:ext>
+            </a:extLst>
+          </a:blip>
+          <a:stretch>
+            <a:fillRect/>
+          </a:stretch>
+        </p:blipFill>
+        <p:spPr>
+          <a:xfrm>
+            <a:off x="4964539" y="2696231"/>
+            <a:ext cx="2068944" cy="2068944"/>
+          </a:xfrm>
+          <a:prstGeom prst="rect">
+            <a:avLst/>
+          </a:prstGeom>
+        </p:spPr>
+      </p:pic>
+      <p:sp>
+        <p:nvSpPr>
+          <p:cNvPr id="14" name="Google Shape;61;p14">
+            <a:extLst>
+              <a:ext uri="{FF2B5EF4-FFF2-40B4-BE49-F238E27FC236}">
+                <a16:creationId xmlns:a16="http://schemas.microsoft.com/office/drawing/2014/main" id="{8D65FE56-78A3-3F60-051B-1C96D434FAD7}"/>
+              </a:ext>
+            </a:extLst>
+          </p:cNvPr>
+          <p:cNvSpPr txBox="1">
+            <a:spLocks/>
+          </p:cNvSpPr>
+          <p:nvPr/>
+        </p:nvSpPr>
+        <p:spPr>
+          <a:xfrm>
+            <a:off x="5214048" y="2665766"/>
+            <a:ext cx="1431510" cy="501717"/>
+          </a:xfrm>
+          <a:prstGeom prst="rect">
+            <a:avLst/>
+          </a:prstGeom>
+        </p:spPr>
+        <p:txBody>
+          <a:bodyPr spcFirstLastPara="1" vert="horz" wrap="square" lIns="121900" tIns="121900" rIns="121900" bIns="121900" rtlCol="0" anchor="t" anchorCtr="0">
+            <a:normAutofit fontScale="92500"/>
+          </a:bodyPr>
+          <a:lstStyle>
+            <a:lvl1pPr marL="609585" lvl="0" indent="-457189" algn="l" defTabSz="914400" rtl="0" eaLnBrk="1" latinLnBrk="0" hangingPunct="1">
+              <a:lnSpc>
+                <a:spcPct val="90000"/>
+              </a:lnSpc>
+              <a:spcBef>
+                <a:spcPts val="0"/>
+              </a:spcBef>
+              <a:spcAft>
+                <a:spcPts val="0"/>
+              </a:spcAft>
+              <a:buSzPts val="1800"/>
+              <a:buFont typeface="Arial" panose="020B0604020202020204" pitchFamily="34" charset="0"/>
+              <a:buChar char="●"/>
+              <a:defRPr kumimoji="1" sz="2800" kern="1200">
+                <a:solidFill>
+                  <a:schemeClr val="tx1"/>
+                </a:solidFill>
+                <a:latin typeface="+mn-lt"/>
+                <a:ea typeface="+mn-ea"/>
+                <a:cs typeface="+mn-cs"/>
+              </a:defRPr>
+            </a:lvl1pPr>
+            <a:lvl2pPr marL="1219170" lvl="1" indent="-423323" algn="l" defTabSz="914400" rtl="0" eaLnBrk="1" latinLnBrk="0" hangingPunct="1">
+              <a:lnSpc>
+                <a:spcPct val="90000"/>
+              </a:lnSpc>
+              <a:spcBef>
+                <a:spcPts val="0"/>
+              </a:spcBef>
+              <a:spcAft>
+                <a:spcPts val="0"/>
+              </a:spcAft>
+              <a:buSzPts val="1400"/>
+              <a:buFont typeface="Arial" panose="020B0604020202020204" pitchFamily="34" charset="0"/>
+              <a:buChar char="○"/>
+              <a:defRPr kumimoji="1" sz="2400" kern="1200">
+                <a:solidFill>
+                  <a:schemeClr val="tx1"/>
+                </a:solidFill>
+                <a:latin typeface="+mn-lt"/>
+                <a:ea typeface="+mn-ea"/>
+                <a:cs typeface="+mn-cs"/>
+              </a:defRPr>
+            </a:lvl2pPr>
+            <a:lvl3pPr marL="1828754" lvl="2" indent="-423323" algn="l" defTabSz="914400" rtl="0" eaLnBrk="1" latinLnBrk="0" hangingPunct="1">
+              <a:lnSpc>
+                <a:spcPct val="90000"/>
+              </a:lnSpc>
+              <a:spcBef>
+                <a:spcPts val="0"/>
+              </a:spcBef>
+              <a:spcAft>
+                <a:spcPts val="0"/>
+              </a:spcAft>
+              <a:buSzPts val="1400"/>
+              <a:buFont typeface="Arial" panose="020B0604020202020204" pitchFamily="34" charset="0"/>
+              <a:buChar char="■"/>
+              <a:defRPr kumimoji="1" sz="2000" kern="1200">
+                <a:solidFill>
+                  <a:schemeClr val="tx1"/>
+                </a:solidFill>
+                <a:latin typeface="+mn-lt"/>
+                <a:ea typeface="+mn-ea"/>
+                <a:cs typeface="+mn-cs"/>
+              </a:defRPr>
+            </a:lvl3pPr>
+            <a:lvl4pPr marL="2438339" lvl="3" indent="-423323" algn="l" defTabSz="914400" rtl="0" eaLnBrk="1" latinLnBrk="0" hangingPunct="1">
+              <a:lnSpc>
+                <a:spcPct val="90000"/>
+              </a:lnSpc>
+              <a:spcBef>
+                <a:spcPts val="0"/>
+              </a:spcBef>
+              <a:spcAft>
+                <a:spcPts val="0"/>
+              </a:spcAft>
+              <a:buSzPts val="1400"/>
+              <a:buFont typeface="Arial" panose="020B0604020202020204" pitchFamily="34" charset="0"/>
+              <a:buChar char="●"/>
+              <a:defRPr kumimoji="1" sz="1800" kern="1200">
+                <a:solidFill>
+                  <a:schemeClr val="tx1"/>
+                </a:solidFill>
+                <a:latin typeface="+mn-lt"/>
+                <a:ea typeface="+mn-ea"/>
+                <a:cs typeface="+mn-cs"/>
+              </a:defRPr>
+            </a:lvl4pPr>
+            <a:lvl5pPr marL="3047924" lvl="4" indent="-423323" algn="l" defTabSz="914400" rtl="0" eaLnBrk="1" latinLnBrk="0" hangingPunct="1">
+              <a:lnSpc>
+                <a:spcPct val="90000"/>
+              </a:lnSpc>
+              <a:spcBef>
+                <a:spcPts val="0"/>
+              </a:spcBef>
+              <a:spcAft>
+                <a:spcPts val="0"/>
+              </a:spcAft>
+              <a:buSzPts val="1400"/>
+              <a:buFont typeface="Arial" panose="020B0604020202020204" pitchFamily="34" charset="0"/>
+              <a:buChar char="○"/>
+              <a:defRPr kumimoji="1" sz="1800" kern="1200">
+                <a:solidFill>
+                  <a:schemeClr val="tx1"/>
+                </a:solidFill>
+                <a:latin typeface="+mn-lt"/>
+                <a:ea typeface="+mn-ea"/>
+                <a:cs typeface="+mn-cs"/>
+              </a:defRPr>
+            </a:lvl5pPr>
+            <a:lvl6pPr marL="3657509" lvl="5" indent="-423323" algn="l" defTabSz="914400" rtl="0" eaLnBrk="1" latinLnBrk="0" hangingPunct="1">
+              <a:lnSpc>
+                <a:spcPct val="90000"/>
+              </a:lnSpc>
+              <a:spcBef>
+                <a:spcPts val="0"/>
+              </a:spcBef>
+              <a:spcAft>
+                <a:spcPts val="0"/>
+              </a:spcAft>
+              <a:buSzPts val="1400"/>
+              <a:buFont typeface="Arial" panose="020B0604020202020204" pitchFamily="34" charset="0"/>
+              <a:buChar char="■"/>
+              <a:defRPr kumimoji="1" sz="1800" kern="1200">
+                <a:solidFill>
+                  <a:schemeClr val="tx1"/>
+                </a:solidFill>
+                <a:latin typeface="+mn-lt"/>
+                <a:ea typeface="+mn-ea"/>
+                <a:cs typeface="+mn-cs"/>
+              </a:defRPr>
+            </a:lvl6pPr>
+            <a:lvl7pPr marL="4267093" lvl="6" indent="-423323" algn="l" defTabSz="914400" rtl="0" eaLnBrk="1" latinLnBrk="0" hangingPunct="1">
+              <a:lnSpc>
+                <a:spcPct val="90000"/>
+              </a:lnSpc>
+              <a:spcBef>
+                <a:spcPts val="0"/>
+              </a:spcBef>
+              <a:spcAft>
+                <a:spcPts val="0"/>
+              </a:spcAft>
+              <a:buSzPts val="1400"/>
+              <a:buFont typeface="Arial" panose="020B0604020202020204" pitchFamily="34" charset="0"/>
+              <a:buChar char="●"/>
+              <a:defRPr kumimoji="1" sz="1800" kern="1200">
+                <a:solidFill>
+                  <a:schemeClr val="tx1"/>
+                </a:solidFill>
+                <a:latin typeface="+mn-lt"/>
+                <a:ea typeface="+mn-ea"/>
+                <a:cs typeface="+mn-cs"/>
+              </a:defRPr>
+            </a:lvl7pPr>
+            <a:lvl8pPr marL="4876678" lvl="7" indent="-423323" algn="l" defTabSz="914400" rtl="0" eaLnBrk="1" latinLnBrk="0" hangingPunct="1">
+              <a:lnSpc>
+                <a:spcPct val="90000"/>
+              </a:lnSpc>
+              <a:spcBef>
+                <a:spcPts val="0"/>
+              </a:spcBef>
+              <a:spcAft>
+                <a:spcPts val="0"/>
+              </a:spcAft>
+              <a:buSzPts val="1400"/>
+              <a:buFont typeface="Arial" panose="020B0604020202020204" pitchFamily="34" charset="0"/>
+              <a:buChar char="○"/>
+              <a:defRPr kumimoji="1" sz="1800" kern="1200">
+                <a:solidFill>
+                  <a:schemeClr val="tx1"/>
+                </a:solidFill>
+                <a:latin typeface="+mn-lt"/>
+                <a:ea typeface="+mn-ea"/>
+                <a:cs typeface="+mn-cs"/>
+              </a:defRPr>
+            </a:lvl8pPr>
+            <a:lvl9pPr marL="5486263" lvl="8" indent="-423323" algn="l" defTabSz="914400" rtl="0" eaLnBrk="1" latinLnBrk="0" hangingPunct="1">
+              <a:lnSpc>
+                <a:spcPct val="90000"/>
+              </a:lnSpc>
+              <a:spcBef>
+                <a:spcPts val="0"/>
+              </a:spcBef>
+              <a:spcAft>
+                <a:spcPts val="0"/>
+              </a:spcAft>
+              <a:buSzPts val="1400"/>
+              <a:buFont typeface="Arial" panose="020B0604020202020204" pitchFamily="34" charset="0"/>
+              <a:buChar char="■"/>
+              <a:defRPr kumimoji="1" sz="1800" kern="1200">
+                <a:solidFill>
+                  <a:schemeClr val="tx1"/>
+                </a:solidFill>
+                <a:latin typeface="+mn-lt"/>
+                <a:ea typeface="+mn-ea"/>
+                <a:cs typeface="+mn-cs"/>
+              </a:defRPr>
+            </a:lvl9pPr>
+          </a:lstStyle>
+          <a:p>
+            <a:pPr marL="0" indent="0">
+              <a:buFont typeface="Arial" panose="020B0604020202020204" pitchFamily="34" charset="0"/>
+              <a:buNone/>
+            </a:pPr>
+            <a:r>
+              <a:rPr lang="en-US" altLang="ja-JP" sz="1867" dirty="0"/>
+              <a:t>EC</a:t>
+            </a:r>
+            <a:r>
+              <a:rPr lang="ja-JP" altLang="en-US" sz="1867" dirty="0"/>
+              <a:t>システム</a:t>
+            </a:r>
+          </a:p>
+        </p:txBody>
+      </p:sp>
+      <p:sp>
+        <p:nvSpPr>
+          <p:cNvPr id="19" name="テキスト ボックス 18">
+            <a:extLst>
+              <a:ext uri="{FF2B5EF4-FFF2-40B4-BE49-F238E27FC236}">
+                <a16:creationId xmlns:a16="http://schemas.microsoft.com/office/drawing/2014/main" id="{0306916D-621C-09DD-672C-1E5958D9076E}"/>
+              </a:ext>
+            </a:extLst>
+          </p:cNvPr>
+          <p:cNvSpPr txBox="1"/>
+          <p:nvPr/>
+        </p:nvSpPr>
+        <p:spPr>
+          <a:xfrm>
+            <a:off x="203165" y="843491"/>
+            <a:ext cx="10994325" cy="615553"/>
+          </a:xfrm>
+          <a:prstGeom prst="rect">
+            <a:avLst/>
+          </a:prstGeom>
+          <a:noFill/>
+          <a:ln>
+            <a:noFill/>
+          </a:ln>
+        </p:spPr>
+        <p:txBody>
+          <a:bodyPr wrap="square" rtlCol="0">
+            <a:spAutoFit/>
+          </a:bodyPr>
+          <a:lstStyle/>
+          <a:p>
+            <a:r>
+              <a:rPr lang="ja-JP" altLang="en-US" sz="1700" dirty="0"/>
+              <a:t>カスタマーサービス部のメンバーが</a:t>
+            </a:r>
+            <a:r>
+              <a:rPr lang="en-US" altLang="ja-JP" sz="1700" dirty="0"/>
+              <a:t>EC</a:t>
+            </a:r>
+            <a:r>
+              <a:rPr lang="ja-JP" altLang="en-US" sz="1700" dirty="0"/>
+              <a:t>サイトの顧客情報や受注情報をコールセンター</a:t>
+            </a:r>
+            <a:r>
+              <a:rPr lang="en-US" altLang="ja-JP" sz="1700" dirty="0"/>
+              <a:t>(CRM)</a:t>
+            </a:r>
+            <a:r>
+              <a:rPr lang="ja-JP" altLang="en-US" sz="1700" dirty="0"/>
+              <a:t>と</a:t>
+            </a:r>
+            <a:endParaRPr lang="en-US" altLang="ja-JP" sz="1700" dirty="0"/>
+          </a:p>
+          <a:p>
+            <a:r>
+              <a:rPr lang="ja-JP" altLang="en-US" sz="1700" dirty="0"/>
+              <a:t>連携することができる機能</a:t>
+            </a:r>
+            <a:endParaRPr lang="en-US" altLang="ja-JP" sz="1700" dirty="0"/>
+          </a:p>
+        </p:txBody>
+      </p:sp>
+      <p:sp>
+        <p:nvSpPr>
+          <p:cNvPr id="8" name="テキスト ボックス 7">
+            <a:extLst>
+              <a:ext uri="{FF2B5EF4-FFF2-40B4-BE49-F238E27FC236}">
+                <a16:creationId xmlns:a16="http://schemas.microsoft.com/office/drawing/2014/main" id="{220EBD69-A3F7-058D-4300-B944A96E831C}"/>
+              </a:ext>
+            </a:extLst>
+          </p:cNvPr>
+          <p:cNvSpPr txBox="1"/>
+          <p:nvPr/>
+        </p:nvSpPr>
+        <p:spPr>
+          <a:xfrm>
+            <a:off x="2428846" y="4078747"/>
+            <a:ext cx="2535693" cy="615553"/>
+          </a:xfrm>
+          <a:prstGeom prst="rect">
+            <a:avLst/>
+          </a:prstGeom>
+          <a:noFill/>
+          <a:ln>
+            <a:noFill/>
+          </a:ln>
+        </p:spPr>
+        <p:txBody>
+          <a:bodyPr wrap="square" rtlCol="0">
+            <a:spAutoFit/>
+          </a:bodyPr>
+          <a:lstStyle/>
+          <a:p>
+            <a:r>
+              <a:rPr kumimoji="1" lang="ja-JP" altLang="en-US" sz="1700" dirty="0"/>
+              <a:t>・顧客情報連携指示</a:t>
+            </a:r>
+            <a:endParaRPr kumimoji="1" lang="en-US" altLang="ja-JP" sz="1700" dirty="0"/>
+          </a:p>
+          <a:p>
+            <a:r>
+              <a:rPr lang="ja-JP" altLang="en-US" sz="1700" dirty="0"/>
+              <a:t>・受注情報連携指示</a:t>
+            </a:r>
+            <a:endParaRPr kumimoji="1" lang="ja-JP" altLang="en-US" sz="1700" dirty="0"/>
+          </a:p>
+        </p:txBody>
+      </p:sp>
+      <p:sp>
+        <p:nvSpPr>
+          <p:cNvPr id="25" name="矢印: 右 24">
+            <a:extLst>
+              <a:ext uri="{FF2B5EF4-FFF2-40B4-BE49-F238E27FC236}">
+                <a16:creationId xmlns:a16="http://schemas.microsoft.com/office/drawing/2014/main" id="{E2997910-EA3E-03E3-6358-6B0DA42A33A9}"/>
+              </a:ext>
+            </a:extLst>
+          </p:cNvPr>
+          <p:cNvSpPr/>
+          <p:nvPr/>
+        </p:nvSpPr>
+        <p:spPr>
+          <a:xfrm>
+            <a:off x="2620412" y="3570093"/>
+            <a:ext cx="1554265" cy="321228"/>
+          </a:xfrm>
+          <a:prstGeom prst="rightArrow">
+            <a:avLst/>
+          </a:prstGeom>
+        </p:spPr>
+        <p:style>
+          <a:lnRef idx="2">
+            <a:schemeClr val="accent1">
+              <a:shade val="15000"/>
+            </a:schemeClr>
+          </a:lnRef>
+          <a:fillRef idx="1">
+            <a:schemeClr val="accent1"/>
+          </a:fillRef>
+          <a:effectRef idx="0">
+            <a:schemeClr val="accent1"/>
+          </a:effectRef>
+          <a:fontRef idx="minor">
+            <a:schemeClr val="lt1"/>
+          </a:fontRef>
+        </p:style>
+        <p:txBody>
+          <a:bodyPr rtlCol="0" anchor="ctr"/>
+          <a:lstStyle/>
+          <a:p>
+            <a:pPr algn="ctr"/>
+            <a:endParaRPr kumimoji="1" lang="ja-JP" altLang="en-US"/>
+          </a:p>
+        </p:txBody>
+      </p:sp>
+      <p:sp>
+        <p:nvSpPr>
+          <p:cNvPr id="11" name="テキスト ボックス 10">
+            <a:extLst>
+              <a:ext uri="{FF2B5EF4-FFF2-40B4-BE49-F238E27FC236}">
+                <a16:creationId xmlns:a16="http://schemas.microsoft.com/office/drawing/2014/main" id="{450936C0-4AEE-6B56-CAE9-A6BC08C4AC03}"/>
+              </a:ext>
+            </a:extLst>
+          </p:cNvPr>
+          <p:cNvSpPr txBox="1"/>
+          <p:nvPr/>
+        </p:nvSpPr>
+        <p:spPr>
+          <a:xfrm>
+            <a:off x="7421972" y="4149622"/>
+            <a:ext cx="1981948" cy="615553"/>
+          </a:xfrm>
+          <a:prstGeom prst="rect">
+            <a:avLst/>
+          </a:prstGeom>
+          <a:noFill/>
+          <a:ln>
+            <a:noFill/>
+          </a:ln>
+        </p:spPr>
+        <p:txBody>
+          <a:bodyPr wrap="square" rtlCol="0">
+            <a:spAutoFit/>
+          </a:bodyPr>
+          <a:lstStyle/>
+          <a:p>
+            <a:r>
+              <a:rPr kumimoji="1" lang="ja-JP" altLang="en-US" sz="1700" dirty="0"/>
+              <a:t>・顧客情報連携</a:t>
+            </a:r>
+            <a:endParaRPr kumimoji="1" lang="en-US" altLang="ja-JP" sz="1700" dirty="0"/>
+          </a:p>
+          <a:p>
+            <a:r>
+              <a:rPr lang="ja-JP" altLang="en-US" sz="1700" dirty="0"/>
+              <a:t>・受注情報連携</a:t>
+            </a:r>
+            <a:endParaRPr kumimoji="1" lang="ja-JP" altLang="en-US" sz="1700" dirty="0"/>
+          </a:p>
+        </p:txBody>
+      </p:sp>
+      <p:sp>
+        <p:nvSpPr>
+          <p:cNvPr id="2" name="矢印: 左右 1">
+            <a:extLst>
+              <a:ext uri="{FF2B5EF4-FFF2-40B4-BE49-F238E27FC236}">
+                <a16:creationId xmlns:a16="http://schemas.microsoft.com/office/drawing/2014/main" id="{8AB6FF47-7FFF-784D-E33F-59001348BF1F}"/>
+              </a:ext>
+            </a:extLst>
+          </p:cNvPr>
+          <p:cNvSpPr/>
+          <p:nvPr/>
+        </p:nvSpPr>
+        <p:spPr>
+          <a:xfrm>
+            <a:off x="7588953" y="3526566"/>
+            <a:ext cx="1403927" cy="404410"/>
+          </a:xfrm>
+          <a:prstGeom prst="leftRightArrow">
+            <a:avLst/>
+          </a:prstGeom>
+        </p:spPr>
+        <p:style>
+          <a:lnRef idx="2">
+            <a:schemeClr val="accent1">
+              <a:shade val="15000"/>
+            </a:schemeClr>
+          </a:lnRef>
+          <a:fillRef idx="1">
+            <a:schemeClr val="accent1"/>
+          </a:fillRef>
+          <a:effectRef idx="0">
+            <a:schemeClr val="accent1"/>
+          </a:effectRef>
+          <a:fontRef idx="minor">
+            <a:schemeClr val="lt1"/>
+          </a:fontRef>
+        </p:style>
+        <p:txBody>
+          <a:bodyPr rtlCol="0" anchor="ctr"/>
+          <a:lstStyle/>
+          <a:p>
+            <a:pPr algn="ctr"/>
+            <a:endParaRPr kumimoji="1" lang="ja-JP" altLang="en-US"/>
+          </a:p>
+        </p:txBody>
+      </p:sp>
+      <p:pic>
+        <p:nvPicPr>
+          <p:cNvPr id="12" name="グラフィックス 11" descr="コンピューター 単色塗りつぶし">
+            <a:extLst>
+              <a:ext uri="{FF2B5EF4-FFF2-40B4-BE49-F238E27FC236}">
+                <a16:creationId xmlns:a16="http://schemas.microsoft.com/office/drawing/2014/main" id="{0FF13E29-EEFB-FF83-C264-04DCDDBAE450}"/>
+              </a:ext>
+            </a:extLst>
+          </p:cNvPr>
+          <p:cNvPicPr>
+            <a:picLocks noChangeAspect="1"/>
+          </p:cNvPicPr>
+          <p:nvPr/>
+        </p:nvPicPr>
+        <p:blipFill>
+          <a:blip r:embed="rId7">
+            <a:extLst>
+              <a:ext uri="{96DAC541-7B7A-43D3-8B79-37D633B846F1}">
+                <asvg:svgBlip xmlns:asvg="http://schemas.microsoft.com/office/drawing/2016/SVG/main" r:embed="rId8"/>
+              </a:ext>
+            </a:extLst>
+          </a:blip>
+          <a:stretch>
+            <a:fillRect/>
+          </a:stretch>
+        </p:blipFill>
+        <p:spPr>
+          <a:xfrm>
+            <a:off x="9201835" y="2794987"/>
+            <a:ext cx="1981948" cy="1981948"/>
+          </a:xfrm>
+          <a:prstGeom prst="rect">
+            <a:avLst/>
+          </a:prstGeom>
+        </p:spPr>
+      </p:pic>
+      <p:sp>
+        <p:nvSpPr>
+          <p:cNvPr id="15" name="Google Shape;61;p14">
+            <a:extLst>
+              <a:ext uri="{FF2B5EF4-FFF2-40B4-BE49-F238E27FC236}">
+                <a16:creationId xmlns:a16="http://schemas.microsoft.com/office/drawing/2014/main" id="{2DF972A3-3766-26E1-4FDB-4135940317BB}"/>
+              </a:ext>
+            </a:extLst>
+          </p:cNvPr>
+          <p:cNvSpPr txBox="1">
+            <a:spLocks/>
+          </p:cNvSpPr>
+          <p:nvPr/>
+        </p:nvSpPr>
+        <p:spPr>
+          <a:xfrm>
+            <a:off x="9291230" y="2600967"/>
+            <a:ext cx="1700607" cy="631313"/>
+          </a:xfrm>
+          <a:prstGeom prst="rect">
+            <a:avLst/>
+          </a:prstGeom>
+        </p:spPr>
+        <p:txBody>
+          <a:bodyPr spcFirstLastPara="1" vert="horz" wrap="square" lIns="121900" tIns="121900" rIns="121900" bIns="121900" rtlCol="0" anchor="t" anchorCtr="0">
+            <a:normAutofit fontScale="92500" lnSpcReduction="20000"/>
+          </a:bodyPr>
+          <a:lstStyle>
+            <a:lvl1pPr marL="609585" lvl="0" indent="-457189" algn="l" defTabSz="914400" rtl="0" eaLnBrk="1" latinLnBrk="0" hangingPunct="1">
+              <a:lnSpc>
+                <a:spcPct val="90000"/>
+              </a:lnSpc>
+              <a:spcBef>
+                <a:spcPts val="0"/>
+              </a:spcBef>
+              <a:spcAft>
+                <a:spcPts val="0"/>
+              </a:spcAft>
+              <a:buSzPts val="1800"/>
+              <a:buFont typeface="Arial" panose="020B0604020202020204" pitchFamily="34" charset="0"/>
+              <a:buChar char="●"/>
+              <a:defRPr kumimoji="1" sz="2800" kern="1200">
+                <a:solidFill>
+                  <a:schemeClr val="tx1"/>
+                </a:solidFill>
+                <a:latin typeface="+mn-lt"/>
+                <a:ea typeface="+mn-ea"/>
+                <a:cs typeface="+mn-cs"/>
+              </a:defRPr>
+            </a:lvl1pPr>
+            <a:lvl2pPr marL="1219170" lvl="1" indent="-423323" algn="l" defTabSz="914400" rtl="0" eaLnBrk="1" latinLnBrk="0" hangingPunct="1">
+              <a:lnSpc>
+                <a:spcPct val="90000"/>
+              </a:lnSpc>
+              <a:spcBef>
+                <a:spcPts val="0"/>
+              </a:spcBef>
+              <a:spcAft>
+                <a:spcPts val="0"/>
+              </a:spcAft>
+              <a:buSzPts val="1400"/>
+              <a:buFont typeface="Arial" panose="020B0604020202020204" pitchFamily="34" charset="0"/>
+              <a:buChar char="○"/>
+              <a:defRPr kumimoji="1" sz="2400" kern="1200">
+                <a:solidFill>
+                  <a:schemeClr val="tx1"/>
+                </a:solidFill>
+                <a:latin typeface="+mn-lt"/>
+                <a:ea typeface="+mn-ea"/>
+                <a:cs typeface="+mn-cs"/>
+              </a:defRPr>
+            </a:lvl2pPr>
+            <a:lvl3pPr marL="1828754" lvl="2" indent="-423323" algn="l" defTabSz="914400" rtl="0" eaLnBrk="1" latinLnBrk="0" hangingPunct="1">
+              <a:lnSpc>
+                <a:spcPct val="90000"/>
+              </a:lnSpc>
+              <a:spcBef>
+                <a:spcPts val="0"/>
+              </a:spcBef>
+              <a:spcAft>
+                <a:spcPts val="0"/>
+              </a:spcAft>
+              <a:buSzPts val="1400"/>
+              <a:buFont typeface="Arial" panose="020B0604020202020204" pitchFamily="34" charset="0"/>
+              <a:buChar char="■"/>
+              <a:defRPr kumimoji="1" sz="2000" kern="1200">
+                <a:solidFill>
+                  <a:schemeClr val="tx1"/>
+                </a:solidFill>
+                <a:latin typeface="+mn-lt"/>
+                <a:ea typeface="+mn-ea"/>
+                <a:cs typeface="+mn-cs"/>
+              </a:defRPr>
+            </a:lvl3pPr>
+            <a:lvl4pPr marL="2438339" lvl="3" indent="-423323" algn="l" defTabSz="914400" rtl="0" eaLnBrk="1" latinLnBrk="0" hangingPunct="1">
+              <a:lnSpc>
+                <a:spcPct val="90000"/>
+              </a:lnSpc>
+              <a:spcBef>
+                <a:spcPts val="0"/>
+              </a:spcBef>
+              <a:spcAft>
+                <a:spcPts val="0"/>
+              </a:spcAft>
+              <a:buSzPts val="1400"/>
+              <a:buFont typeface="Arial" panose="020B0604020202020204" pitchFamily="34" charset="0"/>
+              <a:buChar char="●"/>
+              <a:defRPr kumimoji="1" sz="1800" kern="1200">
+                <a:solidFill>
+                  <a:schemeClr val="tx1"/>
+                </a:solidFill>
+                <a:latin typeface="+mn-lt"/>
+                <a:ea typeface="+mn-ea"/>
+                <a:cs typeface="+mn-cs"/>
+              </a:defRPr>
+            </a:lvl4pPr>
+            <a:lvl5pPr marL="3047924" lvl="4" indent="-423323" algn="l" defTabSz="914400" rtl="0" eaLnBrk="1" latinLnBrk="0" hangingPunct="1">
+              <a:lnSpc>
+                <a:spcPct val="90000"/>
+              </a:lnSpc>
+              <a:spcBef>
+                <a:spcPts val="0"/>
+              </a:spcBef>
+              <a:spcAft>
+                <a:spcPts val="0"/>
+              </a:spcAft>
+              <a:buSzPts val="1400"/>
+              <a:buFont typeface="Arial" panose="020B0604020202020204" pitchFamily="34" charset="0"/>
+              <a:buChar char="○"/>
+              <a:defRPr kumimoji="1" sz="1800" kern="1200">
+                <a:solidFill>
+                  <a:schemeClr val="tx1"/>
+                </a:solidFill>
+                <a:latin typeface="+mn-lt"/>
+                <a:ea typeface="+mn-ea"/>
+                <a:cs typeface="+mn-cs"/>
+              </a:defRPr>
+            </a:lvl5pPr>
+            <a:lvl6pPr marL="3657509" lvl="5" indent="-423323" algn="l" defTabSz="914400" rtl="0" eaLnBrk="1" latinLnBrk="0" hangingPunct="1">
+              <a:lnSpc>
+                <a:spcPct val="90000"/>
+              </a:lnSpc>
+              <a:spcBef>
+                <a:spcPts val="0"/>
+              </a:spcBef>
+              <a:spcAft>
+                <a:spcPts val="0"/>
+              </a:spcAft>
+              <a:buSzPts val="1400"/>
+              <a:buFont typeface="Arial" panose="020B0604020202020204" pitchFamily="34" charset="0"/>
+              <a:buChar char="■"/>
+              <a:defRPr kumimoji="1" sz="1800" kern="1200">
+                <a:solidFill>
+                  <a:schemeClr val="tx1"/>
+                </a:solidFill>
+                <a:latin typeface="+mn-lt"/>
+                <a:ea typeface="+mn-ea"/>
+                <a:cs typeface="+mn-cs"/>
+              </a:defRPr>
+            </a:lvl6pPr>
+            <a:lvl7pPr marL="4267093" lvl="6" indent="-423323" algn="l" defTabSz="914400" rtl="0" eaLnBrk="1" latinLnBrk="0" hangingPunct="1">
+              <a:lnSpc>
+                <a:spcPct val="90000"/>
+              </a:lnSpc>
+              <a:spcBef>
+                <a:spcPts val="0"/>
+              </a:spcBef>
+              <a:spcAft>
+                <a:spcPts val="0"/>
+              </a:spcAft>
+              <a:buSzPts val="1400"/>
+              <a:buFont typeface="Arial" panose="020B0604020202020204" pitchFamily="34" charset="0"/>
+              <a:buChar char="●"/>
+              <a:defRPr kumimoji="1" sz="1800" kern="1200">
+                <a:solidFill>
+                  <a:schemeClr val="tx1"/>
+                </a:solidFill>
+                <a:latin typeface="+mn-lt"/>
+                <a:ea typeface="+mn-ea"/>
+                <a:cs typeface="+mn-cs"/>
+              </a:defRPr>
+            </a:lvl7pPr>
+            <a:lvl8pPr marL="4876678" lvl="7" indent="-423323" algn="l" defTabSz="914400" rtl="0" eaLnBrk="1" latinLnBrk="0" hangingPunct="1">
+              <a:lnSpc>
+                <a:spcPct val="90000"/>
+              </a:lnSpc>
+              <a:spcBef>
+                <a:spcPts val="0"/>
+              </a:spcBef>
+              <a:spcAft>
+                <a:spcPts val="0"/>
+              </a:spcAft>
+              <a:buSzPts val="1400"/>
+              <a:buFont typeface="Arial" panose="020B0604020202020204" pitchFamily="34" charset="0"/>
+              <a:buChar char="○"/>
+              <a:defRPr kumimoji="1" sz="1800" kern="1200">
+                <a:solidFill>
+                  <a:schemeClr val="tx1"/>
+                </a:solidFill>
+                <a:latin typeface="+mn-lt"/>
+                <a:ea typeface="+mn-ea"/>
+                <a:cs typeface="+mn-cs"/>
+              </a:defRPr>
+            </a:lvl8pPr>
+            <a:lvl9pPr marL="5486263" lvl="8" indent="-423323" algn="l" defTabSz="914400" rtl="0" eaLnBrk="1" latinLnBrk="0" hangingPunct="1">
+              <a:lnSpc>
+                <a:spcPct val="90000"/>
+              </a:lnSpc>
+              <a:spcBef>
+                <a:spcPts val="0"/>
+              </a:spcBef>
+              <a:spcAft>
+                <a:spcPts val="0"/>
+              </a:spcAft>
+              <a:buSzPts val="1400"/>
+              <a:buFont typeface="Arial" panose="020B0604020202020204" pitchFamily="34" charset="0"/>
+              <a:buChar char="■"/>
+              <a:defRPr kumimoji="1" sz="1800" kern="1200">
+                <a:solidFill>
+                  <a:schemeClr val="tx1"/>
+                </a:solidFill>
+                <a:latin typeface="+mn-lt"/>
+                <a:ea typeface="+mn-ea"/>
+                <a:cs typeface="+mn-cs"/>
+              </a:defRPr>
+            </a:lvl9pPr>
+          </a:lstStyle>
+          <a:p>
+            <a:pPr marL="0" indent="0" algn="ctr">
+              <a:buFont typeface="Arial" panose="020B0604020202020204" pitchFamily="34" charset="0"/>
+              <a:buNone/>
+            </a:pPr>
+            <a:r>
+              <a:rPr lang="ja-JP" altLang="en-US" sz="1700" dirty="0"/>
+              <a:t>コールセンターシステム</a:t>
+            </a:r>
+            <a:r>
+              <a:rPr lang="en-US" altLang="ja-JP" sz="1700" dirty="0"/>
+              <a:t>(CRM)</a:t>
+            </a:r>
+            <a:endParaRPr lang="ja-JP" altLang="en-US" sz="1700" dirty="0"/>
+          </a:p>
+        </p:txBody>
+      </p:sp>
+      <p:sp>
+        <p:nvSpPr>
+          <p:cNvPr id="16" name="Google Shape;61;p14">
+            <a:extLst>
+              <a:ext uri="{FF2B5EF4-FFF2-40B4-BE49-F238E27FC236}">
+                <a16:creationId xmlns:a16="http://schemas.microsoft.com/office/drawing/2014/main" id="{AD0D5D34-100A-4DB7-AB6B-F9E5F395364E}"/>
+              </a:ext>
+            </a:extLst>
+          </p:cNvPr>
+          <p:cNvSpPr txBox="1">
+            <a:spLocks/>
+          </p:cNvSpPr>
+          <p:nvPr/>
+        </p:nvSpPr>
+        <p:spPr>
+          <a:xfrm>
+            <a:off x="171928" y="2822622"/>
+            <a:ext cx="2454719" cy="585843"/>
+          </a:xfrm>
+          <a:prstGeom prst="rect">
+            <a:avLst/>
+          </a:prstGeom>
+        </p:spPr>
+        <p:txBody>
+          <a:bodyPr spcFirstLastPara="1" vert="horz" wrap="square" lIns="121900" tIns="121900" rIns="121900" bIns="121900" rtlCol="0" anchor="t" anchorCtr="0">
+            <a:noAutofit/>
+          </a:bodyPr>
+          <a:lstStyle>
+            <a:lvl1pPr marL="609585" lvl="0" indent="-457189" algn="l" defTabSz="914400" rtl="0" eaLnBrk="1" latinLnBrk="0" hangingPunct="1">
+              <a:lnSpc>
+                <a:spcPct val="90000"/>
+              </a:lnSpc>
+              <a:spcBef>
+                <a:spcPts val="0"/>
+              </a:spcBef>
+              <a:spcAft>
+                <a:spcPts val="0"/>
+              </a:spcAft>
+              <a:buSzPts val="1800"/>
+              <a:buFont typeface="Arial" panose="020B0604020202020204" pitchFamily="34" charset="0"/>
+              <a:buChar char="●"/>
+              <a:defRPr kumimoji="1" sz="2800" kern="1200">
+                <a:solidFill>
+                  <a:schemeClr val="tx1"/>
+                </a:solidFill>
+                <a:latin typeface="+mn-lt"/>
+                <a:ea typeface="+mn-ea"/>
+                <a:cs typeface="+mn-cs"/>
+              </a:defRPr>
+            </a:lvl1pPr>
+            <a:lvl2pPr marL="1219170" lvl="1" indent="-423323" algn="l" defTabSz="914400" rtl="0" eaLnBrk="1" latinLnBrk="0" hangingPunct="1">
+              <a:lnSpc>
+                <a:spcPct val="90000"/>
+              </a:lnSpc>
+              <a:spcBef>
+                <a:spcPts val="0"/>
+              </a:spcBef>
+              <a:spcAft>
+                <a:spcPts val="0"/>
+              </a:spcAft>
+              <a:buSzPts val="1400"/>
+              <a:buFont typeface="Arial" panose="020B0604020202020204" pitchFamily="34" charset="0"/>
+              <a:buChar char="○"/>
+              <a:defRPr kumimoji="1" sz="2400" kern="1200">
+                <a:solidFill>
+                  <a:schemeClr val="tx1"/>
+                </a:solidFill>
+                <a:latin typeface="+mn-lt"/>
+                <a:ea typeface="+mn-ea"/>
+                <a:cs typeface="+mn-cs"/>
+              </a:defRPr>
+            </a:lvl2pPr>
+            <a:lvl3pPr marL="1828754" lvl="2" indent="-423323" algn="l" defTabSz="914400" rtl="0" eaLnBrk="1" latinLnBrk="0" hangingPunct="1">
+              <a:lnSpc>
+                <a:spcPct val="90000"/>
+              </a:lnSpc>
+              <a:spcBef>
+                <a:spcPts val="0"/>
+              </a:spcBef>
+              <a:spcAft>
+                <a:spcPts val="0"/>
+              </a:spcAft>
+              <a:buSzPts val="1400"/>
+              <a:buFont typeface="Arial" panose="020B0604020202020204" pitchFamily="34" charset="0"/>
+              <a:buChar char="■"/>
+              <a:defRPr kumimoji="1" sz="2000" kern="1200">
+                <a:solidFill>
+                  <a:schemeClr val="tx1"/>
+                </a:solidFill>
+                <a:latin typeface="+mn-lt"/>
+                <a:ea typeface="+mn-ea"/>
+                <a:cs typeface="+mn-cs"/>
+              </a:defRPr>
+            </a:lvl3pPr>
+            <a:lvl4pPr marL="2438339" lvl="3" indent="-423323" algn="l" defTabSz="914400" rtl="0" eaLnBrk="1" latinLnBrk="0" hangingPunct="1">
+              <a:lnSpc>
+                <a:spcPct val="90000"/>
+              </a:lnSpc>
+              <a:spcBef>
+                <a:spcPts val="0"/>
+              </a:spcBef>
+              <a:spcAft>
+                <a:spcPts val="0"/>
+              </a:spcAft>
+              <a:buSzPts val="1400"/>
+              <a:buFont typeface="Arial" panose="020B0604020202020204" pitchFamily="34" charset="0"/>
+              <a:buChar char="●"/>
+              <a:defRPr kumimoji="1" sz="1800" kern="1200">
+                <a:solidFill>
+                  <a:schemeClr val="tx1"/>
+                </a:solidFill>
+                <a:latin typeface="+mn-lt"/>
+                <a:ea typeface="+mn-ea"/>
+                <a:cs typeface="+mn-cs"/>
+              </a:defRPr>
+            </a:lvl4pPr>
+            <a:lvl5pPr marL="3047924" lvl="4" indent="-423323" algn="l" defTabSz="914400" rtl="0" eaLnBrk="1" latinLnBrk="0" hangingPunct="1">
+              <a:lnSpc>
+                <a:spcPct val="90000"/>
+              </a:lnSpc>
+              <a:spcBef>
+                <a:spcPts val="0"/>
+              </a:spcBef>
+              <a:spcAft>
+                <a:spcPts val="0"/>
+              </a:spcAft>
+              <a:buSzPts val="1400"/>
+              <a:buFont typeface="Arial" panose="020B0604020202020204" pitchFamily="34" charset="0"/>
+              <a:buChar char="○"/>
+              <a:defRPr kumimoji="1" sz="1800" kern="1200">
+                <a:solidFill>
+                  <a:schemeClr val="tx1"/>
+                </a:solidFill>
+                <a:latin typeface="+mn-lt"/>
+                <a:ea typeface="+mn-ea"/>
+                <a:cs typeface="+mn-cs"/>
+              </a:defRPr>
+            </a:lvl5pPr>
+            <a:lvl6pPr marL="3657509" lvl="5" indent="-423323" algn="l" defTabSz="914400" rtl="0" eaLnBrk="1" latinLnBrk="0" hangingPunct="1">
+              <a:lnSpc>
+                <a:spcPct val="90000"/>
+              </a:lnSpc>
+              <a:spcBef>
+                <a:spcPts val="0"/>
+              </a:spcBef>
+              <a:spcAft>
+                <a:spcPts val="0"/>
+              </a:spcAft>
+              <a:buSzPts val="1400"/>
+              <a:buFont typeface="Arial" panose="020B0604020202020204" pitchFamily="34" charset="0"/>
+              <a:buChar char="■"/>
+              <a:defRPr kumimoji="1" sz="1800" kern="1200">
+                <a:solidFill>
+                  <a:schemeClr val="tx1"/>
+                </a:solidFill>
+                <a:latin typeface="+mn-lt"/>
+                <a:ea typeface="+mn-ea"/>
+                <a:cs typeface="+mn-cs"/>
+              </a:defRPr>
+            </a:lvl6pPr>
+            <a:lvl7pPr marL="4267093" lvl="6" indent="-423323" algn="l" defTabSz="914400" rtl="0" eaLnBrk="1" latinLnBrk="0" hangingPunct="1">
+              <a:lnSpc>
+                <a:spcPct val="90000"/>
+              </a:lnSpc>
+              <a:spcBef>
+                <a:spcPts val="0"/>
+              </a:spcBef>
+              <a:spcAft>
+                <a:spcPts val="0"/>
+              </a:spcAft>
+              <a:buSzPts val="1400"/>
+              <a:buFont typeface="Arial" panose="020B0604020202020204" pitchFamily="34" charset="0"/>
+              <a:buChar char="●"/>
+              <a:defRPr kumimoji="1" sz="1800" kern="1200">
+                <a:solidFill>
+                  <a:schemeClr val="tx1"/>
+                </a:solidFill>
+                <a:latin typeface="+mn-lt"/>
+                <a:ea typeface="+mn-ea"/>
+                <a:cs typeface="+mn-cs"/>
+              </a:defRPr>
+            </a:lvl7pPr>
+            <a:lvl8pPr marL="4876678" lvl="7" indent="-423323" algn="l" defTabSz="914400" rtl="0" eaLnBrk="1" latinLnBrk="0" hangingPunct="1">
+              <a:lnSpc>
+                <a:spcPct val="90000"/>
+              </a:lnSpc>
+              <a:spcBef>
+                <a:spcPts val="0"/>
+              </a:spcBef>
+              <a:spcAft>
+                <a:spcPts val="0"/>
+              </a:spcAft>
+              <a:buSzPts val="1400"/>
+              <a:buFont typeface="Arial" panose="020B0604020202020204" pitchFamily="34" charset="0"/>
+              <a:buChar char="○"/>
+              <a:defRPr kumimoji="1" sz="1800" kern="1200">
+                <a:solidFill>
+                  <a:schemeClr val="tx1"/>
+                </a:solidFill>
+                <a:latin typeface="+mn-lt"/>
+                <a:ea typeface="+mn-ea"/>
+                <a:cs typeface="+mn-cs"/>
+              </a:defRPr>
+            </a:lvl8pPr>
+            <a:lvl9pPr marL="5486263" lvl="8" indent="-423323" algn="l" defTabSz="914400" rtl="0" eaLnBrk="1" latinLnBrk="0" hangingPunct="1">
+              <a:lnSpc>
+                <a:spcPct val="90000"/>
+              </a:lnSpc>
+              <a:spcBef>
+                <a:spcPts val="0"/>
+              </a:spcBef>
+              <a:spcAft>
+                <a:spcPts val="0"/>
+              </a:spcAft>
+              <a:buSzPts val="1400"/>
+              <a:buFont typeface="Arial" panose="020B0604020202020204" pitchFamily="34" charset="0"/>
+              <a:buChar char="■"/>
+              <a:defRPr kumimoji="1" sz="1800" kern="1200">
+                <a:solidFill>
+                  <a:schemeClr val="tx1"/>
+                </a:solidFill>
+                <a:latin typeface="+mn-lt"/>
+                <a:ea typeface="+mn-ea"/>
+                <a:cs typeface="+mn-cs"/>
+              </a:defRPr>
+            </a:lvl9pPr>
+          </a:lstStyle>
+          <a:p>
+            <a:pPr marL="0" indent="0" algn="ctr">
+              <a:buNone/>
+            </a:pPr>
+            <a:r>
+              <a:rPr lang="ja-JP" altLang="en-US" sz="1700" dirty="0"/>
+              <a:t>カスタマーサービス部メンバー</a:t>
+            </a:r>
+          </a:p>
+        </p:txBody>
+      </p:sp>
+    </p:spTree>
+    <p:extLst>
+      <p:ext uri="{BB962C8B-B14F-4D97-AF65-F5344CB8AC3E}">
+        <p14:creationId xmlns:p14="http://schemas.microsoft.com/office/powerpoint/2010/main" val="2749572660"/>
+      </p:ext>
+    </p:extLst>
+  </p:cSld>
+  <p:clrMapOvr>
+    <a:masterClrMapping/>
+  </p:clrMapOvr>
+</p:sld>
+</file>
+
 <file path=ppt/slides/slide2.xml><?xml version="1.0" encoding="utf-8"?>
+<p:sld xmlns:a="http://schemas.openxmlformats.org/drawingml/2006/main" xmlns:r="http://schemas.openxmlformats.org/officeDocument/2006/relationships" xmlns:p="http://schemas.openxmlformats.org/presentationml/2006/main">
+  <p:cSld>
+    <p:spTree>
+      <p:nvGrpSpPr>
+        <p:cNvPr id="1" name="Shape 59">
+          <a:extLst>
+            <a:ext uri="{FF2B5EF4-FFF2-40B4-BE49-F238E27FC236}">
+              <a16:creationId xmlns:a16="http://schemas.microsoft.com/office/drawing/2014/main" id="{E6584B95-4B72-333D-C9A4-34F84C94C8FC}"/>
+            </a:ext>
+          </a:extLst>
+        </p:cNvPr>
+        <p:cNvGrpSpPr/>
+        <p:nvPr/>
+      </p:nvGrpSpPr>
+      <p:grpSpPr>
+        <a:xfrm>
+          <a:off x="0" y="0"/>
+          <a:ext cx="0" cy="0"/>
+          <a:chOff x="0" y="0"/>
+          <a:chExt cx="0" cy="0"/>
+        </a:xfrm>
+      </p:grpSpPr>
+      <p:sp>
+        <p:nvSpPr>
+          <p:cNvPr id="60" name="Google Shape;60;p14">
+            <a:extLst>
+              <a:ext uri="{FF2B5EF4-FFF2-40B4-BE49-F238E27FC236}">
+                <a16:creationId xmlns:a16="http://schemas.microsoft.com/office/drawing/2014/main" id="{AD2E60B9-F7F4-F313-1CC1-736F2CF2DA1D}"/>
+              </a:ext>
+            </a:extLst>
+          </p:cNvPr>
+          <p:cNvSpPr txBox="1">
+            <a:spLocks noGrp="1"/>
+          </p:cNvSpPr>
+          <p:nvPr>
+            <p:ph type="title"/>
+          </p:nvPr>
+        </p:nvSpPr>
+        <p:spPr>
+          <a:xfrm>
+            <a:off x="203165" y="168496"/>
+            <a:ext cx="11360800" cy="763600"/>
+          </a:xfrm>
+          <a:prstGeom prst="rect">
+            <a:avLst/>
+          </a:prstGeom>
+        </p:spPr>
+        <p:txBody>
+          <a:bodyPr spcFirstLastPara="1" vert="horz" wrap="square" lIns="121900" tIns="121900" rIns="121900" bIns="121900" rtlCol="0" anchor="t" anchorCtr="0">
+            <a:normAutofit/>
+          </a:bodyPr>
+          <a:lstStyle/>
+          <a:p>
+            <a:r>
+              <a:rPr lang="en-US" altLang="ja-JP" sz="3200" dirty="0"/>
+              <a:t>EC</a:t>
+            </a:r>
+            <a:r>
+              <a:rPr lang="ja-JP" altLang="en-US" sz="3200" dirty="0"/>
+              <a:t>サ利用システム者概要</a:t>
+            </a:r>
+            <a:endParaRPr sz="3200" dirty="0"/>
+          </a:p>
+        </p:txBody>
+      </p:sp>
+      <p:graphicFrame>
+        <p:nvGraphicFramePr>
+          <p:cNvPr id="2" name="表 1">
+            <a:extLst>
+              <a:ext uri="{FF2B5EF4-FFF2-40B4-BE49-F238E27FC236}">
+                <a16:creationId xmlns:a16="http://schemas.microsoft.com/office/drawing/2014/main" id="{1A04F89D-D950-881A-7DAB-BCBEED75EEBB}"/>
+              </a:ext>
+            </a:extLst>
+          </p:cNvPr>
+          <p:cNvGraphicFramePr>
+            <a:graphicFrameLocks noGrp="1"/>
+          </p:cNvGraphicFramePr>
+          <p:nvPr>
+            <p:extLst>
+              <p:ext uri="{D42A27DB-BD31-4B8C-83A1-F6EECF244321}">
+                <p14:modId xmlns:p14="http://schemas.microsoft.com/office/powerpoint/2010/main" val="1301095054"/>
+              </p:ext>
+            </p:extLst>
+          </p:nvPr>
+        </p:nvGraphicFramePr>
+        <p:xfrm>
+          <a:off x="997527" y="1734820"/>
+          <a:ext cx="10815783" cy="3388360"/>
+        </p:xfrm>
+        <a:graphic>
+          <a:graphicData uri="http://schemas.openxmlformats.org/drawingml/2006/table">
+            <a:tbl>
+              <a:tblPr firstRow="1" bandRow="1">
+                <a:tableStyleId>{B301B821-A1FF-4177-AEE7-76D212191A09}</a:tableStyleId>
+              </a:tblPr>
+              <a:tblGrid>
+                <a:gridCol w="1802631">
+                  <a:extLst>
+                    <a:ext uri="{9D8B030D-6E8A-4147-A177-3AD203B41FA5}">
+                      <a16:colId xmlns:a16="http://schemas.microsoft.com/office/drawing/2014/main" val="516346947"/>
+                    </a:ext>
+                  </a:extLst>
+                </a:gridCol>
+                <a:gridCol w="2889442">
+                  <a:extLst>
+                    <a:ext uri="{9D8B030D-6E8A-4147-A177-3AD203B41FA5}">
+                      <a16:colId xmlns:a16="http://schemas.microsoft.com/office/drawing/2014/main" val="1766546142"/>
+                    </a:ext>
+                  </a:extLst>
+                </a:gridCol>
+                <a:gridCol w="6123710">
+                  <a:extLst>
+                    <a:ext uri="{9D8B030D-6E8A-4147-A177-3AD203B41FA5}">
+                      <a16:colId xmlns:a16="http://schemas.microsoft.com/office/drawing/2014/main" val="3791253243"/>
+                    </a:ext>
+                  </a:extLst>
+                </a:gridCol>
+              </a:tblGrid>
+              <a:tr h="370840">
+                <a:tc>
+                  <a:txBody>
+                    <a:bodyPr/>
+                    <a:lstStyle/>
+                    <a:p>
+                      <a:r>
+                        <a:rPr kumimoji="1" lang="ja-JP" altLang="en-US" dirty="0"/>
+                        <a:t>利用者区分</a:t>
+                      </a:r>
+                    </a:p>
+                  </a:txBody>
+                  <a:tcPr>
+                    <a:lnB w="12700" cap="flat" cmpd="sng" algn="ctr">
+                      <a:solidFill>
+                        <a:schemeClr val="tx1"/>
+                      </a:solidFill>
+                      <a:prstDash val="solid"/>
+                      <a:round/>
+                      <a:headEnd type="none" w="med" len="med"/>
+                      <a:tailEnd type="none" w="med" len="med"/>
+                    </a:lnB>
+                  </a:tcPr>
+                </a:tc>
+                <a:tc>
+                  <a:txBody>
+                    <a:bodyPr/>
+                    <a:lstStyle/>
+                    <a:p>
+                      <a:r>
+                        <a:rPr kumimoji="1" lang="ja-JP" altLang="en-US" dirty="0"/>
+                        <a:t>利用者</a:t>
+                      </a:r>
+                    </a:p>
+                  </a:txBody>
+                  <a:tcPr>
+                    <a:lnB w="12700" cap="flat" cmpd="sng" algn="ctr">
+                      <a:solidFill>
+                        <a:schemeClr val="tx1"/>
+                      </a:solidFill>
+                      <a:prstDash val="solid"/>
+                      <a:round/>
+                      <a:headEnd type="none" w="med" len="med"/>
+                      <a:tailEnd type="none" w="med" len="med"/>
+                    </a:lnB>
+                  </a:tcPr>
+                </a:tc>
+                <a:tc>
+                  <a:txBody>
+                    <a:bodyPr/>
+                    <a:lstStyle/>
+                    <a:p>
+                      <a:r>
+                        <a:rPr kumimoji="1" lang="ja-JP" altLang="en-US" dirty="0"/>
+                        <a:t>利用者特性</a:t>
+                      </a:r>
+                    </a:p>
+                  </a:txBody>
+                  <a:tcPr>
+                    <a:lnB w="12700" cap="flat" cmpd="sng" algn="ctr">
+                      <a:solidFill>
+                        <a:schemeClr val="tx1"/>
+                      </a:solidFill>
+                      <a:prstDash val="solid"/>
+                      <a:round/>
+                      <a:headEnd type="none" w="med" len="med"/>
+                      <a:tailEnd type="none" w="med" len="med"/>
+                    </a:lnB>
+                  </a:tcPr>
+                </a:tc>
+                <a:extLst>
+                  <a:ext uri="{0D108BD9-81ED-4DB2-BD59-A6C34878D82A}">
+                    <a16:rowId xmlns:a16="http://schemas.microsoft.com/office/drawing/2014/main" val="1654535937"/>
+                  </a:ext>
+                </a:extLst>
+              </a:tr>
+              <a:tr h="370840">
+                <a:tc>
+                  <a:txBody>
+                    <a:bodyPr/>
+                    <a:lstStyle/>
+                    <a:p>
+                      <a:r>
+                        <a:rPr kumimoji="1" lang="ja-JP" altLang="en-US" b="1" dirty="0"/>
+                        <a:t>顧客</a:t>
+                      </a:r>
+                    </a:p>
+                  </a:txBody>
+                  <a:tcPr>
+                    <a:lnL w="12700" cap="flat" cmpd="sng" algn="ctr">
+                      <a:solidFill>
+                        <a:schemeClr val="tx1"/>
+                      </a:solidFill>
+                      <a:prstDash val="solid"/>
+                      <a:round/>
+                      <a:headEnd type="none" w="med" len="med"/>
+                      <a:tailEnd type="none" w="med" len="med"/>
+                    </a:lnL>
+                    <a:lnR w="12700" cap="flat" cmpd="sng" algn="ctr">
+                      <a:solidFill>
+                        <a:schemeClr val="tx1"/>
+                      </a:solidFill>
+                      <a:prstDash val="solid"/>
+                      <a:round/>
+                      <a:headEnd type="none" w="med" len="med"/>
+                      <a:tailEnd type="none" w="med" len="med"/>
+                    </a:lnR>
+                    <a:lnT w="12700" cap="flat" cmpd="sng" algn="ctr">
+                      <a:solidFill>
+                        <a:schemeClr val="tx1"/>
+                      </a:solidFill>
+                      <a:prstDash val="solid"/>
+                      <a:round/>
+                      <a:headEnd type="none" w="med" len="med"/>
+                      <a:tailEnd type="none" w="med" len="med"/>
+                    </a:lnT>
+                    <a:lnB w="12700" cap="flat" cmpd="sng" algn="ctr">
+                      <a:solidFill>
+                        <a:schemeClr val="tx1"/>
+                      </a:solidFill>
+                      <a:prstDash val="solid"/>
+                      <a:round/>
+                      <a:headEnd type="none" w="med" len="med"/>
+                      <a:tailEnd type="none" w="med" len="med"/>
+                    </a:lnB>
+                    <a:solidFill>
+                      <a:schemeClr val="bg1"/>
+                    </a:solidFill>
+                  </a:tcPr>
+                </a:tc>
+                <a:tc>
+                  <a:txBody>
+                    <a:bodyPr/>
+                    <a:lstStyle/>
+                    <a:p>
+                      <a:r>
+                        <a:rPr kumimoji="1" lang="en-US" altLang="ja-JP" dirty="0"/>
+                        <a:t>EC</a:t>
+                      </a:r>
+                      <a:r>
+                        <a:rPr kumimoji="1" lang="ja-JP" altLang="en-US" dirty="0"/>
+                        <a:t>サイトで商品を</a:t>
+                      </a:r>
+                      <a:endParaRPr kumimoji="1" lang="en-US" altLang="ja-JP" dirty="0"/>
+                    </a:p>
+                    <a:p>
+                      <a:r>
+                        <a:rPr kumimoji="1" lang="ja-JP" altLang="en-US" dirty="0"/>
+                        <a:t>閲覧・購入するユーザー</a:t>
+                      </a:r>
+                      <a:endParaRPr kumimoji="1" lang="en-US" altLang="ja-JP" dirty="0"/>
+                    </a:p>
+                  </a:txBody>
+                  <a:tcPr>
+                    <a:lnL w="12700" cap="flat" cmpd="sng" algn="ctr">
+                      <a:solidFill>
+                        <a:schemeClr val="tx1"/>
+                      </a:solidFill>
+                      <a:prstDash val="solid"/>
+                      <a:round/>
+                      <a:headEnd type="none" w="med" len="med"/>
+                      <a:tailEnd type="none" w="med" len="med"/>
+                    </a:lnL>
+                    <a:lnR w="12700" cap="flat" cmpd="sng" algn="ctr">
+                      <a:solidFill>
+                        <a:schemeClr val="tx1"/>
+                      </a:solidFill>
+                      <a:prstDash val="solid"/>
+                      <a:round/>
+                      <a:headEnd type="none" w="med" len="med"/>
+                      <a:tailEnd type="none" w="med" len="med"/>
+                    </a:lnR>
+                    <a:lnT w="12700" cap="flat" cmpd="sng" algn="ctr">
+                      <a:solidFill>
+                        <a:schemeClr val="tx1"/>
+                      </a:solidFill>
+                      <a:prstDash val="solid"/>
+                      <a:round/>
+                      <a:headEnd type="none" w="med" len="med"/>
+                      <a:tailEnd type="none" w="med" len="med"/>
+                    </a:lnT>
+                    <a:lnB w="12700" cap="flat" cmpd="sng" algn="ctr">
+                      <a:solidFill>
+                        <a:schemeClr val="tx1"/>
+                      </a:solidFill>
+                      <a:prstDash val="solid"/>
+                      <a:round/>
+                      <a:headEnd type="none" w="med" len="med"/>
+                      <a:tailEnd type="none" w="med" len="med"/>
+                    </a:lnB>
+                    <a:solidFill>
+                      <a:schemeClr val="bg1"/>
+                    </a:solidFill>
+                  </a:tcPr>
+                </a:tc>
+                <a:tc>
+                  <a:txBody>
+                    <a:bodyPr/>
+                    <a:lstStyle/>
+                    <a:p>
+                      <a:pPr marL="285750" indent="-285750">
+                        <a:buFont typeface="Arial" panose="020B0604020202020204" pitchFamily="34" charset="0"/>
+                        <a:buChar char="•"/>
+                      </a:pPr>
+                      <a:r>
+                        <a:rPr kumimoji="1" lang="ja-JP" altLang="en-US" sz="1800" kern="1200" dirty="0">
+                          <a:solidFill>
+                            <a:schemeClr val="dk1"/>
+                          </a:solidFill>
+                          <a:effectLst/>
+                          <a:latin typeface="+mn-lt"/>
+                          <a:ea typeface="+mn-ea"/>
+                          <a:cs typeface="+mn-cs"/>
+                        </a:rPr>
+                        <a:t>サイトに会員情報を登録する</a:t>
+                      </a:r>
+                      <a:endParaRPr kumimoji="1" lang="en-US" altLang="ja-JP" sz="1800" kern="1200" dirty="0">
+                        <a:solidFill>
+                          <a:schemeClr val="dk1"/>
+                        </a:solidFill>
+                        <a:effectLst/>
+                        <a:latin typeface="+mn-lt"/>
+                        <a:ea typeface="+mn-ea"/>
+                        <a:cs typeface="+mn-cs"/>
+                      </a:endParaRPr>
+                    </a:p>
+                    <a:p>
+                      <a:pPr marL="285750" indent="-285750">
+                        <a:buFont typeface="Arial" panose="020B0604020202020204" pitchFamily="34" charset="0"/>
+                        <a:buChar char="•"/>
+                      </a:pPr>
+                      <a:r>
+                        <a:rPr kumimoji="1" lang="ja-JP" altLang="ja-JP" sz="1800" kern="1200" dirty="0">
+                          <a:solidFill>
+                            <a:schemeClr val="dk1"/>
+                          </a:solidFill>
+                          <a:effectLst/>
+                          <a:latin typeface="+mn-lt"/>
+                          <a:ea typeface="+mn-ea"/>
+                          <a:cs typeface="+mn-cs"/>
+                        </a:rPr>
+                        <a:t>サイト内の商品を閲覧・検索し、カートに入れて注文する</a:t>
+                      </a:r>
+                      <a:endParaRPr kumimoji="1" lang="en-US" altLang="ja-JP" sz="1800" kern="1200" dirty="0">
+                        <a:solidFill>
+                          <a:schemeClr val="dk1"/>
+                        </a:solidFill>
+                        <a:effectLst/>
+                        <a:latin typeface="+mn-lt"/>
+                        <a:ea typeface="+mn-ea"/>
+                        <a:cs typeface="+mn-cs"/>
+                      </a:endParaRPr>
+                    </a:p>
+                    <a:p>
+                      <a:pPr marL="285750" indent="-285750">
+                        <a:buFont typeface="Arial" panose="020B0604020202020204" pitchFamily="34" charset="0"/>
+                        <a:buChar char="•"/>
+                      </a:pPr>
+                      <a:r>
+                        <a:rPr kumimoji="1" lang="ja-JP" altLang="ja-JP" sz="1800" kern="1200" dirty="0">
+                          <a:solidFill>
+                            <a:schemeClr val="dk1"/>
+                          </a:solidFill>
+                          <a:effectLst/>
+                          <a:latin typeface="+mn-lt"/>
+                          <a:ea typeface="+mn-ea"/>
+                          <a:cs typeface="+mn-cs"/>
+                        </a:rPr>
+                        <a:t>出荷前の商品をキャンセルする</a:t>
+                      </a:r>
+                      <a:endParaRPr kumimoji="1" lang="en-US" altLang="ja-JP" sz="1800" kern="1200" dirty="0">
+                        <a:solidFill>
+                          <a:schemeClr val="dk1"/>
+                        </a:solidFill>
+                        <a:effectLst/>
+                        <a:latin typeface="+mn-lt"/>
+                        <a:ea typeface="+mn-ea"/>
+                        <a:cs typeface="+mn-cs"/>
+                      </a:endParaRPr>
+                    </a:p>
+                    <a:p>
+                      <a:pPr marL="285750" indent="-285750">
+                        <a:buFont typeface="Arial" panose="020B0604020202020204" pitchFamily="34" charset="0"/>
+                        <a:buChar char="•"/>
+                      </a:pPr>
+                      <a:r>
+                        <a:rPr kumimoji="1" lang="ja-JP" altLang="en-US" sz="1800" kern="1200" dirty="0">
+                          <a:solidFill>
+                            <a:schemeClr val="dk1"/>
+                          </a:solidFill>
+                          <a:effectLst/>
+                          <a:latin typeface="+mn-lt"/>
+                          <a:ea typeface="+mn-ea"/>
+                          <a:cs typeface="+mn-cs"/>
+                        </a:rPr>
+                        <a:t>配布されたクーポンを利用して商品を購入する</a:t>
+                      </a:r>
+                      <a:endParaRPr kumimoji="1" lang="ja-JP" altLang="en-US" dirty="0"/>
+                    </a:p>
+                  </a:txBody>
+                  <a:tcPr>
+                    <a:lnL w="12700" cap="flat" cmpd="sng" algn="ctr">
+                      <a:solidFill>
+                        <a:schemeClr val="tx1"/>
+                      </a:solidFill>
+                      <a:prstDash val="solid"/>
+                      <a:round/>
+                      <a:headEnd type="none" w="med" len="med"/>
+                      <a:tailEnd type="none" w="med" len="med"/>
+                    </a:lnL>
+                    <a:lnR w="12700" cap="flat" cmpd="sng" algn="ctr">
+                      <a:solidFill>
+                        <a:schemeClr val="tx1"/>
+                      </a:solidFill>
+                      <a:prstDash val="solid"/>
+                      <a:round/>
+                      <a:headEnd type="none" w="med" len="med"/>
+                      <a:tailEnd type="none" w="med" len="med"/>
+                    </a:lnR>
+                    <a:lnT w="12700" cap="flat" cmpd="sng" algn="ctr">
+                      <a:solidFill>
+                        <a:schemeClr val="tx1"/>
+                      </a:solidFill>
+                      <a:prstDash val="solid"/>
+                      <a:round/>
+                      <a:headEnd type="none" w="med" len="med"/>
+                      <a:tailEnd type="none" w="med" len="med"/>
+                    </a:lnT>
+                    <a:lnB w="12700" cap="flat" cmpd="sng" algn="ctr">
+                      <a:solidFill>
+                        <a:schemeClr val="tx1"/>
+                      </a:solidFill>
+                      <a:prstDash val="solid"/>
+                      <a:round/>
+                      <a:headEnd type="none" w="med" len="med"/>
+                      <a:tailEnd type="none" w="med" len="med"/>
+                    </a:lnB>
+                    <a:solidFill>
+                      <a:schemeClr val="bg1"/>
+                    </a:solidFill>
+                  </a:tcPr>
+                </a:tc>
+                <a:extLst>
+                  <a:ext uri="{0D108BD9-81ED-4DB2-BD59-A6C34878D82A}">
+                    <a16:rowId xmlns:a16="http://schemas.microsoft.com/office/drawing/2014/main" val="1797400262"/>
+                  </a:ext>
+                </a:extLst>
+              </a:tr>
+              <a:tr h="370840">
+                <a:tc rowSpan="2">
+                  <a:txBody>
+                    <a:bodyPr/>
+                    <a:lstStyle/>
+                    <a:p>
+                      <a:r>
+                        <a:rPr kumimoji="1" lang="ja-JP" altLang="en-US" b="1" dirty="0"/>
+                        <a:t>サイト管理者</a:t>
+                      </a:r>
+                    </a:p>
+                  </a:txBody>
+                  <a:tcPr>
+                    <a:lnL w="12700" cap="flat" cmpd="sng" algn="ctr">
+                      <a:solidFill>
+                        <a:schemeClr val="tx1"/>
+                      </a:solidFill>
+                      <a:prstDash val="solid"/>
+                      <a:round/>
+                      <a:headEnd type="none" w="med" len="med"/>
+                      <a:tailEnd type="none" w="med" len="med"/>
+                    </a:lnL>
+                    <a:lnR w="12700" cap="flat" cmpd="sng" algn="ctr">
+                      <a:solidFill>
+                        <a:schemeClr val="tx1"/>
+                      </a:solidFill>
+                      <a:prstDash val="solid"/>
+                      <a:round/>
+                      <a:headEnd type="none" w="med" len="med"/>
+                      <a:tailEnd type="none" w="med" len="med"/>
+                    </a:lnR>
+                    <a:lnT w="12700" cap="flat" cmpd="sng" algn="ctr">
+                      <a:solidFill>
+                        <a:schemeClr val="tx1"/>
+                      </a:solidFill>
+                      <a:prstDash val="solid"/>
+                      <a:round/>
+                      <a:headEnd type="none" w="med" len="med"/>
+                      <a:tailEnd type="none" w="med" len="med"/>
+                    </a:lnT>
+                    <a:lnB w="12700" cap="flat" cmpd="sng" algn="ctr">
+                      <a:solidFill>
+                        <a:schemeClr val="tx1"/>
+                      </a:solidFill>
+                      <a:prstDash val="solid"/>
+                      <a:round/>
+                      <a:headEnd type="none" w="med" len="med"/>
+                      <a:tailEnd type="none" w="med" len="med"/>
+                    </a:lnB>
+                    <a:solidFill>
+                      <a:schemeClr val="bg1"/>
+                    </a:solidFill>
+                  </a:tcPr>
+                </a:tc>
+                <a:tc>
+                  <a:txBody>
+                    <a:bodyPr/>
+                    <a:lstStyle/>
+                    <a:p>
+                      <a:r>
+                        <a:rPr kumimoji="1" lang="ja-JP" altLang="en-US" dirty="0"/>
+                        <a:t>マーケティング部門</a:t>
+                      </a:r>
+                      <a:endParaRPr kumimoji="1" lang="en-US" altLang="ja-JP" dirty="0"/>
+                    </a:p>
+                    <a:p>
+                      <a:r>
+                        <a:rPr kumimoji="1" lang="ja-JP" altLang="en-US" dirty="0"/>
+                        <a:t>メンバー</a:t>
+                      </a:r>
+                    </a:p>
+                  </a:txBody>
+                  <a:tcPr>
+                    <a:lnL w="12700" cap="flat" cmpd="sng" algn="ctr">
+                      <a:solidFill>
+                        <a:schemeClr val="tx1"/>
+                      </a:solidFill>
+                      <a:prstDash val="solid"/>
+                      <a:round/>
+                      <a:headEnd type="none" w="med" len="med"/>
+                      <a:tailEnd type="none" w="med" len="med"/>
+                    </a:lnL>
+                    <a:lnR w="12700" cap="flat" cmpd="sng" algn="ctr">
+                      <a:solidFill>
+                        <a:schemeClr val="tx1"/>
+                      </a:solidFill>
+                      <a:prstDash val="solid"/>
+                      <a:round/>
+                      <a:headEnd type="none" w="med" len="med"/>
+                      <a:tailEnd type="none" w="med" len="med"/>
+                    </a:lnR>
+                    <a:lnT w="12700" cap="flat" cmpd="sng" algn="ctr">
+                      <a:solidFill>
+                        <a:schemeClr val="tx1"/>
+                      </a:solidFill>
+                      <a:prstDash val="solid"/>
+                      <a:round/>
+                      <a:headEnd type="none" w="med" len="med"/>
+                      <a:tailEnd type="none" w="med" len="med"/>
+                    </a:lnT>
+                    <a:lnB w="12700" cap="flat" cmpd="sng" algn="ctr">
+                      <a:solidFill>
+                        <a:schemeClr val="tx1"/>
+                      </a:solidFill>
+                      <a:prstDash val="solid"/>
+                      <a:round/>
+                      <a:headEnd type="none" w="med" len="med"/>
+                      <a:tailEnd type="none" w="med" len="med"/>
+                    </a:lnB>
+                    <a:solidFill>
+                      <a:schemeClr val="bg1"/>
+                    </a:solidFill>
+                  </a:tcPr>
+                </a:tc>
+                <a:tc>
+                  <a:txBody>
+                    <a:bodyPr/>
+                    <a:lstStyle/>
+                    <a:p>
+                      <a:pPr marL="285750" indent="-285750">
+                        <a:buFont typeface="Arial" panose="020B0604020202020204" pitchFamily="34" charset="0"/>
+                        <a:buChar char="•"/>
+                      </a:pPr>
+                      <a:r>
+                        <a:rPr kumimoji="1" lang="ja-JP" altLang="ja-JP" sz="1800" kern="1200" dirty="0">
+                          <a:solidFill>
+                            <a:schemeClr val="dk1"/>
+                          </a:solidFill>
+                          <a:effectLst/>
+                          <a:latin typeface="+mn-lt"/>
+                          <a:ea typeface="+mn-ea"/>
+                          <a:cs typeface="+mn-cs"/>
+                        </a:rPr>
+                        <a:t>商品管理、割引クーポン配布、サイト管理を担う</a:t>
+                      </a:r>
+                      <a:endParaRPr kumimoji="1" lang="ja-JP" altLang="en-US" dirty="0"/>
+                    </a:p>
+                  </a:txBody>
+                  <a:tcPr>
+                    <a:lnL w="12700" cap="flat" cmpd="sng" algn="ctr">
+                      <a:solidFill>
+                        <a:schemeClr val="tx1"/>
+                      </a:solidFill>
+                      <a:prstDash val="solid"/>
+                      <a:round/>
+                      <a:headEnd type="none" w="med" len="med"/>
+                      <a:tailEnd type="none" w="med" len="med"/>
+                    </a:lnL>
+                    <a:lnR w="12700" cap="flat" cmpd="sng" algn="ctr">
+                      <a:solidFill>
+                        <a:schemeClr val="tx1"/>
+                      </a:solidFill>
+                      <a:prstDash val="solid"/>
+                      <a:round/>
+                      <a:headEnd type="none" w="med" len="med"/>
+                      <a:tailEnd type="none" w="med" len="med"/>
+                    </a:lnR>
+                    <a:lnT w="12700" cap="flat" cmpd="sng" algn="ctr">
+                      <a:solidFill>
+                        <a:schemeClr val="tx1"/>
+                      </a:solidFill>
+                      <a:prstDash val="solid"/>
+                      <a:round/>
+                      <a:headEnd type="none" w="med" len="med"/>
+                      <a:tailEnd type="none" w="med" len="med"/>
+                    </a:lnT>
+                    <a:lnB w="12700" cap="flat" cmpd="sng" algn="ctr">
+                      <a:solidFill>
+                        <a:schemeClr val="tx1"/>
+                      </a:solidFill>
+                      <a:prstDash val="solid"/>
+                      <a:round/>
+                      <a:headEnd type="none" w="med" len="med"/>
+                      <a:tailEnd type="none" w="med" len="med"/>
+                    </a:lnB>
+                    <a:solidFill>
+                      <a:schemeClr val="bg1"/>
+                    </a:solidFill>
+                  </a:tcPr>
+                </a:tc>
+                <a:extLst>
+                  <a:ext uri="{0D108BD9-81ED-4DB2-BD59-A6C34878D82A}">
+                    <a16:rowId xmlns:a16="http://schemas.microsoft.com/office/drawing/2014/main" val="234766605"/>
+                  </a:ext>
+                </a:extLst>
+              </a:tr>
+              <a:tr h="370840">
+                <a:tc vMerge="1">
+                  <a:txBody>
+                    <a:bodyPr/>
+                    <a:lstStyle/>
+                    <a:p>
+                      <a:endParaRPr kumimoji="1" lang="ja-JP" altLang="en-US" dirty="0"/>
+                    </a:p>
+                  </a:txBody>
+                  <a:tcPr>
+                    <a:lnL w="12700" cap="flat" cmpd="sng" algn="ctr">
+                      <a:solidFill>
+                        <a:schemeClr val="tx1"/>
+                      </a:solidFill>
+                      <a:prstDash val="solid"/>
+                      <a:round/>
+                      <a:headEnd type="none" w="med" len="med"/>
+                      <a:tailEnd type="none" w="med" len="med"/>
+                    </a:lnL>
+                    <a:lnR w="12700" cap="flat" cmpd="sng" algn="ctr">
+                      <a:solidFill>
+                        <a:schemeClr val="tx1"/>
+                      </a:solidFill>
+                      <a:prstDash val="solid"/>
+                      <a:round/>
+                      <a:headEnd type="none" w="med" len="med"/>
+                      <a:tailEnd type="none" w="med" len="med"/>
+                    </a:lnR>
+                    <a:lnT w="12700" cap="flat" cmpd="sng" algn="ctr">
+                      <a:solidFill>
+                        <a:schemeClr val="tx1"/>
+                      </a:solidFill>
+                      <a:prstDash val="solid"/>
+                      <a:round/>
+                      <a:headEnd type="none" w="med" len="med"/>
+                      <a:tailEnd type="none" w="med" len="med"/>
+                    </a:lnT>
+                    <a:lnB w="12700" cap="flat" cmpd="sng" algn="ctr">
+                      <a:solidFill>
+                        <a:schemeClr val="tx1"/>
+                      </a:solidFill>
+                      <a:prstDash val="solid"/>
+                      <a:round/>
+                      <a:headEnd type="none" w="med" len="med"/>
+                      <a:tailEnd type="none" w="med" len="med"/>
+                    </a:lnB>
+                  </a:tcPr>
+                </a:tc>
+                <a:tc>
+                  <a:txBody>
+                    <a:bodyPr/>
+                    <a:lstStyle/>
+                    <a:p>
+                      <a:r>
+                        <a:rPr kumimoji="1" lang="ja-JP" altLang="en-US" dirty="0"/>
+                        <a:t>カスタマーサービス部</a:t>
+                      </a:r>
+                      <a:endParaRPr kumimoji="1" lang="en-US" altLang="ja-JP" dirty="0"/>
+                    </a:p>
+                    <a:p>
+                      <a:r>
+                        <a:rPr kumimoji="1" lang="ja-JP" altLang="en-US" dirty="0"/>
+                        <a:t>メンバー</a:t>
+                      </a:r>
+                    </a:p>
+                  </a:txBody>
+                  <a:tcPr>
+                    <a:lnL w="12700" cap="flat" cmpd="sng" algn="ctr">
+                      <a:solidFill>
+                        <a:schemeClr val="tx1"/>
+                      </a:solidFill>
+                      <a:prstDash val="solid"/>
+                      <a:round/>
+                      <a:headEnd type="none" w="med" len="med"/>
+                      <a:tailEnd type="none" w="med" len="med"/>
+                    </a:lnL>
+                    <a:lnR w="12700" cap="flat" cmpd="sng" algn="ctr">
+                      <a:solidFill>
+                        <a:schemeClr val="tx1"/>
+                      </a:solidFill>
+                      <a:prstDash val="solid"/>
+                      <a:round/>
+                      <a:headEnd type="none" w="med" len="med"/>
+                      <a:tailEnd type="none" w="med" len="med"/>
+                    </a:lnR>
+                    <a:lnT w="12700" cap="flat" cmpd="sng" algn="ctr">
+                      <a:solidFill>
+                        <a:schemeClr val="tx1"/>
+                      </a:solidFill>
+                      <a:prstDash val="solid"/>
+                      <a:round/>
+                      <a:headEnd type="none" w="med" len="med"/>
+                      <a:tailEnd type="none" w="med" len="med"/>
+                    </a:lnT>
+                    <a:lnB w="12700" cap="flat" cmpd="sng" algn="ctr">
+                      <a:solidFill>
+                        <a:schemeClr val="tx1"/>
+                      </a:solidFill>
+                      <a:prstDash val="solid"/>
+                      <a:round/>
+                      <a:headEnd type="none" w="med" len="med"/>
+                      <a:tailEnd type="none" w="med" len="med"/>
+                    </a:lnB>
+                    <a:solidFill>
+                      <a:schemeClr val="bg1"/>
+                    </a:solidFill>
+                  </a:tcPr>
+                </a:tc>
+                <a:tc>
+                  <a:txBody>
+                    <a:bodyPr/>
+                    <a:lstStyle/>
+                    <a:p>
+                      <a:pPr marL="285750" indent="-285750">
+                        <a:buFont typeface="Arial" panose="020B0604020202020204" pitchFamily="34" charset="0"/>
+                        <a:buChar char="•"/>
+                      </a:pPr>
+                      <a:r>
+                        <a:rPr kumimoji="1" lang="ja-JP" altLang="ja-JP" sz="1800" kern="1200" dirty="0">
+                          <a:solidFill>
+                            <a:schemeClr val="dk1"/>
+                          </a:solidFill>
+                          <a:effectLst/>
+                          <a:latin typeface="+mn-lt"/>
+                          <a:ea typeface="+mn-ea"/>
+                          <a:cs typeface="+mn-cs"/>
+                        </a:rPr>
+                        <a:t>会員管理、受注管理、コールセンター業務を担う</a:t>
+                      </a:r>
+                    </a:p>
+                    <a:p>
+                      <a:pPr marL="285750" indent="-285750">
+                        <a:buFont typeface="Arial" panose="020B0604020202020204" pitchFamily="34" charset="0"/>
+                        <a:buChar char="•"/>
+                      </a:pPr>
+                      <a:r>
+                        <a:rPr kumimoji="1" lang="ja-JP" altLang="ja-JP" sz="1800" kern="1200" dirty="0">
+                          <a:solidFill>
+                            <a:schemeClr val="dk1"/>
+                          </a:solidFill>
+                          <a:effectLst/>
+                          <a:latin typeface="+mn-lt"/>
+                          <a:ea typeface="+mn-ea"/>
+                          <a:cs typeface="+mn-cs"/>
+                        </a:rPr>
+                        <a:t>会員情報の閲覧はカスタマーサービス部の権限を持つメンバーのみ</a:t>
+                      </a:r>
+                      <a:r>
+                        <a:rPr kumimoji="1" lang="ja-JP" altLang="en-US" sz="1800" kern="1200" dirty="0">
+                          <a:solidFill>
+                            <a:schemeClr val="dk1"/>
+                          </a:solidFill>
+                          <a:effectLst/>
+                          <a:latin typeface="+mn-lt"/>
+                          <a:ea typeface="+mn-ea"/>
+                          <a:cs typeface="+mn-cs"/>
+                        </a:rPr>
+                        <a:t>可能</a:t>
+                      </a:r>
+                      <a:endParaRPr kumimoji="1" lang="ja-JP" altLang="en-US" dirty="0"/>
+                    </a:p>
+                  </a:txBody>
+                  <a:tcPr>
+                    <a:lnL w="12700" cap="flat" cmpd="sng" algn="ctr">
+                      <a:solidFill>
+                        <a:schemeClr val="tx1"/>
+                      </a:solidFill>
+                      <a:prstDash val="solid"/>
+                      <a:round/>
+                      <a:headEnd type="none" w="med" len="med"/>
+                      <a:tailEnd type="none" w="med" len="med"/>
+                    </a:lnL>
+                    <a:lnR w="12700" cap="flat" cmpd="sng" algn="ctr">
+                      <a:solidFill>
+                        <a:schemeClr val="tx1"/>
+                      </a:solidFill>
+                      <a:prstDash val="solid"/>
+                      <a:round/>
+                      <a:headEnd type="none" w="med" len="med"/>
+                      <a:tailEnd type="none" w="med" len="med"/>
+                    </a:lnR>
+                    <a:lnT w="12700" cap="flat" cmpd="sng" algn="ctr">
+                      <a:solidFill>
+                        <a:schemeClr val="tx1"/>
+                      </a:solidFill>
+                      <a:prstDash val="solid"/>
+                      <a:round/>
+                      <a:headEnd type="none" w="med" len="med"/>
+                      <a:tailEnd type="none" w="med" len="med"/>
+                    </a:lnT>
+                    <a:lnB w="12700" cap="flat" cmpd="sng" algn="ctr">
+                      <a:solidFill>
+                        <a:schemeClr val="tx1"/>
+                      </a:solidFill>
+                      <a:prstDash val="solid"/>
+                      <a:round/>
+                      <a:headEnd type="none" w="med" len="med"/>
+                      <a:tailEnd type="none" w="med" len="med"/>
+                    </a:lnB>
+                    <a:solidFill>
+                      <a:schemeClr val="bg1"/>
+                    </a:solidFill>
+                  </a:tcPr>
+                </a:tc>
+                <a:extLst>
+                  <a:ext uri="{0D108BD9-81ED-4DB2-BD59-A6C34878D82A}">
+                    <a16:rowId xmlns:a16="http://schemas.microsoft.com/office/drawing/2014/main" val="1919158348"/>
+                  </a:ext>
+                </a:extLst>
+              </a:tr>
+            </a:tbl>
+          </a:graphicData>
+        </a:graphic>
+      </p:graphicFrame>
+      <p:pic>
+        <p:nvPicPr>
+          <p:cNvPr id="3" name="グラフィックス 2" descr="オフィス ワーカー (男性) 単色塗りつぶし">
+            <a:extLst>
+              <a:ext uri="{FF2B5EF4-FFF2-40B4-BE49-F238E27FC236}">
+                <a16:creationId xmlns:a16="http://schemas.microsoft.com/office/drawing/2014/main" id="{6C4551A3-58D4-9A41-042F-DEBE78408EB5}"/>
+              </a:ext>
+            </a:extLst>
+          </p:cNvPr>
+          <p:cNvPicPr>
+            <a:picLocks noChangeAspect="1"/>
+          </p:cNvPicPr>
+          <p:nvPr/>
+        </p:nvPicPr>
+        <p:blipFill>
+          <a:blip r:embed="rId3">
+            <a:extLst>
+              <a:ext uri="{96DAC541-7B7A-43D3-8B79-37D633B846F1}">
+                <asvg:svgBlip xmlns:asvg="http://schemas.microsoft.com/office/drawing/2016/SVG/main" r:embed="rId4"/>
+              </a:ext>
+            </a:extLst>
+          </a:blip>
+          <a:stretch>
+            <a:fillRect/>
+          </a:stretch>
+        </p:blipFill>
+        <p:spPr>
+          <a:xfrm>
+            <a:off x="1544754" y="3906490"/>
+            <a:ext cx="635622" cy="635622"/>
+          </a:xfrm>
+          <a:prstGeom prst="rect">
+            <a:avLst/>
+          </a:prstGeom>
+        </p:spPr>
+      </p:pic>
+      <p:pic>
+        <p:nvPicPr>
+          <p:cNvPr id="7" name="グラフィックス 6" descr="男性のプロフィール 枠線">
+            <a:extLst>
+              <a:ext uri="{FF2B5EF4-FFF2-40B4-BE49-F238E27FC236}">
+                <a16:creationId xmlns:a16="http://schemas.microsoft.com/office/drawing/2014/main" id="{1253D5B9-4457-572D-0DFF-936CC13E8844}"/>
+              </a:ext>
+            </a:extLst>
+          </p:cNvPr>
+          <p:cNvPicPr>
+            <a:picLocks noChangeAspect="1"/>
+          </p:cNvPicPr>
+          <p:nvPr/>
+        </p:nvPicPr>
+        <p:blipFill>
+          <a:blip r:embed="rId5">
+            <a:extLst>
+              <a:ext uri="{96DAC541-7B7A-43D3-8B79-37D633B846F1}">
+                <asvg:svgBlip xmlns:asvg="http://schemas.microsoft.com/office/drawing/2016/SVG/main" r:embed="rId6"/>
+              </a:ext>
+            </a:extLst>
+          </a:blip>
+          <a:stretch>
+            <a:fillRect/>
+          </a:stretch>
+        </p:blipFill>
+        <p:spPr>
+          <a:xfrm>
+            <a:off x="1544754" y="2315889"/>
+            <a:ext cx="635622" cy="635622"/>
+          </a:xfrm>
+          <a:prstGeom prst="rect">
+            <a:avLst/>
+          </a:prstGeom>
+        </p:spPr>
+      </p:pic>
+    </p:spTree>
+    <p:extLst>
+      <p:ext uri="{BB962C8B-B14F-4D97-AF65-F5344CB8AC3E}">
+        <p14:creationId xmlns:p14="http://schemas.microsoft.com/office/powerpoint/2010/main" val="1859066139"/>
+      </p:ext>
+    </p:extLst>
+  </p:cSld>
+  <p:clrMapOvr>
+    <a:masterClrMapping/>
+  </p:clrMapOvr>
+</p:sld>
+</file>
+
+<file path=ppt/slides/slide3.xml><?xml version="1.0" encoding="utf-8"?>
 <p:sld xmlns:a="http://schemas.openxmlformats.org/drawingml/2006/main" xmlns:r="http://schemas.openxmlformats.org/officeDocument/2006/relationships" xmlns:p="http://schemas.openxmlformats.org/presentationml/2006/main">
   <p:cSld>
     <p:spTree>
@@ -5859,7 +8333,7 @@
         <p:spPr>
           <a:xfrm>
             <a:off x="3745339" y="3442227"/>
-            <a:ext cx="2068944" cy="923330"/>
+            <a:ext cx="2068944" cy="877163"/>
           </a:xfrm>
           <a:prstGeom prst="rect">
             <a:avLst/>
@@ -5876,21 +8350,21 @@
           <a:lstStyle/>
           <a:p>
             <a:r>
-              <a:rPr kumimoji="1" lang="ja-JP" altLang="en-US" dirty="0"/>
+              <a:rPr kumimoji="1" lang="ja-JP" altLang="en-US" sz="1700" dirty="0"/>
               <a:t>・商品登録</a:t>
             </a:r>
-            <a:endParaRPr kumimoji="1" lang="en-US" altLang="ja-JP" dirty="0"/>
-          </a:p>
-          <a:p>
-            <a:r>
-              <a:rPr lang="ja-JP" altLang="en-US" dirty="0"/>
+            <a:endParaRPr kumimoji="1" lang="en-US" altLang="ja-JP" sz="1700" dirty="0"/>
+          </a:p>
+          <a:p>
+            <a:r>
+              <a:rPr lang="ja-JP" altLang="en-US" sz="1700" dirty="0"/>
               <a:t>・商品削除</a:t>
             </a:r>
-            <a:endParaRPr lang="en-US" altLang="ja-JP" dirty="0"/>
-          </a:p>
-          <a:p>
-            <a:r>
-              <a:rPr kumimoji="1" lang="ja-JP" altLang="en-US" dirty="0"/>
+            <a:endParaRPr lang="en-US" altLang="ja-JP" sz="1700" dirty="0"/>
+          </a:p>
+          <a:p>
+            <a:r>
+              <a:rPr kumimoji="1" lang="ja-JP" altLang="en-US" sz="1700" dirty="0"/>
               <a:t>・割引情報登録</a:t>
             </a:r>
           </a:p>
@@ -6337,7 +8811,7 @@
         <p:spPr>
           <a:xfrm>
             <a:off x="203165" y="840648"/>
-            <a:ext cx="10994325" cy="1400383"/>
+            <a:ext cx="11785670" cy="1138773"/>
           </a:xfrm>
           <a:prstGeom prst="rect">
             <a:avLst/>
@@ -6354,11 +8828,40 @@
           <a:lstStyle/>
           <a:p>
             <a:r>
+              <a:rPr lang="ja-JP" altLang="en-US" sz="1700" dirty="0"/>
+              <a:t>マーケティング部門メンバーが</a:t>
+            </a:r>
+            <a:r>
               <a:rPr lang="ja-JP" altLang="ja-JP" sz="1700" dirty="0"/>
-              <a:t>ECサイトに出品する商品の登録・削除ができること</a:t>
-            </a:r>
-          </a:p>
-          <a:p>
+              <a:t>商品</a:t>
+            </a:r>
+            <a:r>
+              <a:rPr lang="ja-JP" altLang="en-US" sz="1700" dirty="0"/>
+              <a:t>を</a:t>
+            </a:r>
+            <a:r>
+              <a:rPr lang="en-US" altLang="ja-JP" sz="1700" dirty="0"/>
+              <a:t>EC</a:t>
+            </a:r>
+            <a:r>
+              <a:rPr lang="ja-JP" altLang="en-US" sz="1700" dirty="0"/>
+              <a:t>サイトに</a:t>
+            </a:r>
+            <a:r>
+              <a:rPr lang="ja-JP" altLang="ja-JP" sz="1700" dirty="0"/>
+              <a:t>登録・削除</a:t>
+            </a:r>
+            <a:r>
+              <a:rPr lang="ja-JP" altLang="en-US" sz="1700" dirty="0"/>
+              <a:t>する機能</a:t>
+            </a:r>
+            <a:endParaRPr lang="ja-JP" altLang="ja-JP" sz="1700" dirty="0"/>
+          </a:p>
+          <a:p>
+            <a:r>
+              <a:rPr lang="ja-JP" altLang="en-US" sz="1700" dirty="0"/>
+              <a:t>登録する商品情報は </a:t>
+            </a:r>
             <a:r>
               <a:rPr lang="ja-JP" altLang="ja-JP" sz="1700" dirty="0"/>
               <a:t>商品番号、商品名、カテゴリ、画像、色、サイズ、価格、在庫情報</a:t>
@@ -6367,22 +8870,47 @@
           <a:p>
             <a:r>
               <a:rPr lang="ja-JP" altLang="ja-JP" sz="1700" dirty="0"/>
-              <a:t>ECサイトは基盤システム側の商品を参照すること</a:t>
-            </a:r>
-          </a:p>
-          <a:p>
+              <a:t>商品ごとに割引情報</a:t>
+            </a:r>
+            <a:r>
+              <a:rPr lang="ja-JP" altLang="en-US" sz="1700" dirty="0"/>
+              <a:t>を</a:t>
+            </a:r>
             <a:r>
               <a:rPr lang="ja-JP" altLang="ja-JP" sz="1700" dirty="0"/>
-              <a:t>商品ごとに割引情報の登録ができること</a:t>
+              <a:t>登録</a:t>
+            </a:r>
+            <a:r>
+              <a:rPr lang="ja-JP" altLang="en-US" sz="1700" dirty="0"/>
+              <a:t>する機能を有する</a:t>
             </a:r>
             <a:endParaRPr lang="en-US" altLang="ja-JP" sz="1700" dirty="0"/>
           </a:p>
           <a:p>
             <a:r>
               <a:rPr lang="ja-JP" altLang="en-US" sz="1700" dirty="0"/>
-              <a:t>担当者：マーケティング部門メンバー</a:t>
-            </a:r>
-            <a:endParaRPr lang="en-US" altLang="ja-JP" sz="1700" dirty="0"/>
+              <a:t>登録元となる商品情報は基盤システム側で一元管理しており、</a:t>
+            </a:r>
+            <a:r>
+              <a:rPr lang="ja-JP" altLang="ja-JP" sz="1700" dirty="0"/>
+              <a:t>ECサイトは基盤システム側の商品</a:t>
+            </a:r>
+            <a:r>
+              <a:rPr lang="ja-JP" altLang="en-US" sz="1700" dirty="0"/>
+              <a:t>情報</a:t>
+            </a:r>
+            <a:r>
+              <a:rPr lang="ja-JP" altLang="ja-JP" sz="1700" dirty="0"/>
+              <a:t>を</a:t>
+            </a:r>
+            <a:r>
+              <a:rPr lang="ja-JP" altLang="en-US" sz="1700" dirty="0"/>
+              <a:t>直接</a:t>
+            </a:r>
+            <a:r>
+              <a:rPr lang="ja-JP" altLang="ja-JP" sz="1700" dirty="0"/>
+              <a:t>参照する</a:t>
+            </a:r>
           </a:p>
         </p:txBody>
       </p:sp>
@@ -6725,8 +9253,8 @@
         </p:nvSpPr>
         <p:spPr>
           <a:xfrm>
-            <a:off x="6557819" y="6300479"/>
-            <a:ext cx="5357089" cy="307777"/>
+            <a:off x="5255491" y="6300479"/>
+            <a:ext cx="6659417" cy="307777"/>
           </a:xfrm>
           <a:prstGeom prst="rect">
             <a:avLst/>
@@ -6744,7 +9272,23 @@
           <a:p>
             <a:r>
               <a:rPr kumimoji="1" lang="ja-JP" altLang="en-US" sz="1400" dirty="0"/>
-              <a:t>・基盤システムの商品情報登録画面から商品情報を登録する</a:t>
+              <a:t>・参照</a:t>
+            </a:r>
+            <a:r>
+              <a:rPr lang="ja-JP" altLang="en-US" sz="1400" dirty="0"/>
+              <a:t>元となる商品情報は、</a:t>
+            </a:r>
+            <a:r>
+              <a:rPr kumimoji="1" lang="ja-JP" altLang="en-US" sz="1400" dirty="0"/>
+              <a:t>基盤システム側の商品情報登録画面</a:t>
+            </a:r>
+            <a:r>
+              <a:rPr lang="ja-JP" altLang="en-US" sz="1400" dirty="0"/>
+              <a:t>で</a:t>
+            </a:r>
+            <a:r>
+              <a:rPr kumimoji="1" lang="ja-JP" altLang="en-US" sz="1400" dirty="0"/>
+              <a:t>登録している</a:t>
             </a:r>
             <a:endParaRPr kumimoji="1" lang="en-US" altLang="ja-JP" sz="1400" dirty="0"/>
           </a:p>
@@ -6758,7 +9302,7 @@
 </p:sld>
 </file>
 
-<file path=ppt/slides/slide3.xml><?xml version="1.0" encoding="utf-8"?>
+<file path=ppt/slides/slide4.xml><?xml version="1.0" encoding="utf-8"?>
 <p:sld xmlns:a="http://schemas.openxmlformats.org/drawingml/2006/main" xmlns:r="http://schemas.openxmlformats.org/officeDocument/2006/relationships" xmlns:p="http://schemas.openxmlformats.org/presentationml/2006/main">
   <p:cSld>
     <p:spTree>
@@ -6836,7 +9380,7 @@
         </p:nvSpPr>
         <p:spPr>
           <a:xfrm>
-            <a:off x="1752298" y="2413507"/>
+            <a:off x="403794" y="2413507"/>
             <a:ext cx="2332770" cy="597453"/>
           </a:xfrm>
           <a:prstGeom prst="rect">
@@ -7086,7 +9630,7 @@
         </p:blipFill>
         <p:spPr>
           <a:xfrm>
-            <a:off x="2384419" y="2910927"/>
+            <a:off x="1035915" y="2910927"/>
             <a:ext cx="914400" cy="914400"/>
           </a:xfrm>
           <a:prstGeom prst="rect">
@@ -7094,12 +9638,291 @@
           </a:prstGeom>
         </p:spPr>
       </p:pic>
-      <p:sp>
-        <p:nvSpPr>
-          <p:cNvPr id="10" name="テキスト ボックス 9">
-            <a:extLst>
-              <a:ext uri="{FF2B5EF4-FFF2-40B4-BE49-F238E27FC236}">
-                <a16:creationId xmlns:a16="http://schemas.microsoft.com/office/drawing/2014/main" id="{50301540-289B-476D-35C5-F27760E1FD9D}"/>
+      <p:pic>
+        <p:nvPicPr>
+          <p:cNvPr id="13" name="グラフィックス 12" descr="コンピューター 枠線">
+            <a:extLst>
+              <a:ext uri="{FF2B5EF4-FFF2-40B4-BE49-F238E27FC236}">
+                <a16:creationId xmlns:a16="http://schemas.microsoft.com/office/drawing/2014/main" id="{09B6DB29-F602-849B-7C69-16F5B8BD6D8F}"/>
+              </a:ext>
+            </a:extLst>
+          </p:cNvPr>
+          <p:cNvPicPr>
+            <a:picLocks noChangeAspect="1"/>
+          </p:cNvPicPr>
+          <p:nvPr/>
+        </p:nvPicPr>
+        <p:blipFill>
+          <a:blip r:embed="rId5">
+            <a:extLst>
+              <a:ext uri="{96DAC541-7B7A-43D3-8B79-37D633B846F1}">
+                <asvg:svgBlip xmlns:asvg="http://schemas.microsoft.com/office/drawing/2016/SVG/main" r:embed="rId6"/>
+              </a:ext>
+            </a:extLst>
+          </a:blip>
+          <a:stretch>
+            <a:fillRect/>
+          </a:stretch>
+        </p:blipFill>
+        <p:spPr>
+          <a:xfrm>
+            <a:off x="4973786" y="2289828"/>
+            <a:ext cx="2068944" cy="2068944"/>
+          </a:xfrm>
+          <a:prstGeom prst="rect">
+            <a:avLst/>
+          </a:prstGeom>
+        </p:spPr>
+      </p:pic>
+      <p:sp>
+        <p:nvSpPr>
+          <p:cNvPr id="14" name="Google Shape;61;p14">
+            <a:extLst>
+              <a:ext uri="{FF2B5EF4-FFF2-40B4-BE49-F238E27FC236}">
+                <a16:creationId xmlns:a16="http://schemas.microsoft.com/office/drawing/2014/main" id="{BCD6E6A4-9F09-834E-A6BC-CC004DE17012}"/>
+              </a:ext>
+            </a:extLst>
+          </p:cNvPr>
+          <p:cNvSpPr txBox="1">
+            <a:spLocks/>
+          </p:cNvSpPr>
+          <p:nvPr/>
+        </p:nvSpPr>
+        <p:spPr>
+          <a:xfrm>
+            <a:off x="5223295" y="2259363"/>
+            <a:ext cx="1431510" cy="501717"/>
+          </a:xfrm>
+          <a:prstGeom prst="rect">
+            <a:avLst/>
+          </a:prstGeom>
+        </p:spPr>
+        <p:txBody>
+          <a:bodyPr spcFirstLastPara="1" vert="horz" wrap="square" lIns="121900" tIns="121900" rIns="121900" bIns="121900" rtlCol="0" anchor="t" anchorCtr="0">
+            <a:normAutofit fontScale="92500"/>
+          </a:bodyPr>
+          <a:lstStyle>
+            <a:lvl1pPr marL="609585" lvl="0" indent="-457189" algn="l" defTabSz="914400" rtl="0" eaLnBrk="1" latinLnBrk="0" hangingPunct="1">
+              <a:lnSpc>
+                <a:spcPct val="90000"/>
+              </a:lnSpc>
+              <a:spcBef>
+                <a:spcPts val="0"/>
+              </a:spcBef>
+              <a:spcAft>
+                <a:spcPts val="0"/>
+              </a:spcAft>
+              <a:buSzPts val="1800"/>
+              <a:buFont typeface="Arial" panose="020B0604020202020204" pitchFamily="34" charset="0"/>
+              <a:buChar char="●"/>
+              <a:defRPr kumimoji="1" sz="2800" kern="1200">
+                <a:solidFill>
+                  <a:schemeClr val="tx1"/>
+                </a:solidFill>
+                <a:latin typeface="+mn-lt"/>
+                <a:ea typeface="+mn-ea"/>
+                <a:cs typeface="+mn-cs"/>
+              </a:defRPr>
+            </a:lvl1pPr>
+            <a:lvl2pPr marL="1219170" lvl="1" indent="-423323" algn="l" defTabSz="914400" rtl="0" eaLnBrk="1" latinLnBrk="0" hangingPunct="1">
+              <a:lnSpc>
+                <a:spcPct val="90000"/>
+              </a:lnSpc>
+              <a:spcBef>
+                <a:spcPts val="0"/>
+              </a:spcBef>
+              <a:spcAft>
+                <a:spcPts val="0"/>
+              </a:spcAft>
+              <a:buSzPts val="1400"/>
+              <a:buFont typeface="Arial" panose="020B0604020202020204" pitchFamily="34" charset="0"/>
+              <a:buChar char="○"/>
+              <a:defRPr kumimoji="1" sz="2400" kern="1200">
+                <a:solidFill>
+                  <a:schemeClr val="tx1"/>
+                </a:solidFill>
+                <a:latin typeface="+mn-lt"/>
+                <a:ea typeface="+mn-ea"/>
+                <a:cs typeface="+mn-cs"/>
+              </a:defRPr>
+            </a:lvl2pPr>
+            <a:lvl3pPr marL="1828754" lvl="2" indent="-423323" algn="l" defTabSz="914400" rtl="0" eaLnBrk="1" latinLnBrk="0" hangingPunct="1">
+              <a:lnSpc>
+                <a:spcPct val="90000"/>
+              </a:lnSpc>
+              <a:spcBef>
+                <a:spcPts val="0"/>
+              </a:spcBef>
+              <a:spcAft>
+                <a:spcPts val="0"/>
+              </a:spcAft>
+              <a:buSzPts val="1400"/>
+              <a:buFont typeface="Arial" panose="020B0604020202020204" pitchFamily="34" charset="0"/>
+              <a:buChar char="■"/>
+              <a:defRPr kumimoji="1" sz="2000" kern="1200">
+                <a:solidFill>
+                  <a:schemeClr val="tx1"/>
+                </a:solidFill>
+                <a:latin typeface="+mn-lt"/>
+                <a:ea typeface="+mn-ea"/>
+                <a:cs typeface="+mn-cs"/>
+              </a:defRPr>
+            </a:lvl3pPr>
+            <a:lvl4pPr marL="2438339" lvl="3" indent="-423323" algn="l" defTabSz="914400" rtl="0" eaLnBrk="1" latinLnBrk="0" hangingPunct="1">
+              <a:lnSpc>
+                <a:spcPct val="90000"/>
+              </a:lnSpc>
+              <a:spcBef>
+                <a:spcPts val="0"/>
+              </a:spcBef>
+              <a:spcAft>
+                <a:spcPts val="0"/>
+              </a:spcAft>
+              <a:buSzPts val="1400"/>
+              <a:buFont typeface="Arial" panose="020B0604020202020204" pitchFamily="34" charset="0"/>
+              <a:buChar char="●"/>
+              <a:defRPr kumimoji="1" sz="1800" kern="1200">
+                <a:solidFill>
+                  <a:schemeClr val="tx1"/>
+                </a:solidFill>
+                <a:latin typeface="+mn-lt"/>
+                <a:ea typeface="+mn-ea"/>
+                <a:cs typeface="+mn-cs"/>
+              </a:defRPr>
+            </a:lvl4pPr>
+            <a:lvl5pPr marL="3047924" lvl="4" indent="-423323" algn="l" defTabSz="914400" rtl="0" eaLnBrk="1" latinLnBrk="0" hangingPunct="1">
+              <a:lnSpc>
+                <a:spcPct val="90000"/>
+              </a:lnSpc>
+              <a:spcBef>
+                <a:spcPts val="0"/>
+              </a:spcBef>
+              <a:spcAft>
+                <a:spcPts val="0"/>
+              </a:spcAft>
+              <a:buSzPts val="1400"/>
+              <a:buFont typeface="Arial" panose="020B0604020202020204" pitchFamily="34" charset="0"/>
+              <a:buChar char="○"/>
+              <a:defRPr kumimoji="1" sz="1800" kern="1200">
+                <a:solidFill>
+                  <a:schemeClr val="tx1"/>
+                </a:solidFill>
+                <a:latin typeface="+mn-lt"/>
+                <a:ea typeface="+mn-ea"/>
+                <a:cs typeface="+mn-cs"/>
+              </a:defRPr>
+            </a:lvl5pPr>
+            <a:lvl6pPr marL="3657509" lvl="5" indent="-423323" algn="l" defTabSz="914400" rtl="0" eaLnBrk="1" latinLnBrk="0" hangingPunct="1">
+              <a:lnSpc>
+                <a:spcPct val="90000"/>
+              </a:lnSpc>
+              <a:spcBef>
+                <a:spcPts val="0"/>
+              </a:spcBef>
+              <a:spcAft>
+                <a:spcPts val="0"/>
+              </a:spcAft>
+              <a:buSzPts val="1400"/>
+              <a:buFont typeface="Arial" panose="020B0604020202020204" pitchFamily="34" charset="0"/>
+              <a:buChar char="■"/>
+              <a:defRPr kumimoji="1" sz="1800" kern="1200">
+                <a:solidFill>
+                  <a:schemeClr val="tx1"/>
+                </a:solidFill>
+                <a:latin typeface="+mn-lt"/>
+                <a:ea typeface="+mn-ea"/>
+                <a:cs typeface="+mn-cs"/>
+              </a:defRPr>
+            </a:lvl6pPr>
+            <a:lvl7pPr marL="4267093" lvl="6" indent="-423323" algn="l" defTabSz="914400" rtl="0" eaLnBrk="1" latinLnBrk="0" hangingPunct="1">
+              <a:lnSpc>
+                <a:spcPct val="90000"/>
+              </a:lnSpc>
+              <a:spcBef>
+                <a:spcPts val="0"/>
+              </a:spcBef>
+              <a:spcAft>
+                <a:spcPts val="0"/>
+              </a:spcAft>
+              <a:buSzPts val="1400"/>
+              <a:buFont typeface="Arial" panose="020B0604020202020204" pitchFamily="34" charset="0"/>
+              <a:buChar char="●"/>
+              <a:defRPr kumimoji="1" sz="1800" kern="1200">
+                <a:solidFill>
+                  <a:schemeClr val="tx1"/>
+                </a:solidFill>
+                <a:latin typeface="+mn-lt"/>
+                <a:ea typeface="+mn-ea"/>
+                <a:cs typeface="+mn-cs"/>
+              </a:defRPr>
+            </a:lvl7pPr>
+            <a:lvl8pPr marL="4876678" lvl="7" indent="-423323" algn="l" defTabSz="914400" rtl="0" eaLnBrk="1" latinLnBrk="0" hangingPunct="1">
+              <a:lnSpc>
+                <a:spcPct val="90000"/>
+              </a:lnSpc>
+              <a:spcBef>
+                <a:spcPts val="0"/>
+              </a:spcBef>
+              <a:spcAft>
+                <a:spcPts val="0"/>
+              </a:spcAft>
+              <a:buSzPts val="1400"/>
+              <a:buFont typeface="Arial" panose="020B0604020202020204" pitchFamily="34" charset="0"/>
+              <a:buChar char="○"/>
+              <a:defRPr kumimoji="1" sz="1800" kern="1200">
+                <a:solidFill>
+                  <a:schemeClr val="tx1"/>
+                </a:solidFill>
+                <a:latin typeface="+mn-lt"/>
+                <a:ea typeface="+mn-ea"/>
+                <a:cs typeface="+mn-cs"/>
+              </a:defRPr>
+            </a:lvl8pPr>
+            <a:lvl9pPr marL="5486263" lvl="8" indent="-423323" algn="l" defTabSz="914400" rtl="0" eaLnBrk="1" latinLnBrk="0" hangingPunct="1">
+              <a:lnSpc>
+                <a:spcPct val="90000"/>
+              </a:lnSpc>
+              <a:spcBef>
+                <a:spcPts val="0"/>
+              </a:spcBef>
+              <a:spcAft>
+                <a:spcPts val="0"/>
+              </a:spcAft>
+              <a:buSzPts val="1400"/>
+              <a:buFont typeface="Arial" panose="020B0604020202020204" pitchFamily="34" charset="0"/>
+              <a:buChar char="■"/>
+              <a:defRPr kumimoji="1" sz="1800" kern="1200">
+                <a:solidFill>
+                  <a:schemeClr val="tx1"/>
+                </a:solidFill>
+                <a:latin typeface="+mn-lt"/>
+                <a:ea typeface="+mn-ea"/>
+                <a:cs typeface="+mn-cs"/>
+              </a:defRPr>
+            </a:lvl9pPr>
+          </a:lstStyle>
+          <a:p>
+            <a:pPr marL="0" indent="0">
+              <a:buFont typeface="Arial" panose="020B0604020202020204" pitchFamily="34" charset="0"/>
+              <a:buNone/>
+            </a:pPr>
+            <a:r>
+              <a:rPr lang="en-US" altLang="ja-JP" sz="1867" dirty="0"/>
+              <a:t>EC</a:t>
+            </a:r>
+            <a:r>
+              <a:rPr lang="ja-JP" altLang="en-US" sz="1867" dirty="0"/>
+              <a:t>システム</a:t>
+            </a:r>
+          </a:p>
+        </p:txBody>
+      </p:sp>
+      <p:sp>
+        <p:nvSpPr>
+          <p:cNvPr id="19" name="テキスト ボックス 18">
+            <a:extLst>
+              <a:ext uri="{FF2B5EF4-FFF2-40B4-BE49-F238E27FC236}">
+                <a16:creationId xmlns:a16="http://schemas.microsoft.com/office/drawing/2014/main" id="{890E1AFF-9698-B261-476C-FF5EF6D2028C}"/>
               </a:ext>
             </a:extLst>
           </p:cNvPr>
@@ -7108,8 +9931,8 @@
         </p:nvSpPr>
         <p:spPr>
           <a:xfrm>
-            <a:off x="441878" y="4193922"/>
-            <a:ext cx="2476805" cy="353943"/>
+            <a:off x="203165" y="821506"/>
+            <a:ext cx="10994325" cy="1138773"/>
           </a:xfrm>
           <a:prstGeom prst="rect">
             <a:avLst/>
@@ -7126,353 +9949,54 @@
           <a:lstStyle/>
           <a:p>
             <a:r>
-              <a:rPr kumimoji="1" lang="ja-JP" altLang="en-US" sz="1700" dirty="0"/>
-              <a:t>・割引クーポン配布</a:t>
-            </a:r>
-          </a:p>
-        </p:txBody>
-      </p:sp>
-      <p:pic>
-        <p:nvPicPr>
-          <p:cNvPr id="13" name="グラフィックス 12" descr="コンピューター 枠線">
-            <a:extLst>
-              <a:ext uri="{FF2B5EF4-FFF2-40B4-BE49-F238E27FC236}">
-                <a16:creationId xmlns:a16="http://schemas.microsoft.com/office/drawing/2014/main" id="{09B6DB29-F602-849B-7C69-16F5B8BD6D8F}"/>
-              </a:ext>
-            </a:extLst>
-          </p:cNvPr>
-          <p:cNvPicPr>
-            <a:picLocks noChangeAspect="1"/>
-          </p:cNvPicPr>
+              <a:rPr lang="ja-JP" altLang="en-US" sz="1700" dirty="0"/>
+              <a:t>マーケティング部門メンバーが、</a:t>
+            </a:r>
+            <a:r>
+              <a:rPr lang="en-US" altLang="ja-JP" sz="1700" dirty="0"/>
+              <a:t>EC</a:t>
+            </a:r>
+            <a:r>
+              <a:rPr lang="ja-JP" altLang="en-US" sz="1700" dirty="0"/>
+              <a:t>サイトを介して特定のユーザーを対象に</a:t>
+            </a:r>
+            <a:endParaRPr lang="en-US" altLang="ja-JP" sz="1700" dirty="0"/>
+          </a:p>
+          <a:p>
+            <a:r>
+              <a:rPr lang="ja-JP" altLang="en-US" sz="1700" dirty="0"/>
+              <a:t>商品の割引クーポンを配布することができる機能</a:t>
+            </a:r>
+            <a:endParaRPr lang="en-US" altLang="ja-JP" sz="1700" dirty="0"/>
+          </a:p>
+          <a:p>
+            <a:r>
+              <a:rPr lang="ja-JP" altLang="en-US" sz="1700" dirty="0"/>
+              <a:t>クーポンを配布されたユーザーは、クーポンを利用して割引価格で商品を購入することができる</a:t>
+            </a:r>
+            <a:endParaRPr lang="en-US" altLang="ja-JP" sz="1700" dirty="0"/>
+          </a:p>
+          <a:p>
+            <a:endParaRPr lang="en-US" altLang="ja-JP" sz="1700" dirty="0"/>
+          </a:p>
+        </p:txBody>
+      </p:sp>
+      <p:sp>
+        <p:nvSpPr>
+          <p:cNvPr id="2" name="矢印: 右 1">
+            <a:extLst>
+              <a:ext uri="{FF2B5EF4-FFF2-40B4-BE49-F238E27FC236}">
+                <a16:creationId xmlns:a16="http://schemas.microsoft.com/office/drawing/2014/main" id="{81FDD88F-85EA-A29F-E2F9-0B2B4C6F3B1C}"/>
+              </a:ext>
+            </a:extLst>
+          </p:cNvPr>
+          <p:cNvSpPr/>
           <p:nvPr/>
-        </p:nvPicPr>
-        <p:blipFill>
-          <a:blip r:embed="rId5">
-            <a:extLst>
-              <a:ext uri="{96DAC541-7B7A-43D3-8B79-37D633B846F1}">
-                <asvg:svgBlip xmlns:asvg="http://schemas.microsoft.com/office/drawing/2016/SVG/main" r:embed="rId6"/>
-              </a:ext>
-            </a:extLst>
-          </a:blip>
-          <a:stretch>
-            <a:fillRect/>
-          </a:stretch>
-        </p:blipFill>
+        </p:nvSpPr>
         <p:spPr>
           <a:xfrm>
-            <a:off x="6451601" y="2234411"/>
-            <a:ext cx="2068944" cy="2068944"/>
-          </a:xfrm>
-          <a:prstGeom prst="rect">
-            <a:avLst/>
-          </a:prstGeom>
-        </p:spPr>
-      </p:pic>
-      <p:sp>
-        <p:nvSpPr>
-          <p:cNvPr id="14" name="Google Shape;61;p14">
-            <a:extLst>
-              <a:ext uri="{FF2B5EF4-FFF2-40B4-BE49-F238E27FC236}">
-                <a16:creationId xmlns:a16="http://schemas.microsoft.com/office/drawing/2014/main" id="{BCD6E6A4-9F09-834E-A6BC-CC004DE17012}"/>
-              </a:ext>
-            </a:extLst>
-          </p:cNvPr>
-          <p:cNvSpPr txBox="1">
-            <a:spLocks/>
-          </p:cNvSpPr>
-          <p:nvPr/>
-        </p:nvSpPr>
-        <p:spPr>
-          <a:xfrm>
-            <a:off x="6701110" y="2203946"/>
-            <a:ext cx="1431510" cy="501717"/>
-          </a:xfrm>
-          <a:prstGeom prst="rect">
-            <a:avLst/>
-          </a:prstGeom>
-        </p:spPr>
-        <p:txBody>
-          <a:bodyPr spcFirstLastPara="1" vert="horz" wrap="square" lIns="121900" tIns="121900" rIns="121900" bIns="121900" rtlCol="0" anchor="t" anchorCtr="0">
-            <a:normAutofit fontScale="92500"/>
-          </a:bodyPr>
-          <a:lstStyle>
-            <a:lvl1pPr marL="609585" lvl="0" indent="-457189" algn="l" defTabSz="914400" rtl="0" eaLnBrk="1" latinLnBrk="0" hangingPunct="1">
-              <a:lnSpc>
-                <a:spcPct val="90000"/>
-              </a:lnSpc>
-              <a:spcBef>
-                <a:spcPts val="0"/>
-              </a:spcBef>
-              <a:spcAft>
-                <a:spcPts val="0"/>
-              </a:spcAft>
-              <a:buSzPts val="1800"/>
-              <a:buFont typeface="Arial" panose="020B0604020202020204" pitchFamily="34" charset="0"/>
-              <a:buChar char="●"/>
-              <a:defRPr kumimoji="1" sz="2800" kern="1200">
-                <a:solidFill>
-                  <a:schemeClr val="tx1"/>
-                </a:solidFill>
-                <a:latin typeface="+mn-lt"/>
-                <a:ea typeface="+mn-ea"/>
-                <a:cs typeface="+mn-cs"/>
-              </a:defRPr>
-            </a:lvl1pPr>
-            <a:lvl2pPr marL="1219170" lvl="1" indent="-423323" algn="l" defTabSz="914400" rtl="0" eaLnBrk="1" latinLnBrk="0" hangingPunct="1">
-              <a:lnSpc>
-                <a:spcPct val="90000"/>
-              </a:lnSpc>
-              <a:spcBef>
-                <a:spcPts val="0"/>
-              </a:spcBef>
-              <a:spcAft>
-                <a:spcPts val="0"/>
-              </a:spcAft>
-              <a:buSzPts val="1400"/>
-              <a:buFont typeface="Arial" panose="020B0604020202020204" pitchFamily="34" charset="0"/>
-              <a:buChar char="○"/>
-              <a:defRPr kumimoji="1" sz="2400" kern="1200">
-                <a:solidFill>
-                  <a:schemeClr val="tx1"/>
-                </a:solidFill>
-                <a:latin typeface="+mn-lt"/>
-                <a:ea typeface="+mn-ea"/>
-                <a:cs typeface="+mn-cs"/>
-              </a:defRPr>
-            </a:lvl2pPr>
-            <a:lvl3pPr marL="1828754" lvl="2" indent="-423323" algn="l" defTabSz="914400" rtl="0" eaLnBrk="1" latinLnBrk="0" hangingPunct="1">
-              <a:lnSpc>
-                <a:spcPct val="90000"/>
-              </a:lnSpc>
-              <a:spcBef>
-                <a:spcPts val="0"/>
-              </a:spcBef>
-              <a:spcAft>
-                <a:spcPts val="0"/>
-              </a:spcAft>
-              <a:buSzPts val="1400"/>
-              <a:buFont typeface="Arial" panose="020B0604020202020204" pitchFamily="34" charset="0"/>
-              <a:buChar char="■"/>
-              <a:defRPr kumimoji="1" sz="2000" kern="1200">
-                <a:solidFill>
-                  <a:schemeClr val="tx1"/>
-                </a:solidFill>
-                <a:latin typeface="+mn-lt"/>
-                <a:ea typeface="+mn-ea"/>
-                <a:cs typeface="+mn-cs"/>
-              </a:defRPr>
-            </a:lvl3pPr>
-            <a:lvl4pPr marL="2438339" lvl="3" indent="-423323" algn="l" defTabSz="914400" rtl="0" eaLnBrk="1" latinLnBrk="0" hangingPunct="1">
-              <a:lnSpc>
-                <a:spcPct val="90000"/>
-              </a:lnSpc>
-              <a:spcBef>
-                <a:spcPts val="0"/>
-              </a:spcBef>
-              <a:spcAft>
-                <a:spcPts val="0"/>
-              </a:spcAft>
-              <a:buSzPts val="1400"/>
-              <a:buFont typeface="Arial" panose="020B0604020202020204" pitchFamily="34" charset="0"/>
-              <a:buChar char="●"/>
-              <a:defRPr kumimoji="1" sz="1800" kern="1200">
-                <a:solidFill>
-                  <a:schemeClr val="tx1"/>
-                </a:solidFill>
-                <a:latin typeface="+mn-lt"/>
-                <a:ea typeface="+mn-ea"/>
-                <a:cs typeface="+mn-cs"/>
-              </a:defRPr>
-            </a:lvl4pPr>
-            <a:lvl5pPr marL="3047924" lvl="4" indent="-423323" algn="l" defTabSz="914400" rtl="0" eaLnBrk="1" latinLnBrk="0" hangingPunct="1">
-              <a:lnSpc>
-                <a:spcPct val="90000"/>
-              </a:lnSpc>
-              <a:spcBef>
-                <a:spcPts val="0"/>
-              </a:spcBef>
-              <a:spcAft>
-                <a:spcPts val="0"/>
-              </a:spcAft>
-              <a:buSzPts val="1400"/>
-              <a:buFont typeface="Arial" panose="020B0604020202020204" pitchFamily="34" charset="0"/>
-              <a:buChar char="○"/>
-              <a:defRPr kumimoji="1" sz="1800" kern="1200">
-                <a:solidFill>
-                  <a:schemeClr val="tx1"/>
-                </a:solidFill>
-                <a:latin typeface="+mn-lt"/>
-                <a:ea typeface="+mn-ea"/>
-                <a:cs typeface="+mn-cs"/>
-              </a:defRPr>
-            </a:lvl5pPr>
-            <a:lvl6pPr marL="3657509" lvl="5" indent="-423323" algn="l" defTabSz="914400" rtl="0" eaLnBrk="1" latinLnBrk="0" hangingPunct="1">
-              <a:lnSpc>
-                <a:spcPct val="90000"/>
-              </a:lnSpc>
-              <a:spcBef>
-                <a:spcPts val="0"/>
-              </a:spcBef>
-              <a:spcAft>
-                <a:spcPts val="0"/>
-              </a:spcAft>
-              <a:buSzPts val="1400"/>
-              <a:buFont typeface="Arial" panose="020B0604020202020204" pitchFamily="34" charset="0"/>
-              <a:buChar char="■"/>
-              <a:defRPr kumimoji="1" sz="1800" kern="1200">
-                <a:solidFill>
-                  <a:schemeClr val="tx1"/>
-                </a:solidFill>
-                <a:latin typeface="+mn-lt"/>
-                <a:ea typeface="+mn-ea"/>
-                <a:cs typeface="+mn-cs"/>
-              </a:defRPr>
-            </a:lvl6pPr>
-            <a:lvl7pPr marL="4267093" lvl="6" indent="-423323" algn="l" defTabSz="914400" rtl="0" eaLnBrk="1" latinLnBrk="0" hangingPunct="1">
-              <a:lnSpc>
-                <a:spcPct val="90000"/>
-              </a:lnSpc>
-              <a:spcBef>
-                <a:spcPts val="0"/>
-              </a:spcBef>
-              <a:spcAft>
-                <a:spcPts val="0"/>
-              </a:spcAft>
-              <a:buSzPts val="1400"/>
-              <a:buFont typeface="Arial" panose="020B0604020202020204" pitchFamily="34" charset="0"/>
-              <a:buChar char="●"/>
-              <a:defRPr kumimoji="1" sz="1800" kern="1200">
-                <a:solidFill>
-                  <a:schemeClr val="tx1"/>
-                </a:solidFill>
-                <a:latin typeface="+mn-lt"/>
-                <a:ea typeface="+mn-ea"/>
-                <a:cs typeface="+mn-cs"/>
-              </a:defRPr>
-            </a:lvl7pPr>
-            <a:lvl8pPr marL="4876678" lvl="7" indent="-423323" algn="l" defTabSz="914400" rtl="0" eaLnBrk="1" latinLnBrk="0" hangingPunct="1">
-              <a:lnSpc>
-                <a:spcPct val="90000"/>
-              </a:lnSpc>
-              <a:spcBef>
-                <a:spcPts val="0"/>
-              </a:spcBef>
-              <a:spcAft>
-                <a:spcPts val="0"/>
-              </a:spcAft>
-              <a:buSzPts val="1400"/>
-              <a:buFont typeface="Arial" panose="020B0604020202020204" pitchFamily="34" charset="0"/>
-              <a:buChar char="○"/>
-              <a:defRPr kumimoji="1" sz="1800" kern="1200">
-                <a:solidFill>
-                  <a:schemeClr val="tx1"/>
-                </a:solidFill>
-                <a:latin typeface="+mn-lt"/>
-                <a:ea typeface="+mn-ea"/>
-                <a:cs typeface="+mn-cs"/>
-              </a:defRPr>
-            </a:lvl8pPr>
-            <a:lvl9pPr marL="5486263" lvl="8" indent="-423323" algn="l" defTabSz="914400" rtl="0" eaLnBrk="1" latinLnBrk="0" hangingPunct="1">
-              <a:lnSpc>
-                <a:spcPct val="90000"/>
-              </a:lnSpc>
-              <a:spcBef>
-                <a:spcPts val="0"/>
-              </a:spcBef>
-              <a:spcAft>
-                <a:spcPts val="0"/>
-              </a:spcAft>
-              <a:buSzPts val="1400"/>
-              <a:buFont typeface="Arial" panose="020B0604020202020204" pitchFamily="34" charset="0"/>
-              <a:buChar char="■"/>
-              <a:defRPr kumimoji="1" sz="1800" kern="1200">
-                <a:solidFill>
-                  <a:schemeClr val="tx1"/>
-                </a:solidFill>
-                <a:latin typeface="+mn-lt"/>
-                <a:ea typeface="+mn-ea"/>
-                <a:cs typeface="+mn-cs"/>
-              </a:defRPr>
-            </a:lvl9pPr>
-          </a:lstStyle>
-          <a:p>
-            <a:pPr marL="0" indent="0">
-              <a:buFont typeface="Arial" panose="020B0604020202020204" pitchFamily="34" charset="0"/>
-              <a:buNone/>
-            </a:pPr>
-            <a:r>
-              <a:rPr lang="en-US" altLang="ja-JP" sz="1867" dirty="0"/>
-              <a:t>EC</a:t>
-            </a:r>
-            <a:r>
-              <a:rPr lang="ja-JP" altLang="en-US" sz="1867" dirty="0"/>
-              <a:t>システム</a:t>
-            </a:r>
-          </a:p>
-        </p:txBody>
-      </p:sp>
-      <p:sp>
-        <p:nvSpPr>
-          <p:cNvPr id="19" name="テキスト ボックス 18">
-            <a:extLst>
-              <a:ext uri="{FF2B5EF4-FFF2-40B4-BE49-F238E27FC236}">
-                <a16:creationId xmlns:a16="http://schemas.microsoft.com/office/drawing/2014/main" id="{890E1AFF-9698-B261-476C-FF5EF6D2028C}"/>
-              </a:ext>
-            </a:extLst>
-          </p:cNvPr>
-          <p:cNvSpPr txBox="1"/>
-          <p:nvPr/>
-        </p:nvSpPr>
-        <p:spPr>
-          <a:xfrm>
-            <a:off x="203165" y="821506"/>
-            <a:ext cx="10994325" cy="615553"/>
-          </a:xfrm>
-          <a:prstGeom prst="rect">
-            <a:avLst/>
-          </a:prstGeom>
-          <a:noFill/>
-          <a:ln>
-            <a:noFill/>
-          </a:ln>
-        </p:spPr>
-        <p:txBody>
-          <a:bodyPr wrap="square" rtlCol="0">
-            <a:spAutoFit/>
-          </a:bodyPr>
-          <a:lstStyle/>
-          <a:p>
-            <a:r>
-              <a:rPr lang="ja-JP" altLang="en-US" sz="1700" dirty="0"/>
-              <a:t>特定ユーザーに向けた割引クーポンの配布ができること</a:t>
-            </a:r>
-            <a:endParaRPr lang="en-US" altLang="ja-JP" sz="1700" dirty="0"/>
-          </a:p>
-          <a:p>
-            <a:r>
-              <a:rPr lang="ja-JP" altLang="en-US" sz="1700" dirty="0"/>
-              <a:t>担当者：マーケティング部門メンバー</a:t>
-            </a:r>
-            <a:endParaRPr lang="en-US" altLang="ja-JP" sz="1700" dirty="0"/>
-          </a:p>
-        </p:txBody>
-      </p:sp>
-      <p:sp>
-        <p:nvSpPr>
-          <p:cNvPr id="2" name="矢印: 右 1">
-            <a:extLst>
-              <a:ext uri="{FF2B5EF4-FFF2-40B4-BE49-F238E27FC236}">
-                <a16:creationId xmlns:a16="http://schemas.microsoft.com/office/drawing/2014/main" id="{81FDD88F-85EA-A29F-E2F9-0B2B4C6F3B1C}"/>
-              </a:ext>
-            </a:extLst>
-          </p:cNvPr>
-          <p:cNvSpPr/>
-          <p:nvPr/>
-        </p:nvSpPr>
-        <p:spPr>
-          <a:xfrm rot="5400000">
-            <a:off x="2480561" y="4299323"/>
-            <a:ext cx="722116" cy="304800"/>
+            <a:off x="2845366" y="3182300"/>
+            <a:ext cx="1719226" cy="304800"/>
           </a:xfrm>
           <a:prstGeom prst="rightArrow">
             <a:avLst/>
@@ -7521,8 +10045,8 @@
         </p:nvSpPr>
         <p:spPr>
           <a:xfrm>
-            <a:off x="2481529" y="4997765"/>
-            <a:ext cx="794075" cy="501717"/>
+            <a:off x="9809220" y="2510221"/>
+            <a:ext cx="1862139" cy="501717"/>
           </a:xfrm>
           <a:prstGeom prst="rect">
             <a:avLst/>
@@ -7530,16 +10054,16 @@
         </p:spPr>
         <p:txBody>
           <a:bodyPr spcFirstLastPara="1" vert="horz" wrap="square" lIns="121900" tIns="121900" rIns="121900" bIns="121900" rtlCol="0" anchor="t" anchorCtr="0">
-            <a:normAutofit/>
+            <a:noAutofit/>
           </a:bodyPr>
           <a:lstStyle/>
           <a:p>
-            <a:pPr marL="0" indent="0">
+            <a:pPr marL="0" indent="0" algn="ctr">
               <a:buNone/>
             </a:pPr>
             <a:r>
               <a:rPr lang="ja-JP" altLang="en-US" sz="1700" dirty="0"/>
-              <a:t>顧客</a:t>
+              <a:t>クーポン利用者</a:t>
             </a:r>
             <a:endParaRPr sz="1700" dirty="0"/>
           </a:p>
@@ -7573,7 +10097,7 @@
         </p:blipFill>
         <p:spPr>
           <a:xfrm>
-            <a:off x="2384419" y="5346814"/>
+            <a:off x="10283090" y="2928510"/>
             <a:ext cx="914400" cy="914400"/>
           </a:xfrm>
           <a:prstGeom prst="rect">
@@ -7583,10 +10107,97 @@
       </p:pic>
       <p:sp>
         <p:nvSpPr>
-          <p:cNvPr id="7" name="矢印: 上向き折線 6">
-            <a:extLst>
-              <a:ext uri="{FF2B5EF4-FFF2-40B4-BE49-F238E27FC236}">
-                <a16:creationId xmlns:a16="http://schemas.microsoft.com/office/drawing/2014/main" id="{3760B8F0-EF78-6DD0-188B-6BE01913073D}"/>
+          <p:cNvPr id="8" name="テキスト ボックス 7">
+            <a:extLst>
+              <a:ext uri="{FF2B5EF4-FFF2-40B4-BE49-F238E27FC236}">
+                <a16:creationId xmlns:a16="http://schemas.microsoft.com/office/drawing/2014/main" id="{26599FA1-362A-E446-CF73-3175906C2DAB}"/>
+              </a:ext>
+            </a:extLst>
+          </p:cNvPr>
+          <p:cNvSpPr txBox="1"/>
+          <p:nvPr/>
+        </p:nvSpPr>
+        <p:spPr>
+          <a:xfrm>
+            <a:off x="7533551" y="4007426"/>
+            <a:ext cx="2476805" cy="353943"/>
+          </a:xfrm>
+          <a:prstGeom prst="rect">
+            <a:avLst/>
+          </a:prstGeom>
+          <a:noFill/>
+          <a:ln>
+            <a:noFill/>
+          </a:ln>
+        </p:spPr>
+        <p:txBody>
+          <a:bodyPr wrap="square" rtlCol="0">
+            <a:spAutoFit/>
+          </a:bodyPr>
+          <a:lstStyle/>
+          <a:p>
+            <a:r>
+              <a:rPr kumimoji="1" lang="ja-JP" altLang="en-US" sz="1700" dirty="0"/>
+              <a:t>・割引クーポン利用</a:t>
+            </a:r>
+          </a:p>
+        </p:txBody>
+      </p:sp>
+      <p:sp>
+        <p:nvSpPr>
+          <p:cNvPr id="9" name="テキスト ボックス 8">
+            <a:extLst>
+              <a:ext uri="{FF2B5EF4-FFF2-40B4-BE49-F238E27FC236}">
+                <a16:creationId xmlns:a16="http://schemas.microsoft.com/office/drawing/2014/main" id="{8752A7CD-C62C-D1BF-ABA3-D91373633361}"/>
+              </a:ext>
+            </a:extLst>
+          </p:cNvPr>
+          <p:cNvSpPr txBox="1"/>
+          <p:nvPr/>
+        </p:nvSpPr>
+        <p:spPr>
+          <a:xfrm>
+            <a:off x="7533552" y="2457537"/>
+            <a:ext cx="2476805" cy="877163"/>
+          </a:xfrm>
+          <a:prstGeom prst="rect">
+            <a:avLst/>
+          </a:prstGeom>
+          <a:noFill/>
+          <a:ln>
+            <a:noFill/>
+          </a:ln>
+        </p:spPr>
+        <p:txBody>
+          <a:bodyPr wrap="square" rtlCol="0">
+            <a:spAutoFit/>
+          </a:bodyPr>
+          <a:lstStyle/>
+          <a:p>
+            <a:r>
+              <a:rPr lang="ja-JP" altLang="en-US" sz="1700" dirty="0"/>
+              <a:t>・割引クーポン配布</a:t>
+            </a:r>
+            <a:endParaRPr kumimoji="1" lang="en-US" altLang="ja-JP" sz="1700" dirty="0"/>
+          </a:p>
+          <a:p>
+            <a:r>
+              <a:rPr kumimoji="1" lang="ja-JP" altLang="en-US" sz="1700" dirty="0"/>
+              <a:t>・割引価格反映</a:t>
+            </a:r>
+            <a:endParaRPr kumimoji="1" lang="en-US" altLang="ja-JP" sz="1700" dirty="0"/>
+          </a:p>
+          <a:p>
+            <a:endParaRPr kumimoji="1" lang="ja-JP" altLang="en-US" sz="1700" dirty="0"/>
+          </a:p>
+        </p:txBody>
+      </p:sp>
+      <p:sp>
+        <p:nvSpPr>
+          <p:cNvPr id="11" name="矢印: 右 10">
+            <a:extLst>
+              <a:ext uri="{FF2B5EF4-FFF2-40B4-BE49-F238E27FC236}">
+                <a16:creationId xmlns:a16="http://schemas.microsoft.com/office/drawing/2014/main" id="{20C2C2AA-E9DE-EEBD-A4B5-944F18CBA24F}"/>
               </a:ext>
             </a:extLst>
           </p:cNvPr>
@@ -7595,15 +10206,11 @@
         </p:nvSpPr>
         <p:spPr>
           <a:xfrm>
-            <a:off x="3683832" y="4303356"/>
-            <a:ext cx="3509749" cy="1430946"/>
+            <a:off x="7937781" y="3130263"/>
+            <a:ext cx="1185719" cy="304800"/>
           </a:xfrm>
-          <a:prstGeom prst="bentUpArrow">
-            <a:avLst>
-              <a:gd name="adj1" fmla="val 9124"/>
-              <a:gd name="adj2" fmla="val 9671"/>
-              <a:gd name="adj3" fmla="val 15146"/>
-            </a:avLst>
+          <a:prstGeom prst="rightArrow">
+            <a:avLst/>
           </a:prstGeom>
         </p:spPr>
         <p:style>
@@ -7633,10 +10240,56 @@
       </p:sp>
       <p:sp>
         <p:nvSpPr>
-          <p:cNvPr id="8" name="テキスト ボックス 7">
-            <a:extLst>
-              <a:ext uri="{FF2B5EF4-FFF2-40B4-BE49-F238E27FC236}">
-                <a16:creationId xmlns:a16="http://schemas.microsoft.com/office/drawing/2014/main" id="{26599FA1-362A-E446-CF73-3175906C2DAB}"/>
+          <p:cNvPr id="12" name="矢印: 右 11">
+            <a:extLst>
+              <a:ext uri="{FF2B5EF4-FFF2-40B4-BE49-F238E27FC236}">
+                <a16:creationId xmlns:a16="http://schemas.microsoft.com/office/drawing/2014/main" id="{3B93747C-6A2C-F869-29F5-4AC2F511783B}"/>
+              </a:ext>
+            </a:extLst>
+          </p:cNvPr>
+          <p:cNvSpPr/>
+          <p:nvPr/>
+        </p:nvSpPr>
+        <p:spPr>
+          <a:xfrm rot="10800000">
+            <a:off x="7891539" y="3515118"/>
+            <a:ext cx="1185719" cy="304800"/>
+          </a:xfrm>
+          <a:prstGeom prst="rightArrow">
+            <a:avLst/>
+          </a:prstGeom>
+        </p:spPr>
+        <p:style>
+          <a:lnRef idx="2">
+            <a:schemeClr val="accent1">
+              <a:shade val="15000"/>
+            </a:schemeClr>
+          </a:lnRef>
+          <a:fillRef idx="1">
+            <a:schemeClr val="accent1"/>
+          </a:fillRef>
+          <a:effectRef idx="0">
+            <a:schemeClr val="accent1"/>
+          </a:effectRef>
+          <a:fontRef idx="minor">
+            <a:schemeClr val="lt1"/>
+          </a:fontRef>
+        </p:style>
+        <p:txBody>
+          <a:bodyPr rtlCol="0" anchor="ctr"/>
+          <a:lstStyle/>
+          <a:p>
+            <a:pPr algn="ctr"/>
+            <a:endParaRPr kumimoji="1" lang="ja-JP" altLang="en-US"/>
+          </a:p>
+        </p:txBody>
+      </p:sp>
+      <p:sp>
+        <p:nvSpPr>
+          <p:cNvPr id="15" name="テキスト ボックス 14">
+            <a:extLst>
+              <a:ext uri="{FF2B5EF4-FFF2-40B4-BE49-F238E27FC236}">
+                <a16:creationId xmlns:a16="http://schemas.microsoft.com/office/drawing/2014/main" id="{BE2B4D0B-0068-83D1-F4E9-9AA706BB2CFD}"/>
               </a:ext>
             </a:extLst>
           </p:cNvPr>
@@ -7645,8 +10298,8 @@
         </p:nvSpPr>
         <p:spPr>
           <a:xfrm>
-            <a:off x="3549914" y="5859522"/>
-            <a:ext cx="2476805" cy="353943"/>
+            <a:off x="2487385" y="2490964"/>
+            <a:ext cx="2611155" cy="877163"/>
           </a:xfrm>
           <a:prstGeom prst="rect">
             <a:avLst/>
@@ -7663,47 +10316,20 @@
           <a:lstStyle/>
           <a:p>
             <a:r>
+              <a:rPr lang="ja-JP" altLang="en-US" sz="1700" dirty="0"/>
+              <a:t>・クーポン配布条件指定</a:t>
+            </a:r>
+            <a:endParaRPr lang="en-US" altLang="ja-JP" sz="1700" dirty="0"/>
+          </a:p>
+          <a:p>
+            <a:r>
               <a:rPr kumimoji="1" lang="ja-JP" altLang="en-US" sz="1700" dirty="0"/>
-              <a:t>・割引クーポン利用</a:t>
-            </a:r>
-          </a:p>
-        </p:txBody>
-      </p:sp>
-      <p:sp>
-        <p:nvSpPr>
-          <p:cNvPr id="9" name="テキスト ボックス 8">
-            <a:extLst>
-              <a:ext uri="{FF2B5EF4-FFF2-40B4-BE49-F238E27FC236}">
-                <a16:creationId xmlns:a16="http://schemas.microsoft.com/office/drawing/2014/main" id="{8752A7CD-C62C-D1BF-ABA3-D91373633361}"/>
-              </a:ext>
-            </a:extLst>
-          </p:cNvPr>
-          <p:cNvSpPr txBox="1"/>
-          <p:nvPr/>
-        </p:nvSpPr>
-        <p:spPr>
-          <a:xfrm>
-            <a:off x="8720685" y="2914940"/>
-            <a:ext cx="2476805" cy="353943"/>
-          </a:xfrm>
-          <a:prstGeom prst="rect">
-            <a:avLst/>
-          </a:prstGeom>
-          <a:noFill/>
-          <a:ln>
-            <a:noFill/>
-          </a:ln>
-        </p:spPr>
-        <p:txBody>
-          <a:bodyPr wrap="square" rtlCol="0">
-            <a:spAutoFit/>
-          </a:bodyPr>
-          <a:lstStyle/>
-          <a:p>
-            <a:r>
-              <a:rPr kumimoji="1" lang="ja-JP" altLang="en-US" sz="1700" dirty="0"/>
-              <a:t>・割引クーポン反映</a:t>
-            </a:r>
+              <a:t>・クーポン配布設定</a:t>
+            </a:r>
+            <a:endParaRPr kumimoji="1" lang="en-US" altLang="ja-JP" sz="1700" dirty="0"/>
+          </a:p>
+          <a:p>
+            <a:endParaRPr kumimoji="1" lang="ja-JP" altLang="en-US" sz="1700" dirty="0"/>
           </a:p>
         </p:txBody>
       </p:sp>
@@ -7720,7 +10346,7 @@
 </p:sld>
 </file>
 
-<file path=ppt/slides/slide4.xml><?xml version="1.0" encoding="utf-8"?>
+<file path=ppt/slides/slide5.xml><?xml version="1.0" encoding="utf-8"?>
 <p:sld xmlns:a="http://schemas.openxmlformats.org/drawingml/2006/main" xmlns:r="http://schemas.openxmlformats.org/officeDocument/2006/relationships" xmlns:p="http://schemas.openxmlformats.org/presentationml/2006/main">
   <p:cSld>
     <p:spTree>
@@ -7800,8 +10426,8 @@
         </p:nvSpPr>
         <p:spPr>
           <a:xfrm>
-            <a:off x="2592362" y="2439287"/>
-            <a:ext cx="794075" cy="501717"/>
+            <a:off x="9526069" y="3551043"/>
+            <a:ext cx="1868797" cy="501717"/>
           </a:xfrm>
           <a:prstGeom prst="rect">
             <a:avLst/>
@@ -7809,18 +10435,18 @@
         </p:spPr>
         <p:txBody>
           <a:bodyPr spcFirstLastPara="1" vert="horz" wrap="square" lIns="121900" tIns="121900" rIns="121900" bIns="121900" rtlCol="0" anchor="t" anchorCtr="0">
-            <a:normAutofit/>
+            <a:noAutofit/>
           </a:bodyPr>
           <a:lstStyle/>
           <a:p>
-            <a:pPr marL="0" indent="0">
+            <a:pPr marL="0" indent="0" algn="ctr">
               <a:buNone/>
             </a:pPr>
             <a:r>
               <a:rPr lang="ja-JP" altLang="en-US" sz="1700" dirty="0"/>
-              <a:t>顧客</a:t>
-            </a:r>
-            <a:endParaRPr sz="1700" dirty="0"/>
+              <a:t>会員登録者</a:t>
+            </a:r>
+            <a:endParaRPr lang="en-US" altLang="ja-JP" sz="1700" dirty="0"/>
           </a:p>
         </p:txBody>
       </p:sp>
@@ -7852,7 +10478,7 @@
         </p:blipFill>
         <p:spPr>
           <a:xfrm>
-            <a:off x="2494100" y="2781288"/>
+            <a:off x="10003268" y="4009722"/>
             <a:ext cx="914400" cy="914400"/>
           </a:xfrm>
           <a:prstGeom prst="rect">
@@ -7876,7 +10502,7 @@
         </p:nvSpPr>
         <p:spPr>
           <a:xfrm>
-            <a:off x="1830954" y="4986708"/>
+            <a:off x="399381" y="3508981"/>
             <a:ext cx="2454719" cy="585843"/>
           </a:xfrm>
           <a:prstGeom prst="rect">
@@ -8126,7 +10752,7 @@
         </p:blipFill>
         <p:spPr>
           <a:xfrm>
-            <a:off x="2532200" y="5460167"/>
+            <a:off x="1106127" y="3982636"/>
             <a:ext cx="914400" cy="914400"/>
           </a:xfrm>
           <a:prstGeom prst="rect">
@@ -8148,8 +10774,8 @@
         </p:nvSpPr>
         <p:spPr>
           <a:xfrm>
-            <a:off x="3745339" y="3442227"/>
-            <a:ext cx="2068944" cy="877163"/>
+            <a:off x="7934324" y="4610275"/>
+            <a:ext cx="2068944" cy="353943"/>
           </a:xfrm>
           <a:prstGeom prst="rect">
             <a:avLst/>
@@ -8171,19 +10797,6 @@
             </a:r>
             <a:endParaRPr kumimoji="1" lang="en-US" altLang="ja-JP" sz="1700" dirty="0"/>
           </a:p>
-          <a:p>
-            <a:r>
-              <a:rPr lang="ja-JP" altLang="en-US" sz="1700" dirty="0"/>
-              <a:t>・注文履歴閲覧</a:t>
-            </a:r>
-            <a:endParaRPr lang="en-US" altLang="ja-JP" sz="1700" dirty="0"/>
-          </a:p>
-          <a:p>
-            <a:r>
-              <a:rPr kumimoji="1" lang="ja-JP" altLang="en-US" sz="1700" dirty="0"/>
-              <a:t>・退会</a:t>
-            </a:r>
-          </a:p>
         </p:txBody>
       </p:sp>
       <p:sp>
@@ -8200,8 +10813,8 @@
         </p:nvSpPr>
         <p:spPr>
           <a:xfrm>
-            <a:off x="3629884" y="3123573"/>
-            <a:ext cx="2068945" cy="304800"/>
+            <a:off x="3191167" y="4150117"/>
+            <a:ext cx="1565526" cy="304800"/>
           </a:xfrm>
           <a:prstGeom prst="rightArrow">
             <a:avLst/>
@@ -8260,7 +10873,7 @@
         </p:blipFill>
         <p:spPr>
           <a:xfrm>
-            <a:off x="6451601" y="2234411"/>
+            <a:off x="5472551" y="3361246"/>
             <a:ext cx="2068944" cy="2068944"/>
           </a:xfrm>
           <a:prstGeom prst="rect">
@@ -8284,7 +10897,7 @@
         </p:nvSpPr>
         <p:spPr>
           <a:xfrm>
-            <a:off x="6701110" y="2203946"/>
+            <a:off x="5722060" y="3330781"/>
             <a:ext cx="1431510" cy="501717"/>
           </a:xfrm>
           <a:prstGeom prst="rect">
@@ -8513,10 +11126,10 @@
       </p:sp>
       <p:sp>
         <p:nvSpPr>
-          <p:cNvPr id="15" name="テキスト ボックス 14">
-            <a:extLst>
-              <a:ext uri="{FF2B5EF4-FFF2-40B4-BE49-F238E27FC236}">
-                <a16:creationId xmlns:a16="http://schemas.microsoft.com/office/drawing/2014/main" id="{B1CA1DE5-8243-CEC7-6273-0FF7D5012C07}"/>
+          <p:cNvPr id="18" name="テキスト ボックス 17">
+            <a:extLst>
+              <a:ext uri="{FF2B5EF4-FFF2-40B4-BE49-F238E27FC236}">
+                <a16:creationId xmlns:a16="http://schemas.microsoft.com/office/drawing/2014/main" id="{C2AEDE50-D2AF-385A-0B38-EC3135E798C2}"/>
               </a:ext>
             </a:extLst>
           </p:cNvPr>
@@ -8525,8 +11138,8 @@
         </p:nvSpPr>
         <p:spPr>
           <a:xfrm>
-            <a:off x="8738367" y="2234411"/>
-            <a:ext cx="2806314" cy="1923604"/>
+            <a:off x="3320548" y="3494127"/>
+            <a:ext cx="1799456" cy="615553"/>
           </a:xfrm>
           <a:prstGeom prst="rect">
             <a:avLst/>
@@ -8544,6 +11157,119 @@
           <a:p>
             <a:r>
               <a:rPr kumimoji="1" lang="ja-JP" altLang="en-US" sz="1700" dirty="0"/>
+              <a:t>・会員情報閲覧</a:t>
+            </a:r>
+            <a:endParaRPr kumimoji="1" lang="en-US" altLang="ja-JP" sz="1700" dirty="0"/>
+          </a:p>
+          <a:p>
+            <a:r>
+              <a:rPr kumimoji="1" lang="ja-JP" altLang="en-US" sz="1700" dirty="0"/>
+              <a:t>・注文履歴閲覧</a:t>
+            </a:r>
+          </a:p>
+        </p:txBody>
+      </p:sp>
+      <p:sp>
+        <p:nvSpPr>
+          <p:cNvPr id="19" name="テキスト ボックス 18">
+            <a:extLst>
+              <a:ext uri="{FF2B5EF4-FFF2-40B4-BE49-F238E27FC236}">
+                <a16:creationId xmlns:a16="http://schemas.microsoft.com/office/drawing/2014/main" id="{682EF19F-E071-C32C-F559-B1A2AD1E5EC7}"/>
+              </a:ext>
+            </a:extLst>
+          </p:cNvPr>
+          <p:cNvSpPr txBox="1"/>
+          <p:nvPr/>
+        </p:nvSpPr>
+        <p:spPr>
+          <a:xfrm>
+            <a:off x="203165" y="826345"/>
+            <a:ext cx="10994325" cy="1400383"/>
+          </a:xfrm>
+          <a:prstGeom prst="rect">
+            <a:avLst/>
+          </a:prstGeom>
+          <a:noFill/>
+          <a:ln>
+            <a:noFill/>
+          </a:ln>
+        </p:spPr>
+        <p:txBody>
+          <a:bodyPr wrap="square" rtlCol="0">
+            <a:spAutoFit/>
+          </a:bodyPr>
+          <a:lstStyle/>
+          <a:p>
+            <a:r>
+              <a:rPr lang="en-US" altLang="ja-JP" sz="1700" dirty="0"/>
+              <a:t>EC</a:t>
+            </a:r>
+            <a:r>
+              <a:rPr lang="ja-JP" altLang="en-US" sz="1700" dirty="0"/>
+              <a:t>サイトの利用ユーザーが登録した会員情報に対して、カスタマーサービス部メンバーが</a:t>
+            </a:r>
+            <a:endParaRPr lang="en-US" altLang="ja-JP" sz="1700" dirty="0"/>
+          </a:p>
+          <a:p>
+            <a:r>
+              <a:rPr lang="en-US" altLang="ja-JP" sz="1700" dirty="0"/>
+              <a:t>EC</a:t>
+            </a:r>
+            <a:r>
+              <a:rPr lang="ja-JP" altLang="en-US" sz="1700" dirty="0"/>
+              <a:t>会員情報や注文履歴を閲覧できる機能</a:t>
+            </a:r>
+            <a:endParaRPr kumimoji="1" lang="en-US" altLang="ja-JP" sz="1700" dirty="0"/>
+          </a:p>
+          <a:p>
+            <a:r>
+              <a:rPr lang="ja-JP" altLang="en-US" sz="1700" dirty="0"/>
+              <a:t>セキュリティの観点で、個人情報（住所、氏名、電話番号、メールアドレス）を閲覧することが可能</a:t>
+            </a:r>
+            <a:endParaRPr lang="en-US" altLang="ja-JP" sz="1700" dirty="0"/>
+          </a:p>
+          <a:p>
+            <a:r>
+              <a:rPr lang="ja-JP" altLang="en-US" sz="1700" dirty="0"/>
+              <a:t>ユーザー制限を設けて、個人情報の閲覧を制限する</a:t>
+            </a:r>
+            <a:endParaRPr lang="en-US" altLang="ja-JP" sz="1700" dirty="0"/>
+          </a:p>
+          <a:p>
+            <a:endParaRPr lang="en-US" altLang="ja-JP" sz="1700" dirty="0"/>
+          </a:p>
+        </p:txBody>
+      </p:sp>
+      <p:sp>
+        <p:nvSpPr>
+          <p:cNvPr id="5" name="テキスト ボックス 4">
+            <a:extLst>
+              <a:ext uri="{FF2B5EF4-FFF2-40B4-BE49-F238E27FC236}">
+                <a16:creationId xmlns:a16="http://schemas.microsoft.com/office/drawing/2014/main" id="{FB55958E-2155-1D49-3E7C-6CDD6E6ED8B8}"/>
+              </a:ext>
+            </a:extLst>
+          </p:cNvPr>
+          <p:cNvSpPr txBox="1"/>
+          <p:nvPr/>
+        </p:nvSpPr>
+        <p:spPr>
+          <a:xfrm>
+            <a:off x="3260436" y="4814776"/>
+            <a:ext cx="2835564" cy="1400383"/>
+          </a:xfrm>
+          <a:prstGeom prst="rect">
+            <a:avLst/>
+          </a:prstGeom>
+          <a:noFill/>
+        </p:spPr>
+        <p:txBody>
+          <a:bodyPr wrap="square">
+            <a:spAutoFit/>
+          </a:bodyPr>
+          <a:lstStyle/>
+          <a:p>
+            <a:r>
+              <a:rPr kumimoji="1" lang="ja-JP" altLang="en-US" sz="1700" dirty="0"/>
               <a:t>・会員情報表示</a:t>
             </a:r>
             <a:endParaRPr kumimoji="1" lang="en-US" altLang="ja-JP" sz="1700" dirty="0"/>
@@ -8576,28 +11302,14 @@
             </a:r>
             <a:endParaRPr kumimoji="1" lang="en-US" altLang="ja-JP" sz="1700" dirty="0"/>
           </a:p>
-          <a:p>
-            <a:r>
-              <a:rPr lang="ja-JP" altLang="en-US" sz="1700" dirty="0"/>
-              <a:t>・注文履歴表示</a:t>
-            </a:r>
-            <a:endParaRPr lang="en-US" altLang="ja-JP" sz="1700" dirty="0"/>
-          </a:p>
-          <a:p>
-            <a:r>
-              <a:rPr lang="ja-JP" altLang="en-US" sz="1700" dirty="0"/>
-              <a:t>・会員情報削除</a:t>
-            </a:r>
-            <a:endParaRPr lang="en-US" altLang="ja-JP" sz="1700" dirty="0"/>
-          </a:p>
-        </p:txBody>
-      </p:sp>
-      <p:sp>
-        <p:nvSpPr>
-          <p:cNvPr id="17" name="矢印: 上向き折線 16">
-            <a:extLst>
-              <a:ext uri="{FF2B5EF4-FFF2-40B4-BE49-F238E27FC236}">
-                <a16:creationId xmlns:a16="http://schemas.microsoft.com/office/drawing/2014/main" id="{223DBC63-4201-BDC5-0FB8-92706761601F}"/>
+        </p:txBody>
+      </p:sp>
+      <p:sp>
+        <p:nvSpPr>
+          <p:cNvPr id="7" name="矢印: 右 6">
+            <a:extLst>
+              <a:ext uri="{FF2B5EF4-FFF2-40B4-BE49-F238E27FC236}">
+                <a16:creationId xmlns:a16="http://schemas.microsoft.com/office/drawing/2014/main" id="{4F4E2D9D-5FC9-3B1E-DE42-6A60C2C5C107}"/>
               </a:ext>
             </a:extLst>
           </p:cNvPr>
@@ -8605,16 +11317,12 @@
           <p:nvPr/>
         </p:nvSpPr>
         <p:spPr>
-          <a:xfrm>
-            <a:off x="3694612" y="4303744"/>
-            <a:ext cx="3509749" cy="1687123"/>
+          <a:xfrm rot="10800000">
+            <a:off x="3174093" y="4482446"/>
+            <a:ext cx="1565526" cy="304800"/>
           </a:xfrm>
-          <a:prstGeom prst="bentUpArrow">
-            <a:avLst>
-              <a:gd name="adj1" fmla="val 9124"/>
-              <a:gd name="adj2" fmla="val 9671"/>
-              <a:gd name="adj3" fmla="val 15146"/>
-            </a:avLst>
+          <a:prstGeom prst="rightArrow">
+            <a:avLst/>
           </a:prstGeom>
         </p:spPr>
         <p:style>
@@ -8644,110 +11352,47 @@
       </p:sp>
       <p:sp>
         <p:nvSpPr>
-          <p:cNvPr id="18" name="テキスト ボックス 17">
-            <a:extLst>
-              <a:ext uri="{FF2B5EF4-FFF2-40B4-BE49-F238E27FC236}">
-                <a16:creationId xmlns:a16="http://schemas.microsoft.com/office/drawing/2014/main" id="{C2AEDE50-D2AF-385A-0B38-EC3135E798C2}"/>
-              </a:ext>
-            </a:extLst>
-          </p:cNvPr>
-          <p:cNvSpPr txBox="1"/>
+          <p:cNvPr id="9" name="矢印: 右 8">
+            <a:extLst>
+              <a:ext uri="{FF2B5EF4-FFF2-40B4-BE49-F238E27FC236}">
+                <a16:creationId xmlns:a16="http://schemas.microsoft.com/office/drawing/2014/main" id="{1D48089C-8A6A-0ACD-1031-C08E2F2F68AD}"/>
+              </a:ext>
+            </a:extLst>
+          </p:cNvPr>
+          <p:cNvSpPr/>
           <p:nvPr/>
         </p:nvSpPr>
         <p:spPr>
-          <a:xfrm>
-            <a:off x="3694611" y="6154924"/>
-            <a:ext cx="6446913" cy="615553"/>
+          <a:xfrm rot="10800000">
+            <a:off x="7989618" y="4243318"/>
+            <a:ext cx="1565526" cy="304800"/>
           </a:xfrm>
-          <a:prstGeom prst="rect">
+          <a:prstGeom prst="rightArrow">
             <a:avLst/>
           </a:prstGeom>
-          <a:noFill/>
-          <a:ln>
-            <a:noFill/>
-          </a:ln>
         </p:spPr>
-        <p:txBody>
-          <a:bodyPr wrap="square" rtlCol="0">
-            <a:spAutoFit/>
-          </a:bodyPr>
+        <p:style>
+          <a:lnRef idx="2">
+            <a:schemeClr val="accent1">
+              <a:shade val="15000"/>
+            </a:schemeClr>
+          </a:lnRef>
+          <a:fillRef idx="1">
+            <a:schemeClr val="accent1"/>
+          </a:fillRef>
+          <a:effectRef idx="0">
+            <a:schemeClr val="accent1"/>
+          </a:effectRef>
+          <a:fontRef idx="minor">
+            <a:schemeClr val="lt1"/>
+          </a:fontRef>
+        </p:style>
+        <p:txBody>
+          <a:bodyPr rtlCol="0" anchor="ctr"/>
           <a:lstStyle/>
           <a:p>
-            <a:r>
-              <a:rPr kumimoji="1" lang="ja-JP" altLang="en-US" sz="1700" dirty="0"/>
-              <a:t>・会員情報閲覧</a:t>
-            </a:r>
-            <a:endParaRPr kumimoji="1" lang="en-US" altLang="ja-JP" sz="1700" dirty="0"/>
-          </a:p>
-          <a:p>
-            <a:r>
-              <a:rPr kumimoji="1" lang="ja-JP" altLang="en-US" sz="1700" dirty="0"/>
-              <a:t>・注文履歴閲覧</a:t>
-            </a:r>
-          </a:p>
-        </p:txBody>
-      </p:sp>
-      <p:sp>
-        <p:nvSpPr>
-          <p:cNvPr id="19" name="テキスト ボックス 18">
-            <a:extLst>
-              <a:ext uri="{FF2B5EF4-FFF2-40B4-BE49-F238E27FC236}">
-                <a16:creationId xmlns:a16="http://schemas.microsoft.com/office/drawing/2014/main" id="{682EF19F-E071-C32C-F559-B1A2AD1E5EC7}"/>
-              </a:ext>
-            </a:extLst>
-          </p:cNvPr>
-          <p:cNvSpPr txBox="1"/>
-          <p:nvPr/>
-        </p:nvSpPr>
-        <p:spPr>
-          <a:xfrm>
-            <a:off x="203165" y="826345"/>
-            <a:ext cx="10994325" cy="1138773"/>
-          </a:xfrm>
-          <a:prstGeom prst="rect">
-            <a:avLst/>
-          </a:prstGeom>
-          <a:noFill/>
-          <a:ln>
-            <a:noFill/>
-          </a:ln>
-        </p:spPr>
-        <p:txBody>
-          <a:bodyPr wrap="square" rtlCol="0">
-            <a:spAutoFit/>
-          </a:bodyPr>
-          <a:lstStyle/>
-          <a:p>
-            <a:r>
-              <a:rPr lang="en-US" altLang="ja-JP" sz="1700" dirty="0"/>
-              <a:t>EC</a:t>
-            </a:r>
-            <a:r>
-              <a:rPr lang="ja-JP" altLang="en-US" sz="1700" dirty="0"/>
-              <a:t>会員情報、注文履歴の閲覧ができること</a:t>
-            </a:r>
-            <a:endParaRPr kumimoji="1" lang="en-US" altLang="ja-JP" sz="1700" dirty="0"/>
-          </a:p>
-          <a:p>
-            <a:r>
-              <a:rPr lang="ja-JP" altLang="en-US" sz="1700" dirty="0"/>
-              <a:t>セキュリティの観点で、個人情報（住所、氏名、電話番号、メールアドレス）の閲覧ができること</a:t>
-            </a:r>
-            <a:endParaRPr lang="en-US" altLang="ja-JP" sz="1700" dirty="0"/>
-          </a:p>
-          <a:p>
-            <a:r>
-              <a:rPr lang="ja-JP" altLang="en-US" sz="1700" dirty="0"/>
-              <a:t>ユーザー制限を設けて、個人情報の閲覧を制限すること</a:t>
-            </a:r>
-            <a:endParaRPr lang="en-US" altLang="ja-JP" sz="1700" dirty="0"/>
-          </a:p>
-          <a:p>
-            <a:r>
-              <a:rPr lang="ja-JP" altLang="en-US" sz="1700" dirty="0"/>
-              <a:t>担当者：カスタマーサービス部メンバー</a:t>
-            </a:r>
-            <a:endParaRPr lang="en-US" altLang="ja-JP" sz="1700" dirty="0"/>
+            <a:pPr algn="ctr"/>
+            <a:endParaRPr kumimoji="1" lang="ja-JP" altLang="en-US"/>
           </a:p>
         </p:txBody>
       </p:sp>
@@ -8764,7 +11409,7 @@
 </p:sld>
 </file>
 
-<file path=ppt/slides/slide5.xml><?xml version="1.0" encoding="utf-8"?>
+<file path=ppt/slides/slide6.xml><?xml version="1.0" encoding="utf-8"?>
 <p:sld xmlns:a="http://schemas.openxmlformats.org/drawingml/2006/main" xmlns:r="http://schemas.openxmlformats.org/officeDocument/2006/relationships" xmlns:p="http://schemas.openxmlformats.org/presentationml/2006/main">
   <p:cSld>
     <p:spTree>
@@ -8854,7 +11499,7 @@
         </p:blipFill>
         <p:spPr>
           <a:xfrm>
-            <a:off x="10104574" y="4154871"/>
+            <a:off x="9781301" y="5161635"/>
             <a:ext cx="914400" cy="914400"/>
           </a:xfrm>
           <a:prstGeom prst="rect">
@@ -8890,7 +11535,7 @@
         </p:blipFill>
         <p:spPr>
           <a:xfrm>
-            <a:off x="5398649" y="3425899"/>
+            <a:off x="5075376" y="4432663"/>
             <a:ext cx="2068944" cy="2068944"/>
           </a:xfrm>
           <a:prstGeom prst="rect">
@@ -8914,7 +11559,7 @@
         </p:nvSpPr>
         <p:spPr>
           <a:xfrm>
-            <a:off x="5648158" y="3395434"/>
+            <a:off x="5324885" y="4402198"/>
             <a:ext cx="1431510" cy="501717"/>
           </a:xfrm>
           <a:prstGeom prst="rect">
@@ -9156,7 +11801,7 @@
         <p:spPr>
           <a:xfrm>
             <a:off x="203165" y="843491"/>
-            <a:ext cx="10994325" cy="615553"/>
+            <a:ext cx="10994325" cy="877163"/>
           </a:xfrm>
           <a:prstGeom prst="rect">
             <a:avLst/>
@@ -9173,15 +11818,42 @@
           <a:lstStyle/>
           <a:p>
             <a:r>
+              <a:rPr lang="en-US" altLang="ja-JP" sz="1700" dirty="0"/>
+              <a:t>EC</a:t>
+            </a:r>
+            <a:r>
+              <a:rPr lang="ja-JP" altLang="en-US" sz="1700" dirty="0"/>
+              <a:t>サイトでユーザーが</a:t>
+            </a:r>
+            <a:r>
               <a:rPr lang="ja-JP" altLang="ja-JP" sz="1700" dirty="0"/>
-              <a:t>注文の確認・キャンセルができること</a:t>
+              <a:t>注文</a:t>
+            </a:r>
+            <a:r>
+              <a:rPr lang="ja-JP" altLang="en-US" sz="1700" dirty="0"/>
+              <a:t>した商品の受注情報を、カスタマーサービス部メンバーが確認できる機能</a:t>
             </a:r>
             <a:endParaRPr lang="en-US" altLang="ja-JP" sz="1700" dirty="0"/>
           </a:p>
           <a:p>
             <a:r>
               <a:rPr lang="ja-JP" altLang="en-US" sz="1700" dirty="0"/>
-              <a:t>担当者：カスタマーサービス部メンバー</a:t>
+              <a:t>また、出荷前の購入商品をユーザーがキャンセルした場合に</a:t>
+            </a:r>
+            <a:r>
+              <a:rPr lang="en-US" altLang="ja-JP" sz="1700" dirty="0"/>
+              <a:t>EC</a:t>
+            </a:r>
+            <a:r>
+              <a:rPr lang="ja-JP" altLang="en-US" sz="1700" dirty="0"/>
+              <a:t>システムがキャンセル情報を</a:t>
+            </a:r>
+            <a:endParaRPr lang="en-US" altLang="ja-JP" sz="1700" dirty="0"/>
+          </a:p>
+          <a:p>
+            <a:r>
+              <a:rPr lang="ja-JP" altLang="en-US" sz="1700" dirty="0"/>
+              <a:t>販売管理システムへ連携し、商品のキャンセルを実行する</a:t>
             </a:r>
             <a:endParaRPr lang="en-US" altLang="ja-JP" sz="1700" dirty="0"/>
           </a:p>
@@ -9205,8 +11877,8 @@
         </p:nvSpPr>
         <p:spPr>
           <a:xfrm>
-            <a:off x="2001246" y="3760080"/>
-            <a:ext cx="794075" cy="501717"/>
+            <a:off x="1447064" y="4614176"/>
+            <a:ext cx="1323845" cy="501717"/>
           </a:xfrm>
           <a:prstGeom prst="rect">
             <a:avLst/>
@@ -9214,7 +11886,7 @@
         </p:spPr>
         <p:txBody>
           <a:bodyPr spcFirstLastPara="1" vert="horz" wrap="square" lIns="121900" tIns="121900" rIns="121900" bIns="121900" rtlCol="0" anchor="t" anchorCtr="0">
-            <a:normAutofit/>
+            <a:noAutofit/>
           </a:bodyPr>
           <a:lstStyle/>
           <a:p>
@@ -9223,7 +11895,7 @@
             </a:pPr>
             <a:r>
               <a:rPr lang="ja-JP" altLang="en-US" sz="1700" dirty="0"/>
-              <a:t>顧客</a:t>
+              <a:t>商品注文ユーザー</a:t>
             </a:r>
             <a:endParaRPr sz="1700" dirty="0"/>
           </a:p>
@@ -9257,7 +11929,7 @@
         </p:blipFill>
         <p:spPr>
           <a:xfrm>
-            <a:off x="1904136" y="4109129"/>
+            <a:off x="1580863" y="5115893"/>
             <a:ext cx="914400" cy="914400"/>
           </a:xfrm>
           <a:prstGeom prst="rect">
@@ -9279,7 +11951,7 @@
         </p:nvSpPr>
         <p:spPr>
           <a:xfrm>
-            <a:off x="7595444" y="5069271"/>
+            <a:off x="7272171" y="6076035"/>
             <a:ext cx="2476805" cy="615553"/>
           </a:xfrm>
           <a:prstGeom prst="rect">
@@ -9325,7 +11997,7 @@
         </p:nvSpPr>
         <p:spPr>
           <a:xfrm>
-            <a:off x="6543507" y="2601973"/>
+            <a:off x="6220234" y="3608737"/>
             <a:ext cx="3311699" cy="615553"/>
           </a:xfrm>
           <a:prstGeom prst="rect">
@@ -9378,7 +12050,7 @@
         </p:nvSpPr>
         <p:spPr>
           <a:xfrm>
-            <a:off x="2956132" y="4617708"/>
+            <a:off x="2632859" y="5624472"/>
             <a:ext cx="2476805" cy="615553"/>
           </a:xfrm>
           <a:prstGeom prst="rect">
@@ -9438,7 +12110,7 @@
         </p:blipFill>
         <p:spPr>
           <a:xfrm>
-            <a:off x="5414925" y="744509"/>
+            <a:off x="5091652" y="1751273"/>
             <a:ext cx="1981948" cy="1981948"/>
           </a:xfrm>
           <a:prstGeom prst="rect">
@@ -9462,7 +12134,7 @@
         </p:nvSpPr>
         <p:spPr>
           <a:xfrm>
-            <a:off x="5428775" y="696674"/>
+            <a:off x="5105502" y="1703438"/>
             <a:ext cx="2280839" cy="631313"/>
           </a:xfrm>
           <a:prstGeom prst="rect">
@@ -9699,7 +12371,7 @@
         </p:nvSpPr>
         <p:spPr>
           <a:xfrm>
-            <a:off x="7467593" y="3820006"/>
+            <a:off x="7144320" y="4826770"/>
             <a:ext cx="2476805" cy="353943"/>
           </a:xfrm>
           <a:prstGeom prst="rect">
@@ -9738,7 +12410,7 @@
         </p:nvSpPr>
         <p:spPr>
           <a:xfrm>
-            <a:off x="7720927" y="4173949"/>
+            <a:off x="7397654" y="5180713"/>
             <a:ext cx="1554265" cy="321228"/>
           </a:xfrm>
           <a:prstGeom prst="rightArrow">
@@ -9784,7 +12456,7 @@
         </p:nvSpPr>
         <p:spPr>
           <a:xfrm>
-            <a:off x="3239247" y="4151968"/>
+            <a:off x="2915974" y="5158732"/>
             <a:ext cx="1554265" cy="321228"/>
           </a:xfrm>
           <a:prstGeom prst="rightArrow">
@@ -9830,7 +12502,7 @@
         </p:nvSpPr>
         <p:spPr>
           <a:xfrm rot="10800000">
-            <a:off x="7720926" y="4571540"/>
+            <a:off x="7397653" y="5578304"/>
             <a:ext cx="1554265" cy="321228"/>
           </a:xfrm>
           <a:prstGeom prst="rightArrow">
@@ -9876,7 +12548,7 @@
         </p:nvSpPr>
         <p:spPr>
           <a:xfrm>
-            <a:off x="5897418" y="2583294"/>
+            <a:off x="5574145" y="3590058"/>
             <a:ext cx="397164" cy="631313"/>
           </a:xfrm>
           <a:prstGeom prst="upDownArrow">
@@ -9924,7 +12596,7 @@
         </p:nvSpPr>
         <p:spPr>
           <a:xfrm>
-            <a:off x="9333086" y="3480777"/>
+            <a:off x="9009813" y="4487541"/>
             <a:ext cx="2454719" cy="585843"/>
           </a:xfrm>
           <a:prstGeom prst="rect">
@@ -10159,7 +12831,7 @@
 </p:sld>
 </file>
 
-<file path=ppt/slides/slide6.xml><?xml version="1.0" encoding="utf-8"?>
+<file path=ppt/slides/slide7.xml><?xml version="1.0" encoding="utf-8"?>
 <p:sld xmlns:a="http://schemas.openxmlformats.org/drawingml/2006/main" xmlns:r="http://schemas.openxmlformats.org/officeDocument/2006/relationships" xmlns:p="http://schemas.openxmlformats.org/presentationml/2006/main">
   <p:cSld>
     <p:spTree>
@@ -10249,7 +12921,7 @@
         </p:blipFill>
         <p:spPr>
           <a:xfrm>
-            <a:off x="2918435" y="4801103"/>
+            <a:off x="2918435" y="5013538"/>
             <a:ext cx="914400" cy="914400"/>
           </a:xfrm>
           <a:prstGeom prst="rect">
@@ -10285,7 +12957,7 @@
         </p:blipFill>
         <p:spPr>
           <a:xfrm>
-            <a:off x="7218215" y="4063213"/>
+            <a:off x="7218215" y="4275648"/>
             <a:ext cx="2068944" cy="2068944"/>
           </a:xfrm>
           <a:prstGeom prst="rect">
@@ -10309,7 +12981,7 @@
         </p:nvSpPr>
         <p:spPr>
           <a:xfrm>
-            <a:off x="7467724" y="4032748"/>
+            <a:off x="7467724" y="4245183"/>
             <a:ext cx="1431510" cy="501717"/>
           </a:xfrm>
           <a:prstGeom prst="rect">
@@ -10551,7 +13223,7 @@
         <p:spPr>
           <a:xfrm>
             <a:off x="203165" y="843491"/>
-            <a:ext cx="10994325" cy="877163"/>
+            <a:ext cx="10994325" cy="615553"/>
           </a:xfrm>
           <a:prstGeom prst="rect">
             <a:avLst/>
@@ -10569,21 +13241,18 @@
           <a:p>
             <a:r>
               <a:rPr lang="ja-JP" altLang="en-US" sz="1700" dirty="0"/>
-              <a:t>出荷データを連携する</a:t>
+              <a:t>カスタマーサービス部メンバーが顧客の受け取り状況を確認する機能</a:t>
             </a:r>
             <a:endParaRPr lang="en-US" altLang="ja-JP" sz="1700" dirty="0"/>
           </a:p>
           <a:p>
             <a:r>
+              <a:rPr lang="en-US" altLang="ja-JP" sz="1700" dirty="0"/>
+              <a:t>EC</a:t>
+            </a:r>
+            <a:r>
               <a:rPr lang="ja-JP" altLang="en-US" sz="1700" dirty="0"/>
-              <a:t>物流システムから、顧客の受け取り状況を取得する</a:t>
-            </a:r>
-            <a:endParaRPr lang="en-US" altLang="ja-JP" sz="1700" dirty="0"/>
-          </a:p>
-          <a:p>
-            <a:r>
-              <a:rPr lang="ja-JP" altLang="en-US" sz="1700" dirty="0"/>
-              <a:t>担当者：カスタマーサービス部メンバー</a:t>
+              <a:t>システムは物流システムと連携し、出荷データや受け取り状況のデータを取得する</a:t>
             </a:r>
             <a:endParaRPr lang="en-US" altLang="ja-JP" sz="1700" dirty="0"/>
           </a:p>
@@ -10603,7 +13272,7 @@
         </p:nvSpPr>
         <p:spPr>
           <a:xfrm>
-            <a:off x="4602994" y="4238041"/>
+            <a:off x="4602994" y="4450476"/>
             <a:ext cx="2476805" cy="615553"/>
           </a:xfrm>
           <a:prstGeom prst="rect">
@@ -10648,7 +13317,7 @@
         </p:nvSpPr>
         <p:spPr>
           <a:xfrm>
-            <a:off x="8440649" y="3379450"/>
+            <a:off x="8440649" y="3591885"/>
             <a:ext cx="2476805" cy="615553"/>
           </a:xfrm>
           <a:prstGeom prst="rect">
@@ -10715,7 +13384,7 @@
         </p:blipFill>
         <p:spPr>
           <a:xfrm>
-            <a:off x="7234491" y="1381823"/>
+            <a:off x="7234491" y="1594258"/>
             <a:ext cx="1981948" cy="1981948"/>
           </a:xfrm>
           <a:prstGeom prst="rect">
@@ -10739,7 +13408,7 @@
         </p:nvSpPr>
         <p:spPr>
           <a:xfrm>
-            <a:off x="7509709" y="1332282"/>
+            <a:off x="7509709" y="1544717"/>
             <a:ext cx="1706729" cy="631313"/>
           </a:xfrm>
           <a:prstGeom prst="rect">
@@ -10976,7 +13645,7 @@
         </p:nvSpPr>
         <p:spPr>
           <a:xfrm>
-            <a:off x="4874088" y="4937075"/>
+            <a:off x="4874088" y="5149510"/>
             <a:ext cx="1554265" cy="321228"/>
           </a:xfrm>
           <a:prstGeom prst="rightArrow">
@@ -11022,7 +13691,7 @@
         </p:nvSpPr>
         <p:spPr>
           <a:xfrm rot="10800000">
-            <a:off x="4838694" y="5258303"/>
+            <a:off x="4838694" y="5470738"/>
             <a:ext cx="1554265" cy="321228"/>
           </a:xfrm>
           <a:prstGeom prst="rightArrow">
@@ -11068,7 +13737,7 @@
         </p:nvSpPr>
         <p:spPr>
           <a:xfrm>
-            <a:off x="4645162" y="5746493"/>
+            <a:off x="4645162" y="5958928"/>
             <a:ext cx="2476805" cy="353943"/>
           </a:xfrm>
           <a:prstGeom prst="rect">
@@ -11106,7 +13775,7 @@
         </p:nvSpPr>
         <p:spPr>
           <a:xfrm>
-            <a:off x="7749309" y="3274655"/>
+            <a:off x="7749309" y="3487090"/>
             <a:ext cx="397164" cy="631313"/>
           </a:xfrm>
           <a:prstGeom prst="upDownArrow">
@@ -11154,7 +13823,7 @@
         </p:nvSpPr>
         <p:spPr>
           <a:xfrm>
-            <a:off x="2148275" y="4206342"/>
+            <a:off x="2148275" y="4418777"/>
             <a:ext cx="2454719" cy="585843"/>
           </a:xfrm>
           <a:prstGeom prst="rect">
@@ -11389,7 +14058,7 @@
 </p:sld>
 </file>
 
-<file path=ppt/slides/slide7.xml><?xml version="1.0" encoding="utf-8"?>
+<file path=ppt/slides/slide8.xml><?xml version="1.0" encoding="utf-8"?>
 <p:sld xmlns:a="http://schemas.openxmlformats.org/drawingml/2006/main" xmlns:r="http://schemas.openxmlformats.org/officeDocument/2006/relationships" xmlns:p="http://schemas.openxmlformats.org/presentationml/2006/main">
   <p:cSld>
     <p:spTree>
@@ -11479,7 +14148,7 @@
         </p:blipFill>
         <p:spPr>
           <a:xfrm>
-            <a:off x="2940900" y="4792185"/>
+            <a:off x="2940900" y="5540336"/>
             <a:ext cx="914400" cy="914400"/>
           </a:xfrm>
           <a:prstGeom prst="rect">
@@ -11515,7 +14184,7 @@
         </p:blipFill>
         <p:spPr>
           <a:xfrm>
-            <a:off x="7218215" y="4063213"/>
+            <a:off x="7218215" y="4811364"/>
             <a:ext cx="2068944" cy="2068944"/>
           </a:xfrm>
           <a:prstGeom prst="rect">
@@ -11539,7 +14208,7 @@
         </p:nvSpPr>
         <p:spPr>
           <a:xfrm>
-            <a:off x="7467724" y="4032748"/>
+            <a:off x="7467724" y="4780899"/>
             <a:ext cx="1431510" cy="501717"/>
           </a:xfrm>
           <a:prstGeom prst="rect">
@@ -11781,7 +14450,7 @@
         <p:spPr>
           <a:xfrm>
             <a:off x="203165" y="843491"/>
-            <a:ext cx="10994325" cy="615553"/>
+            <a:ext cx="10994325" cy="877163"/>
           </a:xfrm>
           <a:prstGeom prst="rect">
             <a:avLst/>
@@ -11799,7 +14468,7 @@
           <a:p>
             <a:r>
               <a:rPr lang="ja-JP" altLang="en-US" sz="1700" dirty="0"/>
-              <a:t>定期的に</a:t>
+              <a:t>カスタマーサービス部メンバーが定期的に</a:t>
             </a:r>
             <a:r>
               <a:rPr lang="en-US" altLang="ja-JP" sz="1700" dirty="0"/>
@@ -11807,14 +14476,41 @@
             </a:r>
             <a:r>
               <a:rPr lang="ja-JP" altLang="en-US" sz="1700" dirty="0"/>
-              <a:t>の在庫数を取得する</a:t>
+              <a:t>の在庫数を取得するための機能</a:t>
             </a:r>
             <a:endParaRPr lang="en-US" altLang="ja-JP" sz="1700" dirty="0"/>
           </a:p>
           <a:p>
             <a:r>
+              <a:rPr lang="en-US" altLang="ja-JP" sz="1700" dirty="0"/>
+              <a:t>EC</a:t>
+            </a:r>
+            <a:r>
               <a:rPr lang="ja-JP" altLang="en-US" sz="1700" dirty="0"/>
-              <a:t>担当者：カスタマーサービス部メンバー</a:t>
+              <a:t>システムは販売管理システムと連携し、在庫数のデータを取得する</a:t>
+            </a:r>
+            <a:endParaRPr lang="en-US" altLang="ja-JP" sz="1700" dirty="0"/>
+          </a:p>
+          <a:p>
+            <a:r>
+              <a:rPr lang="ja-JP" altLang="en-US" sz="1700" dirty="0"/>
+              <a:t>販売管理システムでは、商品の</a:t>
+            </a:r>
+            <a:r>
+              <a:rPr lang="en-US" altLang="ja-JP" sz="1700" dirty="0"/>
+              <a:t>EC</a:t>
+            </a:r>
+            <a:r>
+              <a:rPr lang="ja-JP" altLang="en-US" sz="1700" dirty="0"/>
+              <a:t>在庫情報を</a:t>
+            </a:r>
+            <a:r>
+              <a:rPr lang="en-US" altLang="ja-JP" sz="1700" dirty="0"/>
+              <a:t>CSV</a:t>
+            </a:r>
+            <a:r>
+              <a:rPr lang="ja-JP" altLang="en-US" sz="1700" dirty="0"/>
+              <a:t>ファイル形式で日次で所有するバッチを活用している</a:t>
             </a:r>
             <a:endParaRPr lang="en-US" altLang="ja-JP" sz="1700" dirty="0"/>
           </a:p>
@@ -11834,7 +14530,7 @@
         </p:nvSpPr>
         <p:spPr>
           <a:xfrm>
-            <a:off x="4645162" y="4583132"/>
+            <a:off x="4645162" y="5331283"/>
             <a:ext cx="2476805" cy="353943"/>
           </a:xfrm>
           <a:prstGeom prst="rect">
@@ -11880,7 +14576,7 @@
         </p:nvSpPr>
         <p:spPr>
           <a:xfrm>
-            <a:off x="8440648" y="3290415"/>
+            <a:off x="8440648" y="4038566"/>
             <a:ext cx="3123316" cy="615553"/>
           </a:xfrm>
           <a:prstGeom prst="rect">
@@ -11962,7 +14658,7 @@
         </p:blipFill>
         <p:spPr>
           <a:xfrm>
-            <a:off x="7234491" y="1381823"/>
+            <a:off x="7234491" y="2129974"/>
             <a:ext cx="1981948" cy="1981948"/>
           </a:xfrm>
           <a:prstGeom prst="rect">
@@ -11986,7 +14682,7 @@
         </p:nvSpPr>
         <p:spPr>
           <a:xfrm>
-            <a:off x="7341794" y="1325823"/>
+            <a:off x="7341794" y="2073974"/>
             <a:ext cx="2197709" cy="631313"/>
           </a:xfrm>
           <a:prstGeom prst="rect">
@@ -12223,7 +14919,7 @@
         </p:nvSpPr>
         <p:spPr>
           <a:xfrm>
-            <a:off x="4874088" y="4937075"/>
+            <a:off x="4874088" y="5685226"/>
             <a:ext cx="1554265" cy="321228"/>
           </a:xfrm>
           <a:prstGeom prst="rightArrow">
@@ -12269,7 +14965,7 @@
         </p:nvSpPr>
         <p:spPr>
           <a:xfrm rot="10800000">
-            <a:off x="4838694" y="5258303"/>
+            <a:off x="4838694" y="6006454"/>
             <a:ext cx="1554265" cy="321228"/>
           </a:xfrm>
           <a:prstGeom prst="rightArrow">
@@ -12315,7 +15011,7 @@
         </p:nvSpPr>
         <p:spPr>
           <a:xfrm>
-            <a:off x="4645162" y="5746493"/>
+            <a:off x="4645161" y="6335561"/>
             <a:ext cx="2476805" cy="353943"/>
           </a:xfrm>
           <a:prstGeom prst="rect">
@@ -12361,7 +15057,7 @@
         </p:nvSpPr>
         <p:spPr>
           <a:xfrm>
-            <a:off x="7749309" y="3274655"/>
+            <a:off x="7749309" y="4022806"/>
             <a:ext cx="397164" cy="631313"/>
           </a:xfrm>
           <a:prstGeom prst="upDownArrow">
@@ -12409,7 +15105,7 @@
         </p:nvSpPr>
         <p:spPr>
           <a:xfrm>
-            <a:off x="2148275" y="4206342"/>
+            <a:off x="2148275" y="4954493"/>
             <a:ext cx="2454719" cy="585843"/>
           </a:xfrm>
           <a:prstGeom prst="rect">
@@ -12644,7 +15340,7 @@
 </p:sld>
 </file>
 
-<file path=ppt/slides/slide8.xml><?xml version="1.0" encoding="utf-8"?>
+<file path=ppt/slides/slide9.xml><?xml version="1.0" encoding="utf-8"?>
 <p:sld xmlns:a="http://schemas.openxmlformats.org/drawingml/2006/main" xmlns:r="http://schemas.openxmlformats.org/officeDocument/2006/relationships" xmlns:p="http://schemas.openxmlformats.org/presentationml/2006/main">
   <p:cSld>
     <p:spTree>
@@ -13036,7 +15732,7 @@
         <p:spPr>
           <a:xfrm>
             <a:off x="203165" y="843491"/>
-            <a:ext cx="10994325" cy="1138773"/>
+            <a:ext cx="10994325" cy="877163"/>
           </a:xfrm>
           <a:prstGeom prst="rect">
             <a:avLst/>
@@ -13053,12 +15749,24 @@
           <a:lstStyle/>
           <a:p>
             <a:r>
+              <a:rPr lang="ja-JP" altLang="en-US" sz="1700" dirty="0"/>
+              <a:t>マーケティング部門メンバーが</a:t>
+            </a:r>
+            <a:r>
+              <a:rPr lang="en-US" altLang="ja-JP" sz="1700" dirty="0"/>
+              <a:t>EC</a:t>
+            </a:r>
+            <a:r>
+              <a:rPr lang="ja-JP" altLang="en-US" sz="1700" dirty="0"/>
+              <a:t>サイトの</a:t>
+            </a:r>
+            <a:r>
               <a:rPr lang="en-US" altLang="ja-JP" sz="1700" dirty="0"/>
               <a:t>TOP</a:t>
             </a:r>
             <a:r>
               <a:rPr lang="ja-JP" altLang="en-US" sz="1700" dirty="0"/>
-              <a:t>ページ→キャンペーンの導線を設置できる</a:t>
+              <a:t>ページからキャンペーンへ導線を設置したり、</a:t>
             </a:r>
             <a:endParaRPr lang="en-US" altLang="ja-JP" sz="1700" dirty="0"/>
           </a:p>
@@ -13069,21 +15777,14 @@
             </a:r>
             <a:r>
               <a:rPr lang="ja-JP" altLang="en-US" sz="1700" dirty="0"/>
-              <a:t>ページ→カテゴリの導線を設置できる</a:t>
+              <a:t>ページからカテゴリまでの導線を設置することができる機能</a:t>
             </a:r>
             <a:endParaRPr lang="en-US" altLang="ja-JP" sz="1700" dirty="0"/>
           </a:p>
           <a:p>
             <a:r>
               <a:rPr lang="ja-JP" altLang="en-US" sz="1700" dirty="0"/>
-              <a:t>お知らせ情報を登録・削除できる</a:t>
-            </a:r>
-            <a:endParaRPr lang="en-US" altLang="ja-JP" sz="1700" dirty="0"/>
-          </a:p>
-          <a:p>
-            <a:r>
-              <a:rPr lang="ja-JP" altLang="en-US" sz="1700" dirty="0"/>
-              <a:t>担当者：マーケティング部門メンバー</a:t>
+              <a:t>また、マーケティング部門メンバーはサイト内にお知らせ情報を登録したり、削除することができる</a:t>
             </a:r>
             <a:endParaRPr lang="en-US" altLang="ja-JP" sz="1700" dirty="0"/>
           </a:p>
@@ -13210,8 +15911,8 @@
         </p:nvSpPr>
         <p:spPr>
           <a:xfrm>
-            <a:off x="9667438" y="3030412"/>
-            <a:ext cx="794075" cy="501717"/>
+            <a:off x="9203876" y="2845648"/>
+            <a:ext cx="1582474" cy="501717"/>
           </a:xfrm>
           <a:prstGeom prst="rect">
             <a:avLst/>
@@ -13219,16 +15920,20 @@
         </p:spPr>
         <p:txBody>
           <a:bodyPr spcFirstLastPara="1" vert="horz" wrap="square" lIns="121900" tIns="121900" rIns="121900" bIns="121900" rtlCol="0" anchor="t" anchorCtr="0">
-            <a:normAutofit/>
+            <a:noAutofit/>
           </a:bodyPr>
           <a:lstStyle/>
           <a:p>
-            <a:pPr marL="0" indent="0">
+            <a:pPr marL="0" indent="0" algn="ctr">
               <a:buNone/>
             </a:pPr>
             <a:r>
+              <a:rPr lang="en-US" sz="1700" dirty="0"/>
+              <a:t>EC</a:t>
+            </a:r>
+            <a:r>
               <a:rPr lang="ja-JP" altLang="en-US" sz="1700" dirty="0"/>
-              <a:t>顧客</a:t>
+              <a:t>サイトユーザー</a:t>
             </a:r>
             <a:endParaRPr sz="1700" dirty="0"/>
           </a:p>
@@ -13623,1387 +16328,6 @@
     <p:extLst>
       <p:ext uri="{BB962C8B-B14F-4D97-AF65-F5344CB8AC3E}">
         <p14:creationId xmlns:p14="http://schemas.microsoft.com/office/powerpoint/2010/main" val="1638713214"/>
-      </p:ext>
-    </p:extLst>
-  </p:cSld>
-  <p:clrMapOvr>
-    <a:masterClrMapping/>
-  </p:clrMapOvr>
-</p:sld>
-</file>
-
-<file path=ppt/slides/slide9.xml><?xml version="1.0" encoding="utf-8"?>
-<p:sld xmlns:a="http://schemas.openxmlformats.org/drawingml/2006/main" xmlns:r="http://schemas.openxmlformats.org/officeDocument/2006/relationships" xmlns:p="http://schemas.openxmlformats.org/presentationml/2006/main">
-  <p:cSld>
-    <p:spTree>
-      <p:nvGrpSpPr>
-        <p:cNvPr id="1" name="Shape 59">
-          <a:extLst>
-            <a:ext uri="{FF2B5EF4-FFF2-40B4-BE49-F238E27FC236}">
-              <a16:creationId xmlns:a16="http://schemas.microsoft.com/office/drawing/2014/main" id="{2C3FAF10-1784-286C-E1AC-88C1BDB78C67}"/>
-            </a:ext>
-          </a:extLst>
-        </p:cNvPr>
-        <p:cNvGrpSpPr/>
-        <p:nvPr/>
-      </p:nvGrpSpPr>
-      <p:grpSpPr>
-        <a:xfrm>
-          <a:off x="0" y="0"/>
-          <a:ext cx="0" cy="0"/>
-          <a:chOff x="0" y="0"/>
-          <a:chExt cx="0" cy="0"/>
-        </a:xfrm>
-      </p:grpSpPr>
-      <p:sp>
-        <p:nvSpPr>
-          <p:cNvPr id="60" name="Google Shape;60;p14">
-            <a:extLst>
-              <a:ext uri="{FF2B5EF4-FFF2-40B4-BE49-F238E27FC236}">
-                <a16:creationId xmlns:a16="http://schemas.microsoft.com/office/drawing/2014/main" id="{84B50830-5482-3F07-D837-CADF7BD699B9}"/>
-              </a:ext>
-            </a:extLst>
-          </p:cNvPr>
-          <p:cNvSpPr txBox="1">
-            <a:spLocks noGrp="1"/>
-          </p:cNvSpPr>
-          <p:nvPr>
-            <p:ph type="title"/>
-          </p:nvPr>
-        </p:nvSpPr>
-        <p:spPr>
-          <a:xfrm>
-            <a:off x="203165" y="168496"/>
-            <a:ext cx="11360800" cy="763600"/>
-          </a:xfrm>
-          <a:prstGeom prst="rect">
-            <a:avLst/>
-          </a:prstGeom>
-        </p:spPr>
-        <p:txBody>
-          <a:bodyPr spcFirstLastPara="1" vert="horz" wrap="square" lIns="121900" tIns="121900" rIns="121900" bIns="121900" rtlCol="0" anchor="t" anchorCtr="0">
-            <a:normAutofit/>
-          </a:bodyPr>
-          <a:lstStyle/>
-          <a:p>
-            <a:r>
-              <a:rPr lang="ja-JP" altLang="en-US" sz="3200" dirty="0"/>
-              <a:t>コールセンター業務</a:t>
-            </a:r>
-            <a:endParaRPr sz="3200" dirty="0"/>
-          </a:p>
-        </p:txBody>
-      </p:sp>
-      <p:sp>
-        <p:nvSpPr>
-          <p:cNvPr id="4" name="Google Shape;61;p14">
-            <a:extLst>
-              <a:ext uri="{FF2B5EF4-FFF2-40B4-BE49-F238E27FC236}">
-                <a16:creationId xmlns:a16="http://schemas.microsoft.com/office/drawing/2014/main" id="{1BB132FA-E90E-6325-A999-28859C46D72D}"/>
-              </a:ext>
-            </a:extLst>
-          </p:cNvPr>
-          <p:cNvSpPr txBox="1">
-            <a:spLocks/>
-          </p:cNvSpPr>
-          <p:nvPr/>
-        </p:nvSpPr>
-        <p:spPr>
-          <a:xfrm>
-            <a:off x="780309" y="2934676"/>
-            <a:ext cx="1753470" cy="597453"/>
-          </a:xfrm>
-          <a:prstGeom prst="rect">
-            <a:avLst/>
-          </a:prstGeom>
-        </p:spPr>
-        <p:txBody>
-          <a:bodyPr spcFirstLastPara="1" vert="horz" wrap="square" lIns="121900" tIns="121900" rIns="121900" bIns="121900" rtlCol="0" anchor="t" anchorCtr="0">
-            <a:normAutofit/>
-          </a:bodyPr>
-          <a:lstStyle>
-            <a:lvl1pPr marL="609585" lvl="0" indent="-457189" algn="l" defTabSz="914400" rtl="0" eaLnBrk="1" latinLnBrk="0" hangingPunct="1">
-              <a:lnSpc>
-                <a:spcPct val="90000"/>
-              </a:lnSpc>
-              <a:spcBef>
-                <a:spcPts val="0"/>
-              </a:spcBef>
-              <a:spcAft>
-                <a:spcPts val="0"/>
-              </a:spcAft>
-              <a:buSzPts val="1800"/>
-              <a:buFont typeface="Arial" panose="020B0604020202020204" pitchFamily="34" charset="0"/>
-              <a:buChar char="●"/>
-              <a:defRPr kumimoji="1" sz="2800" kern="1200">
-                <a:solidFill>
-                  <a:schemeClr val="tx1"/>
-                </a:solidFill>
-                <a:latin typeface="+mn-lt"/>
-                <a:ea typeface="+mn-ea"/>
-                <a:cs typeface="+mn-cs"/>
-              </a:defRPr>
-            </a:lvl1pPr>
-            <a:lvl2pPr marL="1219170" lvl="1" indent="-423323" algn="l" defTabSz="914400" rtl="0" eaLnBrk="1" latinLnBrk="0" hangingPunct="1">
-              <a:lnSpc>
-                <a:spcPct val="90000"/>
-              </a:lnSpc>
-              <a:spcBef>
-                <a:spcPts val="0"/>
-              </a:spcBef>
-              <a:spcAft>
-                <a:spcPts val="0"/>
-              </a:spcAft>
-              <a:buSzPts val="1400"/>
-              <a:buFont typeface="Arial" panose="020B0604020202020204" pitchFamily="34" charset="0"/>
-              <a:buChar char="○"/>
-              <a:defRPr kumimoji="1" sz="2400" kern="1200">
-                <a:solidFill>
-                  <a:schemeClr val="tx1"/>
-                </a:solidFill>
-                <a:latin typeface="+mn-lt"/>
-                <a:ea typeface="+mn-ea"/>
-                <a:cs typeface="+mn-cs"/>
-              </a:defRPr>
-            </a:lvl2pPr>
-            <a:lvl3pPr marL="1828754" lvl="2" indent="-423323" algn="l" defTabSz="914400" rtl="0" eaLnBrk="1" latinLnBrk="0" hangingPunct="1">
-              <a:lnSpc>
-                <a:spcPct val="90000"/>
-              </a:lnSpc>
-              <a:spcBef>
-                <a:spcPts val="0"/>
-              </a:spcBef>
-              <a:spcAft>
-                <a:spcPts val="0"/>
-              </a:spcAft>
-              <a:buSzPts val="1400"/>
-              <a:buFont typeface="Arial" panose="020B0604020202020204" pitchFamily="34" charset="0"/>
-              <a:buChar char="■"/>
-              <a:defRPr kumimoji="1" sz="2000" kern="1200">
-                <a:solidFill>
-                  <a:schemeClr val="tx1"/>
-                </a:solidFill>
-                <a:latin typeface="+mn-lt"/>
-                <a:ea typeface="+mn-ea"/>
-                <a:cs typeface="+mn-cs"/>
-              </a:defRPr>
-            </a:lvl3pPr>
-            <a:lvl4pPr marL="2438339" lvl="3" indent="-423323" algn="l" defTabSz="914400" rtl="0" eaLnBrk="1" latinLnBrk="0" hangingPunct="1">
-              <a:lnSpc>
-                <a:spcPct val="90000"/>
-              </a:lnSpc>
-              <a:spcBef>
-                <a:spcPts val="0"/>
-              </a:spcBef>
-              <a:spcAft>
-                <a:spcPts val="0"/>
-              </a:spcAft>
-              <a:buSzPts val="1400"/>
-              <a:buFont typeface="Arial" panose="020B0604020202020204" pitchFamily="34" charset="0"/>
-              <a:buChar char="●"/>
-              <a:defRPr kumimoji="1" sz="1800" kern="1200">
-                <a:solidFill>
-                  <a:schemeClr val="tx1"/>
-                </a:solidFill>
-                <a:latin typeface="+mn-lt"/>
-                <a:ea typeface="+mn-ea"/>
-                <a:cs typeface="+mn-cs"/>
-              </a:defRPr>
-            </a:lvl4pPr>
-            <a:lvl5pPr marL="3047924" lvl="4" indent="-423323" algn="l" defTabSz="914400" rtl="0" eaLnBrk="1" latinLnBrk="0" hangingPunct="1">
-              <a:lnSpc>
-                <a:spcPct val="90000"/>
-              </a:lnSpc>
-              <a:spcBef>
-                <a:spcPts val="0"/>
-              </a:spcBef>
-              <a:spcAft>
-                <a:spcPts val="0"/>
-              </a:spcAft>
-              <a:buSzPts val="1400"/>
-              <a:buFont typeface="Arial" panose="020B0604020202020204" pitchFamily="34" charset="0"/>
-              <a:buChar char="○"/>
-              <a:defRPr kumimoji="1" sz="1800" kern="1200">
-                <a:solidFill>
-                  <a:schemeClr val="tx1"/>
-                </a:solidFill>
-                <a:latin typeface="+mn-lt"/>
-                <a:ea typeface="+mn-ea"/>
-                <a:cs typeface="+mn-cs"/>
-              </a:defRPr>
-            </a:lvl5pPr>
-            <a:lvl6pPr marL="3657509" lvl="5" indent="-423323" algn="l" defTabSz="914400" rtl="0" eaLnBrk="1" latinLnBrk="0" hangingPunct="1">
-              <a:lnSpc>
-                <a:spcPct val="90000"/>
-              </a:lnSpc>
-              <a:spcBef>
-                <a:spcPts val="0"/>
-              </a:spcBef>
-              <a:spcAft>
-                <a:spcPts val="0"/>
-              </a:spcAft>
-              <a:buSzPts val="1400"/>
-              <a:buFont typeface="Arial" panose="020B0604020202020204" pitchFamily="34" charset="0"/>
-              <a:buChar char="■"/>
-              <a:defRPr kumimoji="1" sz="1800" kern="1200">
-                <a:solidFill>
-                  <a:schemeClr val="tx1"/>
-                </a:solidFill>
-                <a:latin typeface="+mn-lt"/>
-                <a:ea typeface="+mn-ea"/>
-                <a:cs typeface="+mn-cs"/>
-              </a:defRPr>
-            </a:lvl6pPr>
-            <a:lvl7pPr marL="4267093" lvl="6" indent="-423323" algn="l" defTabSz="914400" rtl="0" eaLnBrk="1" latinLnBrk="0" hangingPunct="1">
-              <a:lnSpc>
-                <a:spcPct val="90000"/>
-              </a:lnSpc>
-              <a:spcBef>
-                <a:spcPts val="0"/>
-              </a:spcBef>
-              <a:spcAft>
-                <a:spcPts val="0"/>
-              </a:spcAft>
-              <a:buSzPts val="1400"/>
-              <a:buFont typeface="Arial" panose="020B0604020202020204" pitchFamily="34" charset="0"/>
-              <a:buChar char="●"/>
-              <a:defRPr kumimoji="1" sz="1800" kern="1200">
-                <a:solidFill>
-                  <a:schemeClr val="tx1"/>
-                </a:solidFill>
-                <a:latin typeface="+mn-lt"/>
-                <a:ea typeface="+mn-ea"/>
-                <a:cs typeface="+mn-cs"/>
-              </a:defRPr>
-            </a:lvl7pPr>
-            <a:lvl8pPr marL="4876678" lvl="7" indent="-423323" algn="l" defTabSz="914400" rtl="0" eaLnBrk="1" latinLnBrk="0" hangingPunct="1">
-              <a:lnSpc>
-                <a:spcPct val="90000"/>
-              </a:lnSpc>
-              <a:spcBef>
-                <a:spcPts val="0"/>
-              </a:spcBef>
-              <a:spcAft>
-                <a:spcPts val="0"/>
-              </a:spcAft>
-              <a:buSzPts val="1400"/>
-              <a:buFont typeface="Arial" panose="020B0604020202020204" pitchFamily="34" charset="0"/>
-              <a:buChar char="○"/>
-              <a:defRPr kumimoji="1" sz="1800" kern="1200">
-                <a:solidFill>
-                  <a:schemeClr val="tx1"/>
-                </a:solidFill>
-                <a:latin typeface="+mn-lt"/>
-                <a:ea typeface="+mn-ea"/>
-                <a:cs typeface="+mn-cs"/>
-              </a:defRPr>
-            </a:lvl8pPr>
-            <a:lvl9pPr marL="5486263" lvl="8" indent="-423323" algn="l" defTabSz="914400" rtl="0" eaLnBrk="1" latinLnBrk="0" hangingPunct="1">
-              <a:lnSpc>
-                <a:spcPct val="90000"/>
-              </a:lnSpc>
-              <a:spcBef>
-                <a:spcPts val="0"/>
-              </a:spcBef>
-              <a:spcAft>
-                <a:spcPts val="0"/>
-              </a:spcAft>
-              <a:buSzPts val="1400"/>
-              <a:buFont typeface="Arial" panose="020B0604020202020204" pitchFamily="34" charset="0"/>
-              <a:buChar char="■"/>
-              <a:defRPr kumimoji="1" sz="1800" kern="1200">
-                <a:solidFill>
-                  <a:schemeClr val="tx1"/>
-                </a:solidFill>
-                <a:latin typeface="+mn-lt"/>
-                <a:ea typeface="+mn-ea"/>
-                <a:cs typeface="+mn-cs"/>
-              </a:defRPr>
-            </a:lvl9pPr>
-          </a:lstStyle>
-          <a:p>
-            <a:pPr marL="0" indent="0">
-              <a:buNone/>
-            </a:pPr>
-            <a:endParaRPr lang="ja-JP" altLang="en-US" sz="1700" dirty="0"/>
-          </a:p>
-        </p:txBody>
-      </p:sp>
-      <p:pic>
-        <p:nvPicPr>
-          <p:cNvPr id="6" name="グラフィックス 5" descr="オフィス ワーカー (男性) 単色塗りつぶし">
-            <a:extLst>
-              <a:ext uri="{FF2B5EF4-FFF2-40B4-BE49-F238E27FC236}">
-                <a16:creationId xmlns:a16="http://schemas.microsoft.com/office/drawing/2014/main" id="{C84C464D-2EB2-3EB3-9A22-3189BCAA7CE3}"/>
-              </a:ext>
-            </a:extLst>
-          </p:cNvPr>
-          <p:cNvPicPr>
-            <a:picLocks noChangeAspect="1"/>
-          </p:cNvPicPr>
-          <p:nvPr/>
-        </p:nvPicPr>
-        <p:blipFill>
-          <a:blip r:embed="rId3">
-            <a:extLst>
-              <a:ext uri="{96DAC541-7B7A-43D3-8B79-37D633B846F1}">
-                <asvg:svgBlip xmlns:asvg="http://schemas.microsoft.com/office/drawing/2016/SVG/main" r:embed="rId4"/>
-              </a:ext>
-            </a:extLst>
-          </a:blip>
-          <a:stretch>
-            <a:fillRect/>
-          </a:stretch>
-        </p:blipFill>
-        <p:spPr>
-          <a:xfrm>
-            <a:off x="942088" y="3425203"/>
-            <a:ext cx="914400" cy="914400"/>
-          </a:xfrm>
-          <a:prstGeom prst="rect">
-            <a:avLst/>
-          </a:prstGeom>
-        </p:spPr>
-      </p:pic>
-      <p:pic>
-        <p:nvPicPr>
-          <p:cNvPr id="13" name="グラフィックス 12" descr="コンピューター 枠線">
-            <a:extLst>
-              <a:ext uri="{FF2B5EF4-FFF2-40B4-BE49-F238E27FC236}">
-                <a16:creationId xmlns:a16="http://schemas.microsoft.com/office/drawing/2014/main" id="{C4701266-7E36-E3F0-2028-71AF05A81E44}"/>
-              </a:ext>
-            </a:extLst>
-          </p:cNvPr>
-          <p:cNvPicPr>
-            <a:picLocks noChangeAspect="1"/>
-          </p:cNvPicPr>
-          <p:nvPr/>
-        </p:nvPicPr>
-        <p:blipFill>
-          <a:blip r:embed="rId5">
-            <a:extLst>
-              <a:ext uri="{96DAC541-7B7A-43D3-8B79-37D633B846F1}">
-                <asvg:svgBlip xmlns:asvg="http://schemas.microsoft.com/office/drawing/2016/SVG/main" r:embed="rId6"/>
-              </a:ext>
-            </a:extLst>
-          </a:blip>
-          <a:stretch>
-            <a:fillRect/>
-          </a:stretch>
-        </p:blipFill>
-        <p:spPr>
-          <a:xfrm>
-            <a:off x="4964539" y="2696231"/>
-            <a:ext cx="2068944" cy="2068944"/>
-          </a:xfrm>
-          <a:prstGeom prst="rect">
-            <a:avLst/>
-          </a:prstGeom>
-        </p:spPr>
-      </p:pic>
-      <p:sp>
-        <p:nvSpPr>
-          <p:cNvPr id="14" name="Google Shape;61;p14">
-            <a:extLst>
-              <a:ext uri="{FF2B5EF4-FFF2-40B4-BE49-F238E27FC236}">
-                <a16:creationId xmlns:a16="http://schemas.microsoft.com/office/drawing/2014/main" id="{8D65FE56-78A3-3F60-051B-1C96D434FAD7}"/>
-              </a:ext>
-            </a:extLst>
-          </p:cNvPr>
-          <p:cNvSpPr txBox="1">
-            <a:spLocks/>
-          </p:cNvSpPr>
-          <p:nvPr/>
-        </p:nvSpPr>
-        <p:spPr>
-          <a:xfrm>
-            <a:off x="5214048" y="2665766"/>
-            <a:ext cx="1431510" cy="501717"/>
-          </a:xfrm>
-          <a:prstGeom prst="rect">
-            <a:avLst/>
-          </a:prstGeom>
-        </p:spPr>
-        <p:txBody>
-          <a:bodyPr spcFirstLastPara="1" vert="horz" wrap="square" lIns="121900" tIns="121900" rIns="121900" bIns="121900" rtlCol="0" anchor="t" anchorCtr="0">
-            <a:normAutofit fontScale="92500"/>
-          </a:bodyPr>
-          <a:lstStyle>
-            <a:lvl1pPr marL="609585" lvl="0" indent="-457189" algn="l" defTabSz="914400" rtl="0" eaLnBrk="1" latinLnBrk="0" hangingPunct="1">
-              <a:lnSpc>
-                <a:spcPct val="90000"/>
-              </a:lnSpc>
-              <a:spcBef>
-                <a:spcPts val="0"/>
-              </a:spcBef>
-              <a:spcAft>
-                <a:spcPts val="0"/>
-              </a:spcAft>
-              <a:buSzPts val="1800"/>
-              <a:buFont typeface="Arial" panose="020B0604020202020204" pitchFamily="34" charset="0"/>
-              <a:buChar char="●"/>
-              <a:defRPr kumimoji="1" sz="2800" kern="1200">
-                <a:solidFill>
-                  <a:schemeClr val="tx1"/>
-                </a:solidFill>
-                <a:latin typeface="+mn-lt"/>
-                <a:ea typeface="+mn-ea"/>
-                <a:cs typeface="+mn-cs"/>
-              </a:defRPr>
-            </a:lvl1pPr>
-            <a:lvl2pPr marL="1219170" lvl="1" indent="-423323" algn="l" defTabSz="914400" rtl="0" eaLnBrk="1" latinLnBrk="0" hangingPunct="1">
-              <a:lnSpc>
-                <a:spcPct val="90000"/>
-              </a:lnSpc>
-              <a:spcBef>
-                <a:spcPts val="0"/>
-              </a:spcBef>
-              <a:spcAft>
-                <a:spcPts val="0"/>
-              </a:spcAft>
-              <a:buSzPts val="1400"/>
-              <a:buFont typeface="Arial" panose="020B0604020202020204" pitchFamily="34" charset="0"/>
-              <a:buChar char="○"/>
-              <a:defRPr kumimoji="1" sz="2400" kern="1200">
-                <a:solidFill>
-                  <a:schemeClr val="tx1"/>
-                </a:solidFill>
-                <a:latin typeface="+mn-lt"/>
-                <a:ea typeface="+mn-ea"/>
-                <a:cs typeface="+mn-cs"/>
-              </a:defRPr>
-            </a:lvl2pPr>
-            <a:lvl3pPr marL="1828754" lvl="2" indent="-423323" algn="l" defTabSz="914400" rtl="0" eaLnBrk="1" latinLnBrk="0" hangingPunct="1">
-              <a:lnSpc>
-                <a:spcPct val="90000"/>
-              </a:lnSpc>
-              <a:spcBef>
-                <a:spcPts val="0"/>
-              </a:spcBef>
-              <a:spcAft>
-                <a:spcPts val="0"/>
-              </a:spcAft>
-              <a:buSzPts val="1400"/>
-              <a:buFont typeface="Arial" panose="020B0604020202020204" pitchFamily="34" charset="0"/>
-              <a:buChar char="■"/>
-              <a:defRPr kumimoji="1" sz="2000" kern="1200">
-                <a:solidFill>
-                  <a:schemeClr val="tx1"/>
-                </a:solidFill>
-                <a:latin typeface="+mn-lt"/>
-                <a:ea typeface="+mn-ea"/>
-                <a:cs typeface="+mn-cs"/>
-              </a:defRPr>
-            </a:lvl3pPr>
-            <a:lvl4pPr marL="2438339" lvl="3" indent="-423323" algn="l" defTabSz="914400" rtl="0" eaLnBrk="1" latinLnBrk="0" hangingPunct="1">
-              <a:lnSpc>
-                <a:spcPct val="90000"/>
-              </a:lnSpc>
-              <a:spcBef>
-                <a:spcPts val="0"/>
-              </a:spcBef>
-              <a:spcAft>
-                <a:spcPts val="0"/>
-              </a:spcAft>
-              <a:buSzPts val="1400"/>
-              <a:buFont typeface="Arial" panose="020B0604020202020204" pitchFamily="34" charset="0"/>
-              <a:buChar char="●"/>
-              <a:defRPr kumimoji="1" sz="1800" kern="1200">
-                <a:solidFill>
-                  <a:schemeClr val="tx1"/>
-                </a:solidFill>
-                <a:latin typeface="+mn-lt"/>
-                <a:ea typeface="+mn-ea"/>
-                <a:cs typeface="+mn-cs"/>
-              </a:defRPr>
-            </a:lvl4pPr>
-            <a:lvl5pPr marL="3047924" lvl="4" indent="-423323" algn="l" defTabSz="914400" rtl="0" eaLnBrk="1" latinLnBrk="0" hangingPunct="1">
-              <a:lnSpc>
-                <a:spcPct val="90000"/>
-              </a:lnSpc>
-              <a:spcBef>
-                <a:spcPts val="0"/>
-              </a:spcBef>
-              <a:spcAft>
-                <a:spcPts val="0"/>
-              </a:spcAft>
-              <a:buSzPts val="1400"/>
-              <a:buFont typeface="Arial" panose="020B0604020202020204" pitchFamily="34" charset="0"/>
-              <a:buChar char="○"/>
-              <a:defRPr kumimoji="1" sz="1800" kern="1200">
-                <a:solidFill>
-                  <a:schemeClr val="tx1"/>
-                </a:solidFill>
-                <a:latin typeface="+mn-lt"/>
-                <a:ea typeface="+mn-ea"/>
-                <a:cs typeface="+mn-cs"/>
-              </a:defRPr>
-            </a:lvl5pPr>
-            <a:lvl6pPr marL="3657509" lvl="5" indent="-423323" algn="l" defTabSz="914400" rtl="0" eaLnBrk="1" latinLnBrk="0" hangingPunct="1">
-              <a:lnSpc>
-                <a:spcPct val="90000"/>
-              </a:lnSpc>
-              <a:spcBef>
-                <a:spcPts val="0"/>
-              </a:spcBef>
-              <a:spcAft>
-                <a:spcPts val="0"/>
-              </a:spcAft>
-              <a:buSzPts val="1400"/>
-              <a:buFont typeface="Arial" panose="020B0604020202020204" pitchFamily="34" charset="0"/>
-              <a:buChar char="■"/>
-              <a:defRPr kumimoji="1" sz="1800" kern="1200">
-                <a:solidFill>
-                  <a:schemeClr val="tx1"/>
-                </a:solidFill>
-                <a:latin typeface="+mn-lt"/>
-                <a:ea typeface="+mn-ea"/>
-                <a:cs typeface="+mn-cs"/>
-              </a:defRPr>
-            </a:lvl6pPr>
-            <a:lvl7pPr marL="4267093" lvl="6" indent="-423323" algn="l" defTabSz="914400" rtl="0" eaLnBrk="1" latinLnBrk="0" hangingPunct="1">
-              <a:lnSpc>
-                <a:spcPct val="90000"/>
-              </a:lnSpc>
-              <a:spcBef>
-                <a:spcPts val="0"/>
-              </a:spcBef>
-              <a:spcAft>
-                <a:spcPts val="0"/>
-              </a:spcAft>
-              <a:buSzPts val="1400"/>
-              <a:buFont typeface="Arial" panose="020B0604020202020204" pitchFamily="34" charset="0"/>
-              <a:buChar char="●"/>
-              <a:defRPr kumimoji="1" sz="1800" kern="1200">
-                <a:solidFill>
-                  <a:schemeClr val="tx1"/>
-                </a:solidFill>
-                <a:latin typeface="+mn-lt"/>
-                <a:ea typeface="+mn-ea"/>
-                <a:cs typeface="+mn-cs"/>
-              </a:defRPr>
-            </a:lvl7pPr>
-            <a:lvl8pPr marL="4876678" lvl="7" indent="-423323" algn="l" defTabSz="914400" rtl="0" eaLnBrk="1" latinLnBrk="0" hangingPunct="1">
-              <a:lnSpc>
-                <a:spcPct val="90000"/>
-              </a:lnSpc>
-              <a:spcBef>
-                <a:spcPts val="0"/>
-              </a:spcBef>
-              <a:spcAft>
-                <a:spcPts val="0"/>
-              </a:spcAft>
-              <a:buSzPts val="1400"/>
-              <a:buFont typeface="Arial" panose="020B0604020202020204" pitchFamily="34" charset="0"/>
-              <a:buChar char="○"/>
-              <a:defRPr kumimoji="1" sz="1800" kern="1200">
-                <a:solidFill>
-                  <a:schemeClr val="tx1"/>
-                </a:solidFill>
-                <a:latin typeface="+mn-lt"/>
-                <a:ea typeface="+mn-ea"/>
-                <a:cs typeface="+mn-cs"/>
-              </a:defRPr>
-            </a:lvl8pPr>
-            <a:lvl9pPr marL="5486263" lvl="8" indent="-423323" algn="l" defTabSz="914400" rtl="0" eaLnBrk="1" latinLnBrk="0" hangingPunct="1">
-              <a:lnSpc>
-                <a:spcPct val="90000"/>
-              </a:lnSpc>
-              <a:spcBef>
-                <a:spcPts val="0"/>
-              </a:spcBef>
-              <a:spcAft>
-                <a:spcPts val="0"/>
-              </a:spcAft>
-              <a:buSzPts val="1400"/>
-              <a:buFont typeface="Arial" panose="020B0604020202020204" pitchFamily="34" charset="0"/>
-              <a:buChar char="■"/>
-              <a:defRPr kumimoji="1" sz="1800" kern="1200">
-                <a:solidFill>
-                  <a:schemeClr val="tx1"/>
-                </a:solidFill>
-                <a:latin typeface="+mn-lt"/>
-                <a:ea typeface="+mn-ea"/>
-                <a:cs typeface="+mn-cs"/>
-              </a:defRPr>
-            </a:lvl9pPr>
-          </a:lstStyle>
-          <a:p>
-            <a:pPr marL="0" indent="0">
-              <a:buFont typeface="Arial" panose="020B0604020202020204" pitchFamily="34" charset="0"/>
-              <a:buNone/>
-            </a:pPr>
-            <a:r>
-              <a:rPr lang="en-US" altLang="ja-JP" sz="1867" dirty="0"/>
-              <a:t>EC</a:t>
-            </a:r>
-            <a:r>
-              <a:rPr lang="ja-JP" altLang="en-US" sz="1867" dirty="0"/>
-              <a:t>システム</a:t>
-            </a:r>
-          </a:p>
-        </p:txBody>
-      </p:sp>
-      <p:sp>
-        <p:nvSpPr>
-          <p:cNvPr id="19" name="テキスト ボックス 18">
-            <a:extLst>
-              <a:ext uri="{FF2B5EF4-FFF2-40B4-BE49-F238E27FC236}">
-                <a16:creationId xmlns:a16="http://schemas.microsoft.com/office/drawing/2014/main" id="{0306916D-621C-09DD-672C-1E5958D9076E}"/>
-              </a:ext>
-            </a:extLst>
-          </p:cNvPr>
-          <p:cNvSpPr txBox="1"/>
-          <p:nvPr/>
-        </p:nvSpPr>
-        <p:spPr>
-          <a:xfrm>
-            <a:off x="203165" y="843491"/>
-            <a:ext cx="10994325" cy="615553"/>
-          </a:xfrm>
-          <a:prstGeom prst="rect">
-            <a:avLst/>
-          </a:prstGeom>
-          <a:noFill/>
-          <a:ln>
-            <a:noFill/>
-          </a:ln>
-        </p:spPr>
-        <p:txBody>
-          <a:bodyPr wrap="square" rtlCol="0">
-            <a:spAutoFit/>
-          </a:bodyPr>
-          <a:lstStyle/>
-          <a:p>
-            <a:r>
-              <a:rPr lang="ja-JP" altLang="en-US" sz="1700" dirty="0"/>
-              <a:t>顧客情報、受注情報をコールセンター</a:t>
-            </a:r>
-            <a:r>
-              <a:rPr lang="en-US" altLang="ja-JP" sz="1700" dirty="0"/>
-              <a:t>(CRM)</a:t>
-            </a:r>
-            <a:r>
-              <a:rPr lang="ja-JP" altLang="en-US" sz="1700" dirty="0"/>
-              <a:t>と連携する</a:t>
-            </a:r>
-            <a:endParaRPr lang="en-US" altLang="ja-JP" sz="1700" dirty="0"/>
-          </a:p>
-          <a:p>
-            <a:r>
-              <a:rPr lang="ja-JP" altLang="en-US" sz="1700" dirty="0"/>
-              <a:t>担当者：カスタマーサービス部メンバー</a:t>
-            </a:r>
-            <a:endParaRPr lang="en-US" altLang="ja-JP" sz="1700" dirty="0"/>
-          </a:p>
-        </p:txBody>
-      </p:sp>
-      <p:sp>
-        <p:nvSpPr>
-          <p:cNvPr id="8" name="テキスト ボックス 7">
-            <a:extLst>
-              <a:ext uri="{FF2B5EF4-FFF2-40B4-BE49-F238E27FC236}">
-                <a16:creationId xmlns:a16="http://schemas.microsoft.com/office/drawing/2014/main" id="{220EBD69-A3F7-058D-4300-B944A96E831C}"/>
-              </a:ext>
-            </a:extLst>
-          </p:cNvPr>
-          <p:cNvSpPr txBox="1"/>
-          <p:nvPr/>
-        </p:nvSpPr>
-        <p:spPr>
-          <a:xfrm>
-            <a:off x="2428846" y="4078747"/>
-            <a:ext cx="2535693" cy="615553"/>
-          </a:xfrm>
-          <a:prstGeom prst="rect">
-            <a:avLst/>
-          </a:prstGeom>
-          <a:noFill/>
-          <a:ln>
-            <a:noFill/>
-          </a:ln>
-        </p:spPr>
-        <p:txBody>
-          <a:bodyPr wrap="square" rtlCol="0">
-            <a:spAutoFit/>
-          </a:bodyPr>
-          <a:lstStyle/>
-          <a:p>
-            <a:r>
-              <a:rPr kumimoji="1" lang="ja-JP" altLang="en-US" sz="1700" dirty="0"/>
-              <a:t>・顧客情報連携指示</a:t>
-            </a:r>
-            <a:endParaRPr kumimoji="1" lang="en-US" altLang="ja-JP" sz="1700" dirty="0"/>
-          </a:p>
-          <a:p>
-            <a:r>
-              <a:rPr lang="ja-JP" altLang="en-US" sz="1700" dirty="0"/>
-              <a:t>・受注情報連携指示</a:t>
-            </a:r>
-            <a:endParaRPr kumimoji="1" lang="ja-JP" altLang="en-US" sz="1700" dirty="0"/>
-          </a:p>
-        </p:txBody>
-      </p:sp>
-      <p:sp>
-        <p:nvSpPr>
-          <p:cNvPr id="25" name="矢印: 右 24">
-            <a:extLst>
-              <a:ext uri="{FF2B5EF4-FFF2-40B4-BE49-F238E27FC236}">
-                <a16:creationId xmlns:a16="http://schemas.microsoft.com/office/drawing/2014/main" id="{E2997910-EA3E-03E3-6358-6B0DA42A33A9}"/>
-              </a:ext>
-            </a:extLst>
-          </p:cNvPr>
-          <p:cNvSpPr/>
-          <p:nvPr/>
-        </p:nvSpPr>
-        <p:spPr>
-          <a:xfrm>
-            <a:off x="2620412" y="3570093"/>
-            <a:ext cx="1554265" cy="321228"/>
-          </a:xfrm>
-          <a:prstGeom prst="rightArrow">
-            <a:avLst/>
-          </a:prstGeom>
-        </p:spPr>
-        <p:style>
-          <a:lnRef idx="2">
-            <a:schemeClr val="accent1">
-              <a:shade val="15000"/>
-            </a:schemeClr>
-          </a:lnRef>
-          <a:fillRef idx="1">
-            <a:schemeClr val="accent1"/>
-          </a:fillRef>
-          <a:effectRef idx="0">
-            <a:schemeClr val="accent1"/>
-          </a:effectRef>
-          <a:fontRef idx="minor">
-            <a:schemeClr val="lt1"/>
-          </a:fontRef>
-        </p:style>
-        <p:txBody>
-          <a:bodyPr rtlCol="0" anchor="ctr"/>
-          <a:lstStyle/>
-          <a:p>
-            <a:pPr algn="ctr"/>
-            <a:endParaRPr kumimoji="1" lang="ja-JP" altLang="en-US"/>
-          </a:p>
-        </p:txBody>
-      </p:sp>
-      <p:sp>
-        <p:nvSpPr>
-          <p:cNvPr id="11" name="テキスト ボックス 10">
-            <a:extLst>
-              <a:ext uri="{FF2B5EF4-FFF2-40B4-BE49-F238E27FC236}">
-                <a16:creationId xmlns:a16="http://schemas.microsoft.com/office/drawing/2014/main" id="{450936C0-4AEE-6B56-CAE9-A6BC08C4AC03}"/>
-              </a:ext>
-            </a:extLst>
-          </p:cNvPr>
-          <p:cNvSpPr txBox="1"/>
-          <p:nvPr/>
-        </p:nvSpPr>
-        <p:spPr>
-          <a:xfrm>
-            <a:off x="7421972" y="4149622"/>
-            <a:ext cx="1981948" cy="615553"/>
-          </a:xfrm>
-          <a:prstGeom prst="rect">
-            <a:avLst/>
-          </a:prstGeom>
-          <a:noFill/>
-          <a:ln>
-            <a:noFill/>
-          </a:ln>
-        </p:spPr>
-        <p:txBody>
-          <a:bodyPr wrap="square" rtlCol="0">
-            <a:spAutoFit/>
-          </a:bodyPr>
-          <a:lstStyle/>
-          <a:p>
-            <a:r>
-              <a:rPr kumimoji="1" lang="ja-JP" altLang="en-US" sz="1700" dirty="0"/>
-              <a:t>・顧客情報連携</a:t>
-            </a:r>
-            <a:endParaRPr kumimoji="1" lang="en-US" altLang="ja-JP" sz="1700" dirty="0"/>
-          </a:p>
-          <a:p>
-            <a:r>
-              <a:rPr lang="ja-JP" altLang="en-US" sz="1700" dirty="0"/>
-              <a:t>・受注情報連携</a:t>
-            </a:r>
-            <a:endParaRPr kumimoji="1" lang="ja-JP" altLang="en-US" sz="1700" dirty="0"/>
-          </a:p>
-        </p:txBody>
-      </p:sp>
-      <p:sp>
-        <p:nvSpPr>
-          <p:cNvPr id="2" name="矢印: 左右 1">
-            <a:extLst>
-              <a:ext uri="{FF2B5EF4-FFF2-40B4-BE49-F238E27FC236}">
-                <a16:creationId xmlns:a16="http://schemas.microsoft.com/office/drawing/2014/main" id="{8AB6FF47-7FFF-784D-E33F-59001348BF1F}"/>
-              </a:ext>
-            </a:extLst>
-          </p:cNvPr>
-          <p:cNvSpPr/>
-          <p:nvPr/>
-        </p:nvSpPr>
-        <p:spPr>
-          <a:xfrm>
-            <a:off x="7588953" y="3526566"/>
-            <a:ext cx="1403927" cy="404410"/>
-          </a:xfrm>
-          <a:prstGeom prst="leftRightArrow">
-            <a:avLst/>
-          </a:prstGeom>
-        </p:spPr>
-        <p:style>
-          <a:lnRef idx="2">
-            <a:schemeClr val="accent1">
-              <a:shade val="15000"/>
-            </a:schemeClr>
-          </a:lnRef>
-          <a:fillRef idx="1">
-            <a:schemeClr val="accent1"/>
-          </a:fillRef>
-          <a:effectRef idx="0">
-            <a:schemeClr val="accent1"/>
-          </a:effectRef>
-          <a:fontRef idx="minor">
-            <a:schemeClr val="lt1"/>
-          </a:fontRef>
-        </p:style>
-        <p:txBody>
-          <a:bodyPr rtlCol="0" anchor="ctr"/>
-          <a:lstStyle/>
-          <a:p>
-            <a:pPr algn="ctr"/>
-            <a:endParaRPr kumimoji="1" lang="ja-JP" altLang="en-US"/>
-          </a:p>
-        </p:txBody>
-      </p:sp>
-      <p:pic>
-        <p:nvPicPr>
-          <p:cNvPr id="12" name="グラフィックス 11" descr="コンピューター 単色塗りつぶし">
-            <a:extLst>
-              <a:ext uri="{FF2B5EF4-FFF2-40B4-BE49-F238E27FC236}">
-                <a16:creationId xmlns:a16="http://schemas.microsoft.com/office/drawing/2014/main" id="{0FF13E29-EEFB-FF83-C264-04DCDDBAE450}"/>
-              </a:ext>
-            </a:extLst>
-          </p:cNvPr>
-          <p:cNvPicPr>
-            <a:picLocks noChangeAspect="1"/>
-          </p:cNvPicPr>
-          <p:nvPr/>
-        </p:nvPicPr>
-        <p:blipFill>
-          <a:blip r:embed="rId7">
-            <a:extLst>
-              <a:ext uri="{96DAC541-7B7A-43D3-8B79-37D633B846F1}">
-                <asvg:svgBlip xmlns:asvg="http://schemas.microsoft.com/office/drawing/2016/SVG/main" r:embed="rId8"/>
-              </a:ext>
-            </a:extLst>
-          </a:blip>
-          <a:stretch>
-            <a:fillRect/>
-          </a:stretch>
-        </p:blipFill>
-        <p:spPr>
-          <a:xfrm>
-            <a:off x="9201835" y="2794987"/>
-            <a:ext cx="1981948" cy="1981948"/>
-          </a:xfrm>
-          <a:prstGeom prst="rect">
-            <a:avLst/>
-          </a:prstGeom>
-        </p:spPr>
-      </p:pic>
-      <p:sp>
-        <p:nvSpPr>
-          <p:cNvPr id="15" name="Google Shape;61;p14">
-            <a:extLst>
-              <a:ext uri="{FF2B5EF4-FFF2-40B4-BE49-F238E27FC236}">
-                <a16:creationId xmlns:a16="http://schemas.microsoft.com/office/drawing/2014/main" id="{2DF972A3-3766-26E1-4FDB-4135940317BB}"/>
-              </a:ext>
-            </a:extLst>
-          </p:cNvPr>
-          <p:cNvSpPr txBox="1">
-            <a:spLocks/>
-          </p:cNvSpPr>
-          <p:nvPr/>
-        </p:nvSpPr>
-        <p:spPr>
-          <a:xfrm>
-            <a:off x="9291230" y="2600967"/>
-            <a:ext cx="1700607" cy="631313"/>
-          </a:xfrm>
-          <a:prstGeom prst="rect">
-            <a:avLst/>
-          </a:prstGeom>
-        </p:spPr>
-        <p:txBody>
-          <a:bodyPr spcFirstLastPara="1" vert="horz" wrap="square" lIns="121900" tIns="121900" rIns="121900" bIns="121900" rtlCol="0" anchor="t" anchorCtr="0">
-            <a:normAutofit fontScale="92500" lnSpcReduction="20000"/>
-          </a:bodyPr>
-          <a:lstStyle>
-            <a:lvl1pPr marL="609585" lvl="0" indent="-457189" algn="l" defTabSz="914400" rtl="0" eaLnBrk="1" latinLnBrk="0" hangingPunct="1">
-              <a:lnSpc>
-                <a:spcPct val="90000"/>
-              </a:lnSpc>
-              <a:spcBef>
-                <a:spcPts val="0"/>
-              </a:spcBef>
-              <a:spcAft>
-                <a:spcPts val="0"/>
-              </a:spcAft>
-              <a:buSzPts val="1800"/>
-              <a:buFont typeface="Arial" panose="020B0604020202020204" pitchFamily="34" charset="0"/>
-              <a:buChar char="●"/>
-              <a:defRPr kumimoji="1" sz="2800" kern="1200">
-                <a:solidFill>
-                  <a:schemeClr val="tx1"/>
-                </a:solidFill>
-                <a:latin typeface="+mn-lt"/>
-                <a:ea typeface="+mn-ea"/>
-                <a:cs typeface="+mn-cs"/>
-              </a:defRPr>
-            </a:lvl1pPr>
-            <a:lvl2pPr marL="1219170" lvl="1" indent="-423323" algn="l" defTabSz="914400" rtl="0" eaLnBrk="1" latinLnBrk="0" hangingPunct="1">
-              <a:lnSpc>
-                <a:spcPct val="90000"/>
-              </a:lnSpc>
-              <a:spcBef>
-                <a:spcPts val="0"/>
-              </a:spcBef>
-              <a:spcAft>
-                <a:spcPts val="0"/>
-              </a:spcAft>
-              <a:buSzPts val="1400"/>
-              <a:buFont typeface="Arial" panose="020B0604020202020204" pitchFamily="34" charset="0"/>
-              <a:buChar char="○"/>
-              <a:defRPr kumimoji="1" sz="2400" kern="1200">
-                <a:solidFill>
-                  <a:schemeClr val="tx1"/>
-                </a:solidFill>
-                <a:latin typeface="+mn-lt"/>
-                <a:ea typeface="+mn-ea"/>
-                <a:cs typeface="+mn-cs"/>
-              </a:defRPr>
-            </a:lvl2pPr>
-            <a:lvl3pPr marL="1828754" lvl="2" indent="-423323" algn="l" defTabSz="914400" rtl="0" eaLnBrk="1" latinLnBrk="0" hangingPunct="1">
-              <a:lnSpc>
-                <a:spcPct val="90000"/>
-              </a:lnSpc>
-              <a:spcBef>
-                <a:spcPts val="0"/>
-              </a:spcBef>
-              <a:spcAft>
-                <a:spcPts val="0"/>
-              </a:spcAft>
-              <a:buSzPts val="1400"/>
-              <a:buFont typeface="Arial" panose="020B0604020202020204" pitchFamily="34" charset="0"/>
-              <a:buChar char="■"/>
-              <a:defRPr kumimoji="1" sz="2000" kern="1200">
-                <a:solidFill>
-                  <a:schemeClr val="tx1"/>
-                </a:solidFill>
-                <a:latin typeface="+mn-lt"/>
-                <a:ea typeface="+mn-ea"/>
-                <a:cs typeface="+mn-cs"/>
-              </a:defRPr>
-            </a:lvl3pPr>
-            <a:lvl4pPr marL="2438339" lvl="3" indent="-423323" algn="l" defTabSz="914400" rtl="0" eaLnBrk="1" latinLnBrk="0" hangingPunct="1">
-              <a:lnSpc>
-                <a:spcPct val="90000"/>
-              </a:lnSpc>
-              <a:spcBef>
-                <a:spcPts val="0"/>
-              </a:spcBef>
-              <a:spcAft>
-                <a:spcPts val="0"/>
-              </a:spcAft>
-              <a:buSzPts val="1400"/>
-              <a:buFont typeface="Arial" panose="020B0604020202020204" pitchFamily="34" charset="0"/>
-              <a:buChar char="●"/>
-              <a:defRPr kumimoji="1" sz="1800" kern="1200">
-                <a:solidFill>
-                  <a:schemeClr val="tx1"/>
-                </a:solidFill>
-                <a:latin typeface="+mn-lt"/>
-                <a:ea typeface="+mn-ea"/>
-                <a:cs typeface="+mn-cs"/>
-              </a:defRPr>
-            </a:lvl4pPr>
-            <a:lvl5pPr marL="3047924" lvl="4" indent="-423323" algn="l" defTabSz="914400" rtl="0" eaLnBrk="1" latinLnBrk="0" hangingPunct="1">
-              <a:lnSpc>
-                <a:spcPct val="90000"/>
-              </a:lnSpc>
-              <a:spcBef>
-                <a:spcPts val="0"/>
-              </a:spcBef>
-              <a:spcAft>
-                <a:spcPts val="0"/>
-              </a:spcAft>
-              <a:buSzPts val="1400"/>
-              <a:buFont typeface="Arial" panose="020B0604020202020204" pitchFamily="34" charset="0"/>
-              <a:buChar char="○"/>
-              <a:defRPr kumimoji="1" sz="1800" kern="1200">
-                <a:solidFill>
-                  <a:schemeClr val="tx1"/>
-                </a:solidFill>
-                <a:latin typeface="+mn-lt"/>
-                <a:ea typeface="+mn-ea"/>
-                <a:cs typeface="+mn-cs"/>
-              </a:defRPr>
-            </a:lvl5pPr>
-            <a:lvl6pPr marL="3657509" lvl="5" indent="-423323" algn="l" defTabSz="914400" rtl="0" eaLnBrk="1" latinLnBrk="0" hangingPunct="1">
-              <a:lnSpc>
-                <a:spcPct val="90000"/>
-              </a:lnSpc>
-              <a:spcBef>
-                <a:spcPts val="0"/>
-              </a:spcBef>
-              <a:spcAft>
-                <a:spcPts val="0"/>
-              </a:spcAft>
-              <a:buSzPts val="1400"/>
-              <a:buFont typeface="Arial" panose="020B0604020202020204" pitchFamily="34" charset="0"/>
-              <a:buChar char="■"/>
-              <a:defRPr kumimoji="1" sz="1800" kern="1200">
-                <a:solidFill>
-                  <a:schemeClr val="tx1"/>
-                </a:solidFill>
-                <a:latin typeface="+mn-lt"/>
-                <a:ea typeface="+mn-ea"/>
-                <a:cs typeface="+mn-cs"/>
-              </a:defRPr>
-            </a:lvl6pPr>
-            <a:lvl7pPr marL="4267093" lvl="6" indent="-423323" algn="l" defTabSz="914400" rtl="0" eaLnBrk="1" latinLnBrk="0" hangingPunct="1">
-              <a:lnSpc>
-                <a:spcPct val="90000"/>
-              </a:lnSpc>
-              <a:spcBef>
-                <a:spcPts val="0"/>
-              </a:spcBef>
-              <a:spcAft>
-                <a:spcPts val="0"/>
-              </a:spcAft>
-              <a:buSzPts val="1400"/>
-              <a:buFont typeface="Arial" panose="020B0604020202020204" pitchFamily="34" charset="0"/>
-              <a:buChar char="●"/>
-              <a:defRPr kumimoji="1" sz="1800" kern="1200">
-                <a:solidFill>
-                  <a:schemeClr val="tx1"/>
-                </a:solidFill>
-                <a:latin typeface="+mn-lt"/>
-                <a:ea typeface="+mn-ea"/>
-                <a:cs typeface="+mn-cs"/>
-              </a:defRPr>
-            </a:lvl7pPr>
-            <a:lvl8pPr marL="4876678" lvl="7" indent="-423323" algn="l" defTabSz="914400" rtl="0" eaLnBrk="1" latinLnBrk="0" hangingPunct="1">
-              <a:lnSpc>
-                <a:spcPct val="90000"/>
-              </a:lnSpc>
-              <a:spcBef>
-                <a:spcPts val="0"/>
-              </a:spcBef>
-              <a:spcAft>
-                <a:spcPts val="0"/>
-              </a:spcAft>
-              <a:buSzPts val="1400"/>
-              <a:buFont typeface="Arial" panose="020B0604020202020204" pitchFamily="34" charset="0"/>
-              <a:buChar char="○"/>
-              <a:defRPr kumimoji="1" sz="1800" kern="1200">
-                <a:solidFill>
-                  <a:schemeClr val="tx1"/>
-                </a:solidFill>
-                <a:latin typeface="+mn-lt"/>
-                <a:ea typeface="+mn-ea"/>
-                <a:cs typeface="+mn-cs"/>
-              </a:defRPr>
-            </a:lvl8pPr>
-            <a:lvl9pPr marL="5486263" lvl="8" indent="-423323" algn="l" defTabSz="914400" rtl="0" eaLnBrk="1" latinLnBrk="0" hangingPunct="1">
-              <a:lnSpc>
-                <a:spcPct val="90000"/>
-              </a:lnSpc>
-              <a:spcBef>
-                <a:spcPts val="0"/>
-              </a:spcBef>
-              <a:spcAft>
-                <a:spcPts val="0"/>
-              </a:spcAft>
-              <a:buSzPts val="1400"/>
-              <a:buFont typeface="Arial" panose="020B0604020202020204" pitchFamily="34" charset="0"/>
-              <a:buChar char="■"/>
-              <a:defRPr kumimoji="1" sz="1800" kern="1200">
-                <a:solidFill>
-                  <a:schemeClr val="tx1"/>
-                </a:solidFill>
-                <a:latin typeface="+mn-lt"/>
-                <a:ea typeface="+mn-ea"/>
-                <a:cs typeface="+mn-cs"/>
-              </a:defRPr>
-            </a:lvl9pPr>
-          </a:lstStyle>
-          <a:p>
-            <a:pPr marL="0" indent="0" algn="ctr">
-              <a:buFont typeface="Arial" panose="020B0604020202020204" pitchFamily="34" charset="0"/>
-              <a:buNone/>
-            </a:pPr>
-            <a:r>
-              <a:rPr lang="ja-JP" altLang="en-US" sz="1700" dirty="0"/>
-              <a:t>コールセンターシステム</a:t>
-            </a:r>
-            <a:r>
-              <a:rPr lang="en-US" altLang="ja-JP" sz="1700" dirty="0"/>
-              <a:t>(CRM)</a:t>
-            </a:r>
-            <a:endParaRPr lang="ja-JP" altLang="en-US" sz="1700" dirty="0"/>
-          </a:p>
-        </p:txBody>
-      </p:sp>
-      <p:sp>
-        <p:nvSpPr>
-          <p:cNvPr id="16" name="Google Shape;61;p14">
-            <a:extLst>
-              <a:ext uri="{FF2B5EF4-FFF2-40B4-BE49-F238E27FC236}">
-                <a16:creationId xmlns:a16="http://schemas.microsoft.com/office/drawing/2014/main" id="{AD0D5D34-100A-4DB7-AB6B-F9E5F395364E}"/>
-              </a:ext>
-            </a:extLst>
-          </p:cNvPr>
-          <p:cNvSpPr txBox="1">
-            <a:spLocks/>
-          </p:cNvSpPr>
-          <p:nvPr/>
-        </p:nvSpPr>
-        <p:spPr>
-          <a:xfrm>
-            <a:off x="171928" y="2822622"/>
-            <a:ext cx="2454719" cy="585843"/>
-          </a:xfrm>
-          <a:prstGeom prst="rect">
-            <a:avLst/>
-          </a:prstGeom>
-        </p:spPr>
-        <p:txBody>
-          <a:bodyPr spcFirstLastPara="1" vert="horz" wrap="square" lIns="121900" tIns="121900" rIns="121900" bIns="121900" rtlCol="0" anchor="t" anchorCtr="0">
-            <a:noAutofit/>
-          </a:bodyPr>
-          <a:lstStyle>
-            <a:lvl1pPr marL="609585" lvl="0" indent="-457189" algn="l" defTabSz="914400" rtl="0" eaLnBrk="1" latinLnBrk="0" hangingPunct="1">
-              <a:lnSpc>
-                <a:spcPct val="90000"/>
-              </a:lnSpc>
-              <a:spcBef>
-                <a:spcPts val="0"/>
-              </a:spcBef>
-              <a:spcAft>
-                <a:spcPts val="0"/>
-              </a:spcAft>
-              <a:buSzPts val="1800"/>
-              <a:buFont typeface="Arial" panose="020B0604020202020204" pitchFamily="34" charset="0"/>
-              <a:buChar char="●"/>
-              <a:defRPr kumimoji="1" sz="2800" kern="1200">
-                <a:solidFill>
-                  <a:schemeClr val="tx1"/>
-                </a:solidFill>
-                <a:latin typeface="+mn-lt"/>
-                <a:ea typeface="+mn-ea"/>
-                <a:cs typeface="+mn-cs"/>
-              </a:defRPr>
-            </a:lvl1pPr>
-            <a:lvl2pPr marL="1219170" lvl="1" indent="-423323" algn="l" defTabSz="914400" rtl="0" eaLnBrk="1" latinLnBrk="0" hangingPunct="1">
-              <a:lnSpc>
-                <a:spcPct val="90000"/>
-              </a:lnSpc>
-              <a:spcBef>
-                <a:spcPts val="0"/>
-              </a:spcBef>
-              <a:spcAft>
-                <a:spcPts val="0"/>
-              </a:spcAft>
-              <a:buSzPts val="1400"/>
-              <a:buFont typeface="Arial" panose="020B0604020202020204" pitchFamily="34" charset="0"/>
-              <a:buChar char="○"/>
-              <a:defRPr kumimoji="1" sz="2400" kern="1200">
-                <a:solidFill>
-                  <a:schemeClr val="tx1"/>
-                </a:solidFill>
-                <a:latin typeface="+mn-lt"/>
-                <a:ea typeface="+mn-ea"/>
-                <a:cs typeface="+mn-cs"/>
-              </a:defRPr>
-            </a:lvl2pPr>
-            <a:lvl3pPr marL="1828754" lvl="2" indent="-423323" algn="l" defTabSz="914400" rtl="0" eaLnBrk="1" latinLnBrk="0" hangingPunct="1">
-              <a:lnSpc>
-                <a:spcPct val="90000"/>
-              </a:lnSpc>
-              <a:spcBef>
-                <a:spcPts val="0"/>
-              </a:spcBef>
-              <a:spcAft>
-                <a:spcPts val="0"/>
-              </a:spcAft>
-              <a:buSzPts val="1400"/>
-              <a:buFont typeface="Arial" panose="020B0604020202020204" pitchFamily="34" charset="0"/>
-              <a:buChar char="■"/>
-              <a:defRPr kumimoji="1" sz="2000" kern="1200">
-                <a:solidFill>
-                  <a:schemeClr val="tx1"/>
-                </a:solidFill>
-                <a:latin typeface="+mn-lt"/>
-                <a:ea typeface="+mn-ea"/>
-                <a:cs typeface="+mn-cs"/>
-              </a:defRPr>
-            </a:lvl3pPr>
-            <a:lvl4pPr marL="2438339" lvl="3" indent="-423323" algn="l" defTabSz="914400" rtl="0" eaLnBrk="1" latinLnBrk="0" hangingPunct="1">
-              <a:lnSpc>
-                <a:spcPct val="90000"/>
-              </a:lnSpc>
-              <a:spcBef>
-                <a:spcPts val="0"/>
-              </a:spcBef>
-              <a:spcAft>
-                <a:spcPts val="0"/>
-              </a:spcAft>
-              <a:buSzPts val="1400"/>
-              <a:buFont typeface="Arial" panose="020B0604020202020204" pitchFamily="34" charset="0"/>
-              <a:buChar char="●"/>
-              <a:defRPr kumimoji="1" sz="1800" kern="1200">
-                <a:solidFill>
-                  <a:schemeClr val="tx1"/>
-                </a:solidFill>
-                <a:latin typeface="+mn-lt"/>
-                <a:ea typeface="+mn-ea"/>
-                <a:cs typeface="+mn-cs"/>
-              </a:defRPr>
-            </a:lvl4pPr>
-            <a:lvl5pPr marL="3047924" lvl="4" indent="-423323" algn="l" defTabSz="914400" rtl="0" eaLnBrk="1" latinLnBrk="0" hangingPunct="1">
-              <a:lnSpc>
-                <a:spcPct val="90000"/>
-              </a:lnSpc>
-              <a:spcBef>
-                <a:spcPts val="0"/>
-              </a:spcBef>
-              <a:spcAft>
-                <a:spcPts val="0"/>
-              </a:spcAft>
-              <a:buSzPts val="1400"/>
-              <a:buFont typeface="Arial" panose="020B0604020202020204" pitchFamily="34" charset="0"/>
-              <a:buChar char="○"/>
-              <a:defRPr kumimoji="1" sz="1800" kern="1200">
-                <a:solidFill>
-                  <a:schemeClr val="tx1"/>
-                </a:solidFill>
-                <a:latin typeface="+mn-lt"/>
-                <a:ea typeface="+mn-ea"/>
-                <a:cs typeface="+mn-cs"/>
-              </a:defRPr>
-            </a:lvl5pPr>
-            <a:lvl6pPr marL="3657509" lvl="5" indent="-423323" algn="l" defTabSz="914400" rtl="0" eaLnBrk="1" latinLnBrk="0" hangingPunct="1">
-              <a:lnSpc>
-                <a:spcPct val="90000"/>
-              </a:lnSpc>
-              <a:spcBef>
-                <a:spcPts val="0"/>
-              </a:spcBef>
-              <a:spcAft>
-                <a:spcPts val="0"/>
-              </a:spcAft>
-              <a:buSzPts val="1400"/>
-              <a:buFont typeface="Arial" panose="020B0604020202020204" pitchFamily="34" charset="0"/>
-              <a:buChar char="■"/>
-              <a:defRPr kumimoji="1" sz="1800" kern="1200">
-                <a:solidFill>
-                  <a:schemeClr val="tx1"/>
-                </a:solidFill>
-                <a:latin typeface="+mn-lt"/>
-                <a:ea typeface="+mn-ea"/>
-                <a:cs typeface="+mn-cs"/>
-              </a:defRPr>
-            </a:lvl6pPr>
-            <a:lvl7pPr marL="4267093" lvl="6" indent="-423323" algn="l" defTabSz="914400" rtl="0" eaLnBrk="1" latinLnBrk="0" hangingPunct="1">
-              <a:lnSpc>
-                <a:spcPct val="90000"/>
-              </a:lnSpc>
-              <a:spcBef>
-                <a:spcPts val="0"/>
-              </a:spcBef>
-              <a:spcAft>
-                <a:spcPts val="0"/>
-              </a:spcAft>
-              <a:buSzPts val="1400"/>
-              <a:buFont typeface="Arial" panose="020B0604020202020204" pitchFamily="34" charset="0"/>
-              <a:buChar char="●"/>
-              <a:defRPr kumimoji="1" sz="1800" kern="1200">
-                <a:solidFill>
-                  <a:schemeClr val="tx1"/>
-                </a:solidFill>
-                <a:latin typeface="+mn-lt"/>
-                <a:ea typeface="+mn-ea"/>
-                <a:cs typeface="+mn-cs"/>
-              </a:defRPr>
-            </a:lvl7pPr>
-            <a:lvl8pPr marL="4876678" lvl="7" indent="-423323" algn="l" defTabSz="914400" rtl="0" eaLnBrk="1" latinLnBrk="0" hangingPunct="1">
-              <a:lnSpc>
-                <a:spcPct val="90000"/>
-              </a:lnSpc>
-              <a:spcBef>
-                <a:spcPts val="0"/>
-              </a:spcBef>
-              <a:spcAft>
-                <a:spcPts val="0"/>
-              </a:spcAft>
-              <a:buSzPts val="1400"/>
-              <a:buFont typeface="Arial" panose="020B0604020202020204" pitchFamily="34" charset="0"/>
-              <a:buChar char="○"/>
-              <a:defRPr kumimoji="1" sz="1800" kern="1200">
-                <a:solidFill>
-                  <a:schemeClr val="tx1"/>
-                </a:solidFill>
-                <a:latin typeface="+mn-lt"/>
-                <a:ea typeface="+mn-ea"/>
-                <a:cs typeface="+mn-cs"/>
-              </a:defRPr>
-            </a:lvl8pPr>
-            <a:lvl9pPr marL="5486263" lvl="8" indent="-423323" algn="l" defTabSz="914400" rtl="0" eaLnBrk="1" latinLnBrk="0" hangingPunct="1">
-              <a:lnSpc>
-                <a:spcPct val="90000"/>
-              </a:lnSpc>
-              <a:spcBef>
-                <a:spcPts val="0"/>
-              </a:spcBef>
-              <a:spcAft>
-                <a:spcPts val="0"/>
-              </a:spcAft>
-              <a:buSzPts val="1400"/>
-              <a:buFont typeface="Arial" panose="020B0604020202020204" pitchFamily="34" charset="0"/>
-              <a:buChar char="■"/>
-              <a:defRPr kumimoji="1" sz="1800" kern="1200">
-                <a:solidFill>
-                  <a:schemeClr val="tx1"/>
-                </a:solidFill>
-                <a:latin typeface="+mn-lt"/>
-                <a:ea typeface="+mn-ea"/>
-                <a:cs typeface="+mn-cs"/>
-              </a:defRPr>
-            </a:lvl9pPr>
-          </a:lstStyle>
-          <a:p>
-            <a:pPr marL="0" indent="0" algn="ctr">
-              <a:buNone/>
-            </a:pPr>
-            <a:r>
-              <a:rPr lang="ja-JP" altLang="en-US" sz="1700" dirty="0"/>
-              <a:t>カスタマーサービス部メンバー</a:t>
-            </a:r>
-          </a:p>
-        </p:txBody>
-      </p:sp>
-    </p:spTree>
-    <p:extLst>
-      <p:ext uri="{BB962C8B-B14F-4D97-AF65-F5344CB8AC3E}">
-        <p14:creationId xmlns:p14="http://schemas.microsoft.com/office/powerpoint/2010/main" val="2749572660"/>
       </p:ext>
     </p:extLst>
   </p:cSld>
